--- a/proposal/NVMW.pptx
+++ b/proposal/NVMW.pptx
@@ -6,10 +6,10 @@
     <p:sldMasterId id="2147483673" r:id="rId2"/>
   </p:sldMasterIdLst>
   <p:notesMasterIdLst>
-    <p:notesMasterId r:id="rId18"/>
+    <p:notesMasterId r:id="rId20"/>
   </p:notesMasterIdLst>
   <p:handoutMasterIdLst>
-    <p:handoutMasterId r:id="rId19"/>
+    <p:handoutMasterId r:id="rId21"/>
   </p:handoutMasterIdLst>
   <p:sldIdLst>
     <p:sldId id="866" r:id="rId3"/>
@@ -17,16 +17,18 @@
     <p:sldId id="1209" r:id="rId5"/>
     <p:sldId id="1250" r:id="rId6"/>
     <p:sldId id="1222" r:id="rId7"/>
-    <p:sldId id="1254" r:id="rId8"/>
-    <p:sldId id="1255" r:id="rId9"/>
-    <p:sldId id="1226" r:id="rId10"/>
-    <p:sldId id="1256" r:id="rId11"/>
-    <p:sldId id="1257" r:id="rId12"/>
-    <p:sldId id="1260" r:id="rId13"/>
-    <p:sldId id="1258" r:id="rId14"/>
+    <p:sldId id="1255" r:id="rId8"/>
+    <p:sldId id="1226" r:id="rId9"/>
+    <p:sldId id="1256" r:id="rId10"/>
+    <p:sldId id="1257" r:id="rId11"/>
+    <p:sldId id="1260" r:id="rId12"/>
+    <p:sldId id="1258" r:id="rId13"/>
+    <p:sldId id="1262" r:id="rId14"/>
     <p:sldId id="1213" r:id="rId15"/>
-    <p:sldId id="1215" r:id="rId16"/>
-    <p:sldId id="1261" r:id="rId17"/>
+    <p:sldId id="1261" r:id="rId16"/>
+    <p:sldId id="1263" r:id="rId17"/>
+    <p:sldId id="1254" r:id="rId18"/>
+    <p:sldId id="1215" r:id="rId19"/>
   </p:sldIdLst>
   <p:sldSz cx="9144000" cy="6858000" type="screen4x3"/>
   <p:notesSz cx="6997700" cy="9271000"/>
@@ -165,16 +167,18 @@
             <p14:sldId id="1209"/>
             <p14:sldId id="1250"/>
             <p14:sldId id="1222"/>
-            <p14:sldId id="1254"/>
             <p14:sldId id="1255"/>
             <p14:sldId id="1226"/>
             <p14:sldId id="1256"/>
             <p14:sldId id="1257"/>
             <p14:sldId id="1260"/>
             <p14:sldId id="1258"/>
+            <p14:sldId id="1262"/>
             <p14:sldId id="1213"/>
+            <p14:sldId id="1261"/>
+            <p14:sldId id="1263"/>
+            <p14:sldId id="1254"/>
             <p14:sldId id="1215"/>
-            <p14:sldId id="1261"/>
           </p14:sldIdLst>
         </p14:section>
       </p14:sectionLst>
@@ -6944,7 +6948,127 @@
           <a:p>
             <a:r>
               <a:rPr lang="en-US" dirty="0" smtClean="0"/>
-              <a:t>NVRAM Group Commit</a:t>
+              <a:t>Modeling unavailable devices</a:t>
+            </a:r>
+            <a:endParaRPr lang="en-US" dirty="0"/>
+          </a:p>
+        </p:txBody>
+      </p:sp>
+      <p:sp>
+        <p:nvSpPr>
+          <p:cNvPr id="3" name="Content Placeholder 2"/>
+          <p:cNvSpPr>
+            <a:spLocks noGrp="1"/>
+          </p:cNvSpPr>
+          <p:nvPr>
+            <p:ph idx="1"/>
+          </p:nvPr>
+        </p:nvSpPr>
+        <p:spPr/>
+        <p:txBody>
+          <a:bodyPr/>
+          <a:lstStyle/>
+          <a:p>
+            <a:r>
+              <a:rPr lang="en-US" dirty="0"/>
+              <a:t>Run </a:t>
+            </a:r>
+            <a:r>
+              <a:rPr lang="en-US" dirty="0" smtClean="0"/>
+              <a:t>database </a:t>
+            </a:r>
+            <a:r>
+              <a:rPr lang="en-US" dirty="0"/>
+              <a:t>on </a:t>
+            </a:r>
+            <a:r>
+              <a:rPr lang="en-US" i="1" dirty="0"/>
+              <a:t>real hardware</a:t>
+            </a:r>
+            <a:endParaRPr lang="en-US" dirty="0"/>
+          </a:p>
+          <a:p>
+            <a:pPr lvl="1"/>
+            <a:r>
+              <a:rPr lang="en-US" dirty="0"/>
+              <a:t>Log and </a:t>
+            </a:r>
+            <a:r>
+              <a:rPr lang="en-US" dirty="0" err="1" smtClean="0"/>
+              <a:t>db</a:t>
+            </a:r>
+            <a:r>
+              <a:rPr lang="en-US" dirty="0" smtClean="0"/>
+              <a:t> heap </a:t>
+            </a:r>
+            <a:r>
+              <a:rPr lang="en-US" dirty="0"/>
+              <a:t>on </a:t>
+            </a:r>
+            <a:r>
+              <a:rPr lang="en-US" dirty="0" err="1" smtClean="0"/>
+              <a:t>RAMDisk</a:t>
+            </a:r>
+            <a:r>
+              <a:rPr lang="en-US" dirty="0" smtClean="0"/>
+              <a:t> (or just in DRAM)</a:t>
+            </a:r>
+            <a:endParaRPr lang="en-US" dirty="0"/>
+          </a:p>
+          <a:p>
+            <a:pPr lvl="1"/>
+            <a:r>
+              <a:rPr lang="en-US" dirty="0"/>
+              <a:t>Introduce precise delays (20ns precision using x86 RDTSCP) to model persist barrier latency</a:t>
+            </a:r>
+          </a:p>
+          <a:p>
+            <a:r>
+              <a:rPr lang="en-US" dirty="0" smtClean="0"/>
+              <a:t>Build </a:t>
+            </a:r>
+            <a:r>
+              <a:rPr lang="en-US" dirty="0"/>
+              <a:t>recovery mechanisms in </a:t>
+            </a:r>
+            <a:r>
+              <a:rPr lang="en-US" dirty="0" smtClean="0"/>
+              <a:t>software</a:t>
+            </a:r>
+          </a:p>
+          <a:p>
+            <a:pPr lvl="1"/>
+            <a:r>
+              <a:rPr lang="en-US" dirty="0" smtClean="0"/>
+              <a:t>Shore-MT: research platform for high performance transaction processing</a:t>
+            </a:r>
+            <a:endParaRPr lang="en-US" dirty="0"/>
+          </a:p>
+          <a:p>
+            <a:pPr lvl="1"/>
+            <a:r>
+              <a:rPr lang="en-US" dirty="0"/>
+              <a:t>Rely on dirty bit fields to </a:t>
+            </a:r>
+            <a:r>
+              <a:rPr lang="en-US" dirty="0" smtClean="0"/>
+              <a:t>track </a:t>
+            </a:r>
+            <a:r>
+              <a:rPr lang="en-US" dirty="0"/>
+              <a:t>buffer </a:t>
+            </a:r>
+            <a:r>
+              <a:rPr lang="en-US" dirty="0" smtClean="0"/>
+              <a:t>pool writes </a:t>
+            </a:r>
+            <a:r>
+              <a:rPr lang="en-US" dirty="0"/>
+              <a:t>during </a:t>
+            </a:r>
+            <a:r>
+              <a:rPr lang="en-US" dirty="0" smtClean="0"/>
+              <a:t>transaction, page latch, or batch</a:t>
             </a:r>
             <a:endParaRPr lang="en-US" dirty="0"/>
           </a:p>
@@ -6969,813 +7093,6 @@
               <a:rPr lang="en-US" smtClean="0"/>
               <a:pPr/>
               <a:t>10</a:t>
-            </a:fld>
-            <a:endParaRPr lang="en-US" dirty="0"/>
-          </a:p>
-        </p:txBody>
-      </p:sp>
-      <p:sp>
-        <p:nvSpPr>
-          <p:cNvPr id="5" name="TextBox 4"/>
-          <p:cNvSpPr txBox="1"/>
-          <p:nvPr/>
-        </p:nvSpPr>
-        <p:spPr>
-          <a:xfrm>
-            <a:off x="3499357" y="1124744"/>
-            <a:ext cx="745845" cy="400110"/>
-          </a:xfrm>
-          <a:prstGeom prst="rect">
-            <a:avLst/>
-          </a:prstGeom>
-          <a:noFill/>
-        </p:spPr>
-        <p:txBody>
-          <a:bodyPr wrap="none" rtlCol="0">
-            <a:spAutoFit/>
-          </a:bodyPr>
-          <a:lstStyle/>
-          <a:p>
-            <a:r>
-              <a:rPr lang="en-US" b="0" dirty="0" smtClean="0"/>
-              <a:t>Time</a:t>
-            </a:r>
-            <a:endParaRPr lang="en-US" b="0" dirty="0"/>
-          </a:p>
-        </p:txBody>
-      </p:sp>
-      <p:cxnSp>
-        <p:nvCxnSpPr>
-          <p:cNvPr id="7" name="Straight Arrow Connector 6"/>
-          <p:cNvCxnSpPr>
-            <a:stCxn id="5" idx="3"/>
-          </p:cNvCxnSpPr>
-          <p:nvPr/>
-        </p:nvCxnSpPr>
-        <p:spPr bwMode="auto">
-          <a:xfrm>
-            <a:off x="4245202" y="1324799"/>
-            <a:ext cx="1118886" cy="0"/>
-          </a:xfrm>
-          <a:prstGeom prst="straightConnector1">
-            <a:avLst/>
-          </a:prstGeom>
-          <a:solidFill>
-            <a:schemeClr val="accent1"/>
-          </a:solidFill>
-          <a:ln w="38100" cap="flat" cmpd="sng" algn="ctr">
-            <a:solidFill>
-              <a:schemeClr val="tx1"/>
-            </a:solidFill>
-            <a:prstDash val="solid"/>
-            <a:round/>
-            <a:headEnd type="none" w="med" len="med"/>
-            <a:tailEnd type="arrow"/>
-          </a:ln>
-          <a:effectLst/>
-        </p:spPr>
-      </p:cxnSp>
-      <p:cxnSp>
-        <p:nvCxnSpPr>
-          <p:cNvPr id="9" name="Straight Arrow Connector 8"/>
-          <p:cNvCxnSpPr/>
-          <p:nvPr/>
-        </p:nvCxnSpPr>
-        <p:spPr bwMode="auto">
-          <a:xfrm>
-            <a:off x="-2448780" y="2248432"/>
-            <a:ext cx="3276364" cy="0"/>
-          </a:xfrm>
-          <a:prstGeom prst="straightConnector1">
-            <a:avLst/>
-          </a:prstGeom>
-          <a:solidFill>
-            <a:schemeClr val="accent1"/>
-          </a:solidFill>
-          <a:ln w="50800" cap="flat" cmpd="sng" algn="ctr">
-            <a:solidFill>
-              <a:srgbClr val="85C8CD"/>
-            </a:solidFill>
-            <a:prstDash val="solid"/>
-            <a:round/>
-            <a:headEnd type="none" w="med" len="med"/>
-            <a:tailEnd type="arrow"/>
-          </a:ln>
-          <a:effectLst/>
-        </p:spPr>
-      </p:cxnSp>
-      <p:cxnSp>
-        <p:nvCxnSpPr>
-          <p:cNvPr id="11" name="Straight Arrow Connector 10"/>
-          <p:cNvCxnSpPr/>
-          <p:nvPr/>
-        </p:nvCxnSpPr>
-        <p:spPr bwMode="auto">
-          <a:xfrm>
-            <a:off x="-1008620" y="2748706"/>
-            <a:ext cx="3276364" cy="0"/>
-          </a:xfrm>
-          <a:prstGeom prst="straightConnector1">
-            <a:avLst/>
-          </a:prstGeom>
-          <a:solidFill>
-            <a:schemeClr val="accent1"/>
-          </a:solidFill>
-          <a:ln w="50800" cap="flat" cmpd="sng" algn="ctr">
-            <a:solidFill>
-              <a:srgbClr val="85C8CD"/>
-            </a:solidFill>
-            <a:prstDash val="solid"/>
-            <a:round/>
-            <a:headEnd type="none" w="med" len="med"/>
-            <a:tailEnd type="arrow"/>
-          </a:ln>
-          <a:effectLst/>
-        </p:spPr>
-      </p:cxnSp>
-      <p:cxnSp>
-        <p:nvCxnSpPr>
-          <p:cNvPr id="12" name="Straight Arrow Connector 11"/>
-          <p:cNvCxnSpPr/>
-          <p:nvPr/>
-        </p:nvCxnSpPr>
-        <p:spPr bwMode="auto">
-          <a:xfrm>
-            <a:off x="-1371214" y="3248980"/>
-            <a:ext cx="3276364" cy="0"/>
-          </a:xfrm>
-          <a:prstGeom prst="straightConnector1">
-            <a:avLst/>
-          </a:prstGeom>
-          <a:solidFill>
-            <a:schemeClr val="accent1"/>
-          </a:solidFill>
-          <a:ln w="50800" cap="flat" cmpd="sng" algn="ctr">
-            <a:solidFill>
-              <a:srgbClr val="85C8CD"/>
-            </a:solidFill>
-            <a:prstDash val="solid"/>
-            <a:round/>
-            <a:headEnd type="none" w="med" len="med"/>
-            <a:tailEnd type="arrow"/>
-          </a:ln>
-          <a:effectLst/>
-        </p:spPr>
-      </p:cxnSp>
-      <p:sp>
-        <p:nvSpPr>
-          <p:cNvPr id="10" name="Right Arrow 9"/>
-          <p:cNvSpPr/>
-          <p:nvPr/>
-        </p:nvSpPr>
-        <p:spPr bwMode="auto">
-          <a:xfrm>
-            <a:off x="2266770" y="2248432"/>
-            <a:ext cx="2269226" cy="1000548"/>
-          </a:xfrm>
-          <a:prstGeom prst="rightArrow">
-            <a:avLst/>
-          </a:prstGeom>
-          <a:solidFill>
-            <a:schemeClr val="accent1"/>
-          </a:solidFill>
-          <a:ln w="9525" cap="flat" cmpd="sng" algn="ctr">
-            <a:solidFill>
-              <a:schemeClr val="tx1"/>
-            </a:solidFill>
-            <a:prstDash val="solid"/>
-            <a:round/>
-            <a:headEnd type="none" w="med" len="med"/>
-            <a:tailEnd type="none" w="med" len="med"/>
-          </a:ln>
-          <a:effectLst/>
-        </p:spPr>
-        <p:txBody>
-          <a:bodyPr vert="horz" wrap="square" lIns="91440" tIns="45720" rIns="91440" bIns="45720" numCol="1" rtlCol="0" anchor="t" anchorCtr="0" compatLnSpc="1">
-            <a:prstTxWarp prst="textNoShape">
-              <a:avLst/>
-            </a:prstTxWarp>
-          </a:bodyPr>
-          <a:lstStyle/>
-          <a:p>
-            <a:pPr marL="0" marR="0" indent="0" defTabSz="914400" rtl="0" eaLnBrk="0" fontAlgn="base" latinLnBrk="0" hangingPunct="0">
-              <a:lnSpc>
-                <a:spcPct val="100000"/>
-              </a:lnSpc>
-              <a:spcBef>
-                <a:spcPct val="0"/>
-              </a:spcBef>
-              <a:spcAft>
-                <a:spcPct val="0"/>
-              </a:spcAft>
-              <a:buClrTx/>
-              <a:buSzTx/>
-              <a:buFontTx/>
-              <a:buNone/>
-              <a:tabLst/>
-            </a:pPr>
-            <a:r>
-              <a:rPr kumimoji="0" lang="en-US" sz="2400" b="0" i="0" u="none" strike="noStrike" cap="none" normalizeH="0" baseline="0" dirty="0" smtClean="0">
-                <a:ln>
-                  <a:noFill/>
-                </a:ln>
-                <a:solidFill>
-                  <a:schemeClr val="tx1"/>
-                </a:solidFill>
-                <a:effectLst/>
-                <a:latin typeface="Arial" charset="0"/>
-                <a:ea typeface="ＭＳ Ｐゴシック" charset="-128"/>
-              </a:rPr>
-              <a:t>Undo</a:t>
-            </a:r>
-            <a:r>
-              <a:rPr kumimoji="0" lang="en-US" sz="2400" b="0" i="0" u="none" strike="noStrike" cap="none" normalizeH="0" dirty="0" smtClean="0">
-                <a:ln>
-                  <a:noFill/>
-                </a:ln>
-                <a:solidFill>
-                  <a:schemeClr val="tx1"/>
-                </a:solidFill>
-                <a:effectLst/>
-                <a:latin typeface="Arial" charset="0"/>
-                <a:ea typeface="ＭＳ Ｐゴシック" charset="-128"/>
-              </a:rPr>
-              <a:t> log</a:t>
-            </a:r>
-            <a:endParaRPr kumimoji="0" lang="en-US" sz="2400" b="0" i="0" u="none" strike="noStrike" cap="none" normalizeH="0" baseline="0" dirty="0" smtClean="0">
-              <a:ln>
-                <a:noFill/>
-              </a:ln>
-              <a:solidFill>
-                <a:schemeClr val="tx1"/>
-              </a:solidFill>
-              <a:effectLst/>
-              <a:latin typeface="Arial" charset="0"/>
-              <a:ea typeface="ＭＳ Ｐゴシック" charset="-128"/>
-            </a:endParaRPr>
-          </a:p>
-        </p:txBody>
-      </p:sp>
-      <p:sp>
-        <p:nvSpPr>
-          <p:cNvPr id="18" name="Right Arrow 17"/>
-          <p:cNvSpPr/>
-          <p:nvPr/>
-        </p:nvSpPr>
-        <p:spPr bwMode="auto">
-          <a:xfrm>
-            <a:off x="4572000" y="2248432"/>
-            <a:ext cx="2160240" cy="1000548"/>
-          </a:xfrm>
-          <a:prstGeom prst="rightArrow">
-            <a:avLst/>
-          </a:prstGeom>
-          <a:solidFill>
-            <a:schemeClr val="accent1"/>
-          </a:solidFill>
-          <a:ln w="9525" cap="flat" cmpd="sng" algn="ctr">
-            <a:solidFill>
-              <a:schemeClr val="tx1"/>
-            </a:solidFill>
-            <a:prstDash val="solid"/>
-            <a:round/>
-            <a:headEnd type="none" w="med" len="med"/>
-            <a:tailEnd type="none" w="med" len="med"/>
-          </a:ln>
-          <a:effectLst/>
-        </p:spPr>
-        <p:txBody>
-          <a:bodyPr vert="horz" wrap="square" lIns="91440" tIns="45720" rIns="91440" bIns="45720" numCol="1" rtlCol="0" anchor="t" anchorCtr="0" compatLnSpc="1">
-            <a:prstTxWarp prst="textNoShape">
-              <a:avLst/>
-            </a:prstTxWarp>
-          </a:bodyPr>
-          <a:lstStyle/>
-          <a:p>
-            <a:pPr marL="0" marR="0" indent="0" defTabSz="914400" rtl="0" eaLnBrk="0" fontAlgn="base" latinLnBrk="0" hangingPunct="0">
-              <a:lnSpc>
-                <a:spcPct val="100000"/>
-              </a:lnSpc>
-              <a:spcBef>
-                <a:spcPct val="0"/>
-              </a:spcBef>
-              <a:spcAft>
-                <a:spcPct val="0"/>
-              </a:spcAft>
-              <a:buClrTx/>
-              <a:buSzTx/>
-              <a:buFontTx/>
-              <a:buNone/>
-              <a:tabLst/>
-            </a:pPr>
-            <a:r>
-              <a:rPr lang="en-US" sz="2400" b="0" dirty="0" smtClean="0">
-                <a:ea typeface="ＭＳ Ｐゴシック" charset="-128"/>
-              </a:rPr>
-              <a:t>Persist store</a:t>
-            </a:r>
-            <a:endParaRPr kumimoji="0" lang="en-US" sz="2400" b="0" i="0" u="none" strike="noStrike" cap="none" normalizeH="0" baseline="0" dirty="0" smtClean="0">
-              <a:ln>
-                <a:noFill/>
-              </a:ln>
-              <a:solidFill>
-                <a:schemeClr val="tx1"/>
-              </a:solidFill>
-              <a:effectLst/>
-              <a:latin typeface="Arial" charset="0"/>
-              <a:ea typeface="ＭＳ Ｐゴシック" charset="-128"/>
-            </a:endParaRPr>
-          </a:p>
-        </p:txBody>
-      </p:sp>
-      <p:grpSp>
-        <p:nvGrpSpPr>
-          <p:cNvPr id="3" name="Group 2"/>
-          <p:cNvGrpSpPr/>
-          <p:nvPr/>
-        </p:nvGrpSpPr>
-        <p:grpSpPr>
-          <a:xfrm>
-            <a:off x="6940974" y="2284436"/>
-            <a:ext cx="1915502" cy="1000548"/>
-            <a:chOff x="126600" y="1400284"/>
-            <a:chExt cx="2286254" cy="1000548"/>
-          </a:xfrm>
-        </p:grpSpPr>
-        <p:cxnSp>
-          <p:nvCxnSpPr>
-            <p:cNvPr id="22" name="Straight Arrow Connector 21"/>
-            <p:cNvCxnSpPr/>
-            <p:nvPr/>
-          </p:nvCxnSpPr>
-          <p:spPr bwMode="auto">
-            <a:xfrm>
-              <a:off x="126600" y="1400284"/>
-              <a:ext cx="2286254" cy="0"/>
-            </a:xfrm>
-            <a:prstGeom prst="straightConnector1">
-              <a:avLst/>
-            </a:prstGeom>
-            <a:solidFill>
-              <a:schemeClr val="accent1"/>
-            </a:solidFill>
-            <a:ln w="50800" cap="flat" cmpd="sng" algn="ctr">
-              <a:solidFill>
-                <a:srgbClr val="85C8CD"/>
-              </a:solidFill>
-              <a:prstDash val="solid"/>
-              <a:round/>
-              <a:headEnd type="none" w="med" len="med"/>
-              <a:tailEnd type="arrow"/>
-            </a:ln>
-            <a:effectLst/>
-          </p:spPr>
-        </p:cxnSp>
-        <p:cxnSp>
-          <p:nvCxnSpPr>
-            <p:cNvPr id="23" name="Straight Arrow Connector 22"/>
-            <p:cNvCxnSpPr/>
-            <p:nvPr/>
-          </p:nvCxnSpPr>
-          <p:spPr bwMode="auto">
-            <a:xfrm>
-              <a:off x="126600" y="1900558"/>
-              <a:ext cx="2286254" cy="0"/>
-            </a:xfrm>
-            <a:prstGeom prst="straightConnector1">
-              <a:avLst/>
-            </a:prstGeom>
-            <a:solidFill>
-              <a:schemeClr val="accent1"/>
-            </a:solidFill>
-            <a:ln w="50800" cap="flat" cmpd="sng" algn="ctr">
-              <a:solidFill>
-                <a:srgbClr val="85C8CD"/>
-              </a:solidFill>
-              <a:prstDash val="solid"/>
-              <a:round/>
-              <a:headEnd type="none" w="med" len="med"/>
-              <a:tailEnd type="arrow"/>
-            </a:ln>
-            <a:effectLst/>
-          </p:spPr>
-        </p:cxnSp>
-        <p:cxnSp>
-          <p:nvCxnSpPr>
-            <p:cNvPr id="24" name="Straight Arrow Connector 23"/>
-            <p:cNvCxnSpPr/>
-            <p:nvPr/>
-          </p:nvCxnSpPr>
-          <p:spPr bwMode="auto">
-            <a:xfrm>
-              <a:off x="126600" y="2400832"/>
-              <a:ext cx="2286254" cy="0"/>
-            </a:xfrm>
-            <a:prstGeom prst="straightConnector1">
-              <a:avLst/>
-            </a:prstGeom>
-            <a:solidFill>
-              <a:schemeClr val="accent1"/>
-            </a:solidFill>
-            <a:ln w="50800" cap="flat" cmpd="sng" algn="ctr">
-              <a:solidFill>
-                <a:srgbClr val="85C8CD"/>
-              </a:solidFill>
-              <a:prstDash val="solid"/>
-              <a:round/>
-              <a:headEnd type="none" w="med" len="med"/>
-              <a:tailEnd type="arrow"/>
-            </a:ln>
-            <a:effectLst/>
-          </p:spPr>
-        </p:cxnSp>
-      </p:grpSp>
-      <p:sp>
-        <p:nvSpPr>
-          <p:cNvPr id="26" name="TextBox 25"/>
-          <p:cNvSpPr txBox="1"/>
-          <p:nvPr/>
-        </p:nvSpPr>
-        <p:spPr>
-          <a:xfrm>
-            <a:off x="92481" y="4473116"/>
-            <a:ext cx="8946681" cy="1692771"/>
-          </a:xfrm>
-          <a:prstGeom prst="rect">
-            <a:avLst/>
-          </a:prstGeom>
-          <a:noFill/>
-        </p:spPr>
-        <p:txBody>
-          <a:bodyPr wrap="none" rtlCol="0">
-            <a:spAutoFit/>
-          </a:bodyPr>
-          <a:lstStyle/>
-          <a:p>
-            <a:r>
-              <a:rPr lang="en-US" sz="2600" b="0" i="1" dirty="0" smtClean="0">
-                <a:solidFill>
-                  <a:srgbClr val="FF0909"/>
-                </a:solidFill>
-              </a:rPr>
-              <a:t>Constant number of persist barriers per batch</a:t>
-            </a:r>
-          </a:p>
-          <a:p>
-            <a:r>
-              <a:rPr lang="en-US" sz="2600" b="0" i="1" dirty="0" smtClean="0">
-                <a:solidFill>
-                  <a:srgbClr val="FF0909"/>
-                </a:solidFill>
-              </a:rPr>
-              <a:t>No centralized logging</a:t>
-            </a:r>
-          </a:p>
-          <a:p>
-            <a:r>
-              <a:rPr lang="en-US" sz="2600" b="0" i="1" dirty="0" smtClean="0">
-                <a:solidFill>
-                  <a:srgbClr val="FF0909"/>
-                </a:solidFill>
-              </a:rPr>
-              <a:t>Throughput high so long as batch </a:t>
-            </a:r>
-            <a:r>
-              <a:rPr lang="en-US" sz="2600" b="0" i="1" dirty="0" err="1" smtClean="0">
-                <a:solidFill>
-                  <a:srgbClr val="FF0909"/>
-                </a:solidFill>
-              </a:rPr>
-              <a:t>quiesce</a:t>
-            </a:r>
-            <a:r>
-              <a:rPr lang="en-US" sz="2600" b="0" i="1" dirty="0" smtClean="0">
-                <a:solidFill>
-                  <a:srgbClr val="FF0909"/>
-                </a:solidFill>
-              </a:rPr>
-              <a:t>/persist short</a:t>
-            </a:r>
-          </a:p>
-          <a:p>
-            <a:r>
-              <a:rPr lang="en-US" sz="2600" b="0" i="1" dirty="0" smtClean="0">
-                <a:solidFill>
-                  <a:srgbClr val="FF0909"/>
-                </a:solidFill>
-              </a:rPr>
-              <a:t>Several other tradeoffs</a:t>
-            </a:r>
-            <a:r>
-              <a:rPr lang="en-US" sz="2600" b="0" i="1" dirty="0">
-                <a:solidFill>
-                  <a:srgbClr val="FF0909"/>
-                </a:solidFill>
-              </a:rPr>
-              <a:t> </a:t>
-            </a:r>
-            <a:r>
-              <a:rPr lang="en-US" sz="2600" b="0" i="1" dirty="0" smtClean="0">
-                <a:solidFill>
-                  <a:srgbClr val="FF0909"/>
-                </a:solidFill>
-              </a:rPr>
-              <a:t>(e.g., increased transaction latency)</a:t>
-            </a:r>
-            <a:endParaRPr lang="en-US" sz="2600" b="0" i="1" dirty="0">
-              <a:solidFill>
-                <a:srgbClr val="FF0909"/>
-              </a:solidFill>
-            </a:endParaRPr>
-          </a:p>
-        </p:txBody>
-      </p:sp>
-      <p:grpSp>
-        <p:nvGrpSpPr>
-          <p:cNvPr id="25" name="Group 24"/>
-          <p:cNvGrpSpPr/>
-          <p:nvPr/>
-        </p:nvGrpSpPr>
-        <p:grpSpPr>
-          <a:xfrm>
-            <a:off x="4572000" y="1772816"/>
-            <a:ext cx="2224958" cy="1908212"/>
-            <a:chOff x="4572000" y="1540823"/>
-            <a:chExt cx="2224958" cy="2536249"/>
-          </a:xfrm>
-        </p:grpSpPr>
-        <p:cxnSp>
-          <p:nvCxnSpPr>
-            <p:cNvPr id="28" name="Straight Connector 27"/>
-            <p:cNvCxnSpPr/>
-            <p:nvPr/>
-          </p:nvCxnSpPr>
-          <p:spPr bwMode="auto">
-            <a:xfrm>
-              <a:off x="4572000" y="1540823"/>
-              <a:ext cx="0" cy="2536249"/>
-            </a:xfrm>
-            <a:prstGeom prst="line">
-              <a:avLst/>
-            </a:prstGeom>
-            <a:solidFill>
-              <a:schemeClr val="accent1"/>
-            </a:solidFill>
-            <a:ln w="38100" cap="flat" cmpd="sng" algn="ctr">
-              <a:solidFill>
-                <a:schemeClr val="tx1"/>
-              </a:solidFill>
-              <a:prstDash val="dash"/>
-              <a:round/>
-              <a:headEnd type="none" w="med" len="med"/>
-              <a:tailEnd type="none" w="med" len="med"/>
-            </a:ln>
-            <a:effectLst/>
-          </p:spPr>
-        </p:cxnSp>
-        <p:cxnSp>
-          <p:nvCxnSpPr>
-            <p:cNvPr id="29" name="Straight Connector 28"/>
-            <p:cNvCxnSpPr/>
-            <p:nvPr/>
-          </p:nvCxnSpPr>
-          <p:spPr bwMode="auto">
-            <a:xfrm>
-              <a:off x="6796958" y="1540823"/>
-              <a:ext cx="0" cy="2536249"/>
-            </a:xfrm>
-            <a:prstGeom prst="line">
-              <a:avLst/>
-            </a:prstGeom>
-            <a:solidFill>
-              <a:schemeClr val="accent1"/>
-            </a:solidFill>
-            <a:ln w="38100" cap="flat" cmpd="sng" algn="ctr">
-              <a:solidFill>
-                <a:schemeClr val="tx1"/>
-              </a:solidFill>
-              <a:prstDash val="dash"/>
-              <a:round/>
-              <a:headEnd type="none" w="med" len="med"/>
-              <a:tailEnd type="none" w="med" len="med"/>
-            </a:ln>
-            <a:effectLst/>
-          </p:spPr>
-        </p:cxnSp>
-      </p:grpSp>
-      <p:sp>
-        <p:nvSpPr>
-          <p:cNvPr id="20" name="TextBox 19"/>
-          <p:cNvSpPr txBox="1"/>
-          <p:nvPr/>
-        </p:nvSpPr>
-        <p:spPr>
-          <a:xfrm>
-            <a:off x="4554485" y="1746562"/>
-            <a:ext cx="2195270" cy="406518"/>
-          </a:xfrm>
-          <a:prstGeom prst="rect">
-            <a:avLst/>
-          </a:prstGeom>
-          <a:noFill/>
-        </p:spPr>
-        <p:txBody>
-          <a:bodyPr wrap="square" rtlCol="0">
-            <a:spAutoFit/>
-          </a:bodyPr>
-          <a:lstStyle/>
-          <a:p>
-            <a:r>
-              <a:rPr lang="en-US" b="0" dirty="0" smtClean="0"/>
-              <a:t>Persist barriers</a:t>
-            </a:r>
-            <a:endParaRPr lang="en-US" b="0" dirty="0"/>
-          </a:p>
-        </p:txBody>
-      </p:sp>
-    </p:spTree>
-    <p:extLst>
-      <p:ext uri="{BB962C8B-B14F-4D97-AF65-F5344CB8AC3E}">
-        <p14:creationId xmlns:p14="http://schemas.microsoft.com/office/powerpoint/2010/main" val="1808930007"/>
-      </p:ext>
-    </p:extLst>
-  </p:cSld>
-  <p:clrMapOvr>
-    <a:masterClrMapping/>
-  </p:clrMapOvr>
-  <p:timing>
-    <p:tnLst>
-      <p:par>
-        <p:cTn id="1" dur="indefinite" restart="never" nodeType="tmRoot"/>
-      </p:par>
-    </p:tnLst>
-  </p:timing>
-</p:sld>
-</file>
-
-<file path=ppt/slides/slide11.xml><?xml version="1.0" encoding="utf-8"?>
-<p:sld xmlns:a="http://schemas.openxmlformats.org/drawingml/2006/main" xmlns:r="http://schemas.openxmlformats.org/officeDocument/2006/relationships" xmlns:p="http://schemas.openxmlformats.org/presentationml/2006/main">
-  <p:cSld>
-    <p:spTree>
-      <p:nvGrpSpPr>
-        <p:cNvPr id="1" name=""/>
-        <p:cNvGrpSpPr/>
-        <p:nvPr/>
-      </p:nvGrpSpPr>
-      <p:grpSpPr>
-        <a:xfrm>
-          <a:off x="0" y="0"/>
-          <a:ext cx="0" cy="0"/>
-          <a:chOff x="0" y="0"/>
-          <a:chExt cx="0" cy="0"/>
-        </a:xfrm>
-      </p:grpSpPr>
-      <p:sp>
-        <p:nvSpPr>
-          <p:cNvPr id="2" name="Title 1"/>
-          <p:cNvSpPr>
-            <a:spLocks noGrp="1"/>
-          </p:cNvSpPr>
-          <p:nvPr>
-            <p:ph type="title"/>
-          </p:nvPr>
-        </p:nvSpPr>
-        <p:spPr/>
-        <p:txBody>
-          <a:bodyPr/>
-          <a:lstStyle/>
-          <a:p>
-            <a:r>
-              <a:rPr lang="en-US" dirty="0" smtClean="0"/>
-              <a:t>Modeling unavailable devices</a:t>
-            </a:r>
-            <a:endParaRPr lang="en-US" dirty="0"/>
-          </a:p>
-        </p:txBody>
-      </p:sp>
-      <p:sp>
-        <p:nvSpPr>
-          <p:cNvPr id="3" name="Content Placeholder 2"/>
-          <p:cNvSpPr>
-            <a:spLocks noGrp="1"/>
-          </p:cNvSpPr>
-          <p:nvPr>
-            <p:ph idx="1"/>
-          </p:nvPr>
-        </p:nvSpPr>
-        <p:spPr/>
-        <p:txBody>
-          <a:bodyPr/>
-          <a:lstStyle/>
-          <a:p>
-            <a:r>
-              <a:rPr lang="en-US" dirty="0"/>
-              <a:t>Run </a:t>
-            </a:r>
-            <a:r>
-              <a:rPr lang="en-US" dirty="0" smtClean="0"/>
-              <a:t>database </a:t>
-            </a:r>
-            <a:r>
-              <a:rPr lang="en-US" dirty="0"/>
-              <a:t>on </a:t>
-            </a:r>
-            <a:r>
-              <a:rPr lang="en-US" i="1" dirty="0"/>
-              <a:t>real hardware</a:t>
-            </a:r>
-            <a:endParaRPr lang="en-US" dirty="0"/>
-          </a:p>
-          <a:p>
-            <a:pPr lvl="1"/>
-            <a:r>
-              <a:rPr lang="en-US" dirty="0"/>
-              <a:t>Log and Stores on </a:t>
-            </a:r>
-            <a:r>
-              <a:rPr lang="en-US" dirty="0" err="1"/>
-              <a:t>RAMDisk</a:t>
-            </a:r>
-            <a:endParaRPr lang="en-US" dirty="0"/>
-          </a:p>
-          <a:p>
-            <a:pPr lvl="1"/>
-            <a:r>
-              <a:rPr lang="en-US" dirty="0"/>
-              <a:t>Introduce precise delays (20ns precision using x86 RDTSCP) to model persist barrier latency</a:t>
-            </a:r>
-          </a:p>
-          <a:p>
-            <a:r>
-              <a:rPr lang="en-US" dirty="0" smtClean="0"/>
-              <a:t>Build </a:t>
-            </a:r>
-            <a:r>
-              <a:rPr lang="en-US" dirty="0"/>
-              <a:t>recovery mechanisms in </a:t>
-            </a:r>
-            <a:r>
-              <a:rPr lang="en-US" dirty="0" smtClean="0"/>
-              <a:t>software</a:t>
-            </a:r>
-          </a:p>
-          <a:p>
-            <a:pPr lvl="1"/>
-            <a:r>
-              <a:rPr lang="en-US" dirty="0" smtClean="0"/>
-              <a:t>Shore-MT: research platform for high performance transaction processing</a:t>
-            </a:r>
-            <a:endParaRPr lang="en-US" dirty="0"/>
-          </a:p>
-          <a:p>
-            <a:pPr lvl="1"/>
-            <a:r>
-              <a:rPr lang="en-US" dirty="0"/>
-              <a:t>Rely on dirty bit fields to </a:t>
-            </a:r>
-            <a:r>
-              <a:rPr lang="en-US" dirty="0" smtClean="0"/>
-              <a:t>track </a:t>
-            </a:r>
-            <a:r>
-              <a:rPr lang="en-US" dirty="0"/>
-              <a:t>buffer </a:t>
-            </a:r>
-            <a:r>
-              <a:rPr lang="en-US" dirty="0" smtClean="0"/>
-              <a:t>pool writes </a:t>
-            </a:r>
-            <a:r>
-              <a:rPr lang="en-US" dirty="0"/>
-              <a:t>during </a:t>
-            </a:r>
-            <a:r>
-              <a:rPr lang="en-US" dirty="0" smtClean="0"/>
-              <a:t>transaction, page latch, or batch</a:t>
-            </a:r>
-            <a:endParaRPr lang="en-US" dirty="0"/>
-          </a:p>
-        </p:txBody>
-      </p:sp>
-      <p:sp>
-        <p:nvSpPr>
-          <p:cNvPr id="4" name="Slide Number Placeholder 3"/>
-          <p:cNvSpPr>
-            <a:spLocks noGrp="1"/>
-          </p:cNvSpPr>
-          <p:nvPr>
-            <p:ph type="sldNum" sz="quarter" idx="4"/>
-          </p:nvPr>
-        </p:nvSpPr>
-        <p:spPr/>
-        <p:txBody>
-          <a:bodyPr/>
-          <a:lstStyle/>
-          <a:p>
-            <a:fld id="{24EAD923-3004-4A31-84C7-9B440B785588}" type="slidenum">
-              <a:rPr lang="en-US" smtClean="0"/>
-              <a:pPr/>
-              <a:t>11</a:t>
             </a:fld>
             <a:endParaRPr lang="en-US" dirty="0"/>
           </a:p>
@@ -7801,7 +7118,7 @@
 </p:sld>
 </file>
 
-<file path=ppt/slides/slide12.xml><?xml version="1.0" encoding="utf-8"?>
+<file path=ppt/slides/slide11.xml><?xml version="1.0" encoding="utf-8"?>
 <p:sld xmlns:a="http://schemas.openxmlformats.org/drawingml/2006/main" xmlns:r="http://schemas.openxmlformats.org/officeDocument/2006/relationships" xmlns:p="http://schemas.openxmlformats.org/presentationml/2006/main">
   <p:cSld>
     <p:spTree>
@@ -7913,7 +7230,7 @@
             <a:fld id="{24EAD923-3004-4A31-84C7-9B440B785588}" type="slidenum">
               <a:rPr lang="en-US" smtClean="0"/>
               <a:pPr/>
-              <a:t>12</a:t>
+              <a:t>11</a:t>
             </a:fld>
             <a:endParaRPr lang="en-US" dirty="0"/>
           </a:p>
@@ -7927,8 +7244,8 @@
         </p:nvSpPr>
         <p:spPr>
           <a:xfrm>
-            <a:off x="655930" y="6021288"/>
-            <a:ext cx="7819769" cy="461665"/>
+            <a:off x="39588" y="6021288"/>
+            <a:ext cx="9052478" cy="461665"/>
           </a:xfrm>
           <a:prstGeom prst="rect">
             <a:avLst/>
@@ -7947,7 +7264,15 @@
                   <a:srgbClr val="FF0909"/>
                 </a:solidFill>
               </a:rPr>
-              <a:t>Group commit helps, but high performance barriers ideal</a:t>
+              <a:t>Group </a:t>
+            </a:r>
+            <a:r>
+              <a:rPr lang="en-US" sz="2400" b="0" i="1" dirty="0" smtClean="0">
+                <a:solidFill>
+                  <a:srgbClr val="FF0909"/>
+                </a:solidFill>
+              </a:rPr>
+              <a:t>commit recovers throughput when barrier latency exposed</a:t>
             </a:r>
             <a:endParaRPr lang="en-US" sz="2400" b="0" i="1" dirty="0">
               <a:solidFill>
@@ -8104,6 +7429,118 @@
               <a:effectLst/>
               <a:latin typeface="Arial" charset="0"/>
               <a:ea typeface="ＭＳ Ｐゴシック" charset="-128"/>
+            </a:endParaRPr>
+          </a:p>
+        </p:txBody>
+      </p:sp>
+      <p:sp>
+        <p:nvSpPr>
+          <p:cNvPr id="9" name="Left Arrow 8"/>
+          <p:cNvSpPr/>
+          <p:nvPr/>
+        </p:nvSpPr>
+        <p:spPr bwMode="auto">
+          <a:xfrm rot="5400000">
+            <a:off x="6700544" y="2155879"/>
+            <a:ext cx="980781" cy="413333"/>
+          </a:xfrm>
+          <a:prstGeom prst="leftArrow">
+            <a:avLst/>
+          </a:prstGeom>
+          <a:solidFill>
+            <a:srgbClr val="FF0000"/>
+          </a:solidFill>
+          <a:ln w="9525" cap="flat" cmpd="sng" algn="ctr">
+            <a:solidFill>
+              <a:schemeClr val="tx1"/>
+            </a:solidFill>
+            <a:prstDash val="solid"/>
+            <a:round/>
+            <a:headEnd type="none" w="med" len="med"/>
+            <a:tailEnd type="none" w="med" len="med"/>
+          </a:ln>
+          <a:effectLst/>
+        </p:spPr>
+        <p:txBody>
+          <a:bodyPr vert="horz" wrap="square" lIns="91440" tIns="45720" rIns="91440" bIns="45720" numCol="1" rtlCol="0" anchor="t" anchorCtr="0" compatLnSpc="1">
+            <a:prstTxWarp prst="textNoShape">
+              <a:avLst/>
+            </a:prstTxWarp>
+          </a:bodyPr>
+          <a:lstStyle/>
+          <a:p>
+            <a:pPr marL="0" marR="0" indent="0" algn="l" defTabSz="914400" rtl="0" eaLnBrk="0" fontAlgn="base" latinLnBrk="0" hangingPunct="0">
+              <a:lnSpc>
+                <a:spcPct val="100000"/>
+              </a:lnSpc>
+              <a:spcBef>
+                <a:spcPct val="0"/>
+              </a:spcBef>
+              <a:spcAft>
+                <a:spcPct val="0"/>
+              </a:spcAft>
+              <a:buClrTx/>
+              <a:buSzTx/>
+              <a:buFontTx/>
+              <a:buNone/>
+              <a:tabLst/>
+            </a:pPr>
+            <a:endParaRPr kumimoji="0" lang="en-US" sz="2400" b="0" i="0" u="none" strike="noStrike" cap="none" normalizeH="0" baseline="0" smtClean="0">
+              <a:ln>
+                <a:noFill/>
+              </a:ln>
+              <a:solidFill>
+                <a:schemeClr val="tx1"/>
+              </a:solidFill>
+              <a:effectLst/>
+              <a:latin typeface="Arial" charset="0"/>
+              <a:ea typeface="ＭＳ Ｐゴシック" charset="-128"/>
+            </a:endParaRPr>
+          </a:p>
+        </p:txBody>
+      </p:sp>
+      <p:sp>
+        <p:nvSpPr>
+          <p:cNvPr id="10" name="TextBox 9"/>
+          <p:cNvSpPr txBox="1"/>
+          <p:nvPr/>
+        </p:nvSpPr>
+        <p:spPr>
+          <a:xfrm>
+            <a:off x="927413" y="6021288"/>
+            <a:ext cx="7289175" cy="461665"/>
+          </a:xfrm>
+          <a:prstGeom prst="rect">
+            <a:avLst/>
+          </a:prstGeom>
+          <a:noFill/>
+        </p:spPr>
+        <p:txBody>
+          <a:bodyPr wrap="none" rtlCol="0">
+            <a:spAutoFit/>
+          </a:bodyPr>
+          <a:lstStyle/>
+          <a:p>
+            <a:r>
+              <a:rPr lang="en-US" sz="2400" b="0" i="1" dirty="0" smtClean="0">
+                <a:solidFill>
+                  <a:srgbClr val="FF0909"/>
+                </a:solidFill>
+              </a:rPr>
+              <a:t>Hig</a:t>
+            </a:r>
+            <a:r>
+              <a:rPr lang="en-US" sz="2400" b="0" i="1" dirty="0" smtClean="0">
+                <a:solidFill>
+                  <a:srgbClr val="FF0909"/>
+                </a:solidFill>
+              </a:rPr>
+              <a:t>h performance barriers and memory system ideal</a:t>
+            </a:r>
+            <a:endParaRPr lang="en-US" sz="2400" b="0" i="1" dirty="0">
+              <a:solidFill>
+                <a:srgbClr val="FF0909"/>
+              </a:solidFill>
             </a:endParaRPr>
           </a:p>
         </p:txBody>
@@ -8152,7 +7589,7 @@
                                           </p:stCondLst>
                                         </p:cTn>
                                         <p:tgtEl>
-                                          <p:spTgt spid="8"/>
+                                          <p:spTgt spid="9"/>
                                         </p:tgtEl>
                                         <p:attrNameLst>
                                           <p:attrName>style.visibility</p:attrName>
@@ -8179,7 +7616,151 @@
                                           </p:stCondLst>
                                         </p:cTn>
                                         <p:tgtEl>
+                                          <p:spTgt spid="8"/>
+                                        </p:tgtEl>
+                                        <p:attrNameLst>
+                                          <p:attrName>style.visibility</p:attrName>
+                                        </p:attrNameLst>
+                                      </p:cBhvr>
+                                      <p:to>
+                                        <p:strVal val="visible"/>
+                                      </p:to>
+                                    </p:set>
+                                  </p:childTnLst>
+                                </p:cTn>
+                              </p:par>
+                            </p:childTnLst>
+                          </p:cTn>
+                        </p:par>
+                      </p:childTnLst>
+                    </p:cTn>
+                  </p:par>
+                  <p:par>
+                    <p:cTn id="9" fill="hold">
+                      <p:stCondLst>
+                        <p:cond delay="indefinite"/>
+                      </p:stCondLst>
+                      <p:childTnLst>
+                        <p:par>
+                          <p:cTn id="10" fill="hold">
+                            <p:stCondLst>
+                              <p:cond delay="0"/>
+                            </p:stCondLst>
+                            <p:childTnLst>
+                              <p:par>
+                                <p:cTn id="11" presetID="1" presetClass="exit" presetSubtype="0" fill="hold" grpId="1" nodeType="clickEffect">
+                                  <p:stCondLst>
+                                    <p:cond delay="0"/>
+                                  </p:stCondLst>
+                                  <p:childTnLst>
+                                    <p:set>
+                                      <p:cBhvr>
+                                        <p:cTn id="12" dur="1" fill="hold">
+                                          <p:stCondLst>
+                                            <p:cond delay="0"/>
+                                          </p:stCondLst>
+                                        </p:cTn>
+                                        <p:tgtEl>
+                                          <p:spTgt spid="9"/>
+                                        </p:tgtEl>
+                                        <p:attrNameLst>
+                                          <p:attrName>style.visibility</p:attrName>
+                                        </p:attrNameLst>
+                                      </p:cBhvr>
+                                      <p:to>
+                                        <p:strVal val="hidden"/>
+                                      </p:to>
+                                    </p:set>
+                                  </p:childTnLst>
+                                </p:cTn>
+                              </p:par>
+                              <p:par>
+                                <p:cTn id="13" presetID="1" presetClass="exit" presetSubtype="0" fill="hold" grpId="1" nodeType="withEffect">
+                                  <p:stCondLst>
+                                    <p:cond delay="0"/>
+                                  </p:stCondLst>
+                                  <p:childTnLst>
+                                    <p:set>
+                                      <p:cBhvr>
+                                        <p:cTn id="14" dur="1" fill="hold">
+                                          <p:stCondLst>
+                                            <p:cond delay="0"/>
+                                          </p:stCondLst>
+                                        </p:cTn>
+                                        <p:tgtEl>
+                                          <p:spTgt spid="8"/>
+                                        </p:tgtEl>
+                                        <p:attrNameLst>
+                                          <p:attrName>style.visibility</p:attrName>
+                                        </p:attrNameLst>
+                                      </p:cBhvr>
+                                      <p:to>
+                                        <p:strVal val="hidden"/>
+                                      </p:to>
+                                    </p:set>
+                                  </p:childTnLst>
+                                </p:cTn>
+                              </p:par>
+                            </p:childTnLst>
+                          </p:cTn>
+                        </p:par>
+                      </p:childTnLst>
+                    </p:cTn>
+                  </p:par>
+                  <p:par>
+                    <p:cTn id="15" fill="hold">
+                      <p:stCondLst>
+                        <p:cond delay="indefinite"/>
+                      </p:stCondLst>
+                      <p:childTnLst>
+                        <p:par>
+                          <p:cTn id="16" fill="hold">
+                            <p:stCondLst>
+                              <p:cond delay="0"/>
+                            </p:stCondLst>
+                            <p:childTnLst>
+                              <p:par>
+                                <p:cTn id="17" presetID="1" presetClass="entr" presetSubtype="0" fill="hold" grpId="0" nodeType="clickEffect">
+                                  <p:stCondLst>
+                                    <p:cond delay="0"/>
+                                  </p:stCondLst>
+                                  <p:childTnLst>
+                                    <p:set>
+                                      <p:cBhvr>
+                                        <p:cTn id="18" dur="1" fill="hold">
+                                          <p:stCondLst>
+                                            <p:cond delay="0"/>
+                                          </p:stCondLst>
+                                        </p:cTn>
+                                        <p:tgtEl>
                                           <p:spTgt spid="3"/>
+                                        </p:tgtEl>
+                                        <p:attrNameLst>
+                                          <p:attrName>style.visibility</p:attrName>
+                                        </p:attrNameLst>
+                                      </p:cBhvr>
+                                      <p:to>
+                                        <p:strVal val="visible"/>
+                                      </p:to>
+                                    </p:set>
+                                  </p:childTnLst>
+                                </p:cTn>
+                              </p:par>
+                              <p:par>
+                                <p:cTn id="19" presetID="1" presetClass="entr" presetSubtype="0" fill="hold" grpId="0" nodeType="withEffect">
+                                  <p:stCondLst>
+                                    <p:cond delay="0"/>
+                                  </p:stCondLst>
+                                  <p:childTnLst>
+                                    <p:set>
+                                      <p:cBhvr>
+                                        <p:cTn id="20" dur="1" fill="hold">
+                                          <p:stCondLst>
+                                            <p:cond delay="0"/>
+                                          </p:stCondLst>
+                                        </p:cTn>
+                                        <p:tgtEl>
+                                          <p:spTgt spid="10"/>
                                         </p:tgtEl>
                                         <p:attrNameLst>
                                           <p:attrName>style.visibility</p:attrName>
@@ -8221,8 +7802,137 @@
     </p:tnLst>
     <p:bldLst>
       <p:bldP spid="8" grpId="0"/>
+      <p:bldP spid="8" grpId="1"/>
       <p:bldP spid="3" grpId="0" animBg="1"/>
+      <p:bldP spid="9" grpId="0" animBg="1"/>
+      <p:bldP spid="9" grpId="1" animBg="1"/>
+      <p:bldP spid="10" grpId="0"/>
     </p:bldLst>
+  </p:timing>
+</p:sld>
+</file>
+
+<file path=ppt/slides/slide12.xml><?xml version="1.0" encoding="utf-8"?>
+<p:sld xmlns:a="http://schemas.openxmlformats.org/drawingml/2006/main" xmlns:r="http://schemas.openxmlformats.org/officeDocument/2006/relationships" xmlns:p="http://schemas.openxmlformats.org/presentationml/2006/main">
+  <p:cSld>
+    <p:spTree>
+      <p:nvGrpSpPr>
+        <p:cNvPr id="1" name=""/>
+        <p:cNvGrpSpPr/>
+        <p:nvPr/>
+      </p:nvGrpSpPr>
+      <p:grpSpPr>
+        <a:xfrm>
+          <a:off x="0" y="0"/>
+          <a:ext cx="0" cy="0"/>
+          <a:chOff x="0" y="0"/>
+          <a:chExt cx="0" cy="0"/>
+        </a:xfrm>
+      </p:grpSpPr>
+      <p:sp>
+        <p:nvSpPr>
+          <p:cNvPr id="2" name="Title 1"/>
+          <p:cNvSpPr>
+            <a:spLocks noGrp="1"/>
+          </p:cNvSpPr>
+          <p:nvPr>
+            <p:ph type="title"/>
+          </p:nvPr>
+        </p:nvSpPr>
+        <p:spPr/>
+        <p:txBody>
+          <a:bodyPr/>
+          <a:lstStyle/>
+          <a:p>
+            <a:r>
+              <a:rPr lang="en-US" dirty="0" smtClean="0"/>
+              <a:t>Not discussed (see VLDB paper)</a:t>
+            </a:r>
+            <a:endParaRPr lang="en-US" dirty="0"/>
+          </a:p>
+        </p:txBody>
+      </p:sp>
+      <p:sp>
+        <p:nvSpPr>
+          <p:cNvPr id="3" name="Content Placeholder 2"/>
+          <p:cNvSpPr>
+            <a:spLocks noGrp="1"/>
+          </p:cNvSpPr>
+          <p:nvPr>
+            <p:ph idx="1"/>
+          </p:nvPr>
+        </p:nvSpPr>
+        <p:spPr/>
+        <p:txBody>
+          <a:bodyPr/>
+          <a:lstStyle/>
+          <a:p>
+            <a:r>
+              <a:rPr lang="en-US" dirty="0" smtClean="0"/>
+              <a:t>Implementation and methodology details</a:t>
+            </a:r>
+          </a:p>
+          <a:p>
+            <a:r>
+              <a:rPr lang="en-US" dirty="0" smtClean="0"/>
+              <a:t>Persist bandwidth modeling</a:t>
+            </a:r>
+          </a:p>
+          <a:p>
+            <a:r>
+              <a:rPr lang="en-US" dirty="0" smtClean="0"/>
+              <a:t>Group commit trade-offs and transaction latency analysis</a:t>
+            </a:r>
+          </a:p>
+          <a:p>
+            <a:r>
+              <a:rPr lang="en-US" dirty="0" smtClean="0"/>
+              <a:t>Read-cache performance based on memory trace analysis</a:t>
+            </a:r>
+            <a:endParaRPr lang="en-US" dirty="0"/>
+          </a:p>
+        </p:txBody>
+      </p:sp>
+      <p:sp>
+        <p:nvSpPr>
+          <p:cNvPr id="4" name="Slide Number Placeholder 3"/>
+          <p:cNvSpPr>
+            <a:spLocks noGrp="1"/>
+          </p:cNvSpPr>
+          <p:nvPr>
+            <p:ph type="sldNum" sz="quarter" idx="4"/>
+          </p:nvPr>
+        </p:nvSpPr>
+        <p:spPr/>
+        <p:txBody>
+          <a:bodyPr/>
+          <a:lstStyle/>
+          <a:p>
+            <a:fld id="{24EAD923-3004-4A31-84C7-9B440B785588}" type="slidenum">
+              <a:rPr lang="en-US" smtClean="0"/>
+              <a:pPr/>
+              <a:t>12</a:t>
+            </a:fld>
+            <a:endParaRPr lang="en-US" dirty="0"/>
+          </a:p>
+        </p:txBody>
+      </p:sp>
+    </p:spTree>
+    <p:extLst>
+      <p:ext uri="{BB962C8B-B14F-4D97-AF65-F5344CB8AC3E}">
+        <p14:creationId xmlns:p14="http://schemas.microsoft.com/office/powerpoint/2010/main" val="17669265"/>
+      </p:ext>
+    </p:extLst>
+  </p:cSld>
+  <p:clrMapOvr>
+    <a:masterClrMapping/>
+  </p:clrMapOvr>
+  <p:timing>
+    <p:tnLst>
+      <p:par>
+        <p:cTn id="1" dur="indefinite" restart="never" nodeType="tmRoot"/>
+      </p:par>
+    </p:tnLst>
   </p:timing>
 </p:sld>
 </file>
@@ -8261,7 +7971,15 @@
           <a:p>
             <a:r>
               <a:rPr lang="en-US" dirty="0" smtClean="0"/>
-              <a:t>Practical persist barriers</a:t>
+              <a:t>Next: p</a:t>
+            </a:r>
+            <a:r>
+              <a:rPr lang="en-US" dirty="0" smtClean="0"/>
+              <a:t>ractical</a:t>
+            </a:r>
+            <a:r>
+              <a:rPr lang="en-US" dirty="0" smtClean="0"/>
+              <a:t> NVRAM optimizations</a:t>
             </a:r>
             <a:endParaRPr lang="en-US" dirty="0"/>
           </a:p>
@@ -8298,8 +8016,9 @@
             <a:pPr lvl="1"/>
             <a:r>
               <a:rPr lang="en-US" dirty="0" smtClean="0"/>
-              <a:t>Investigated by prior work (e.g., [BPFS])</a:t>
-            </a:r>
+              <a:t>Hides persist and persist barrier latency</a:t>
+            </a:r>
+            <a:endParaRPr lang="en-US" dirty="0" smtClean="0"/>
           </a:p>
           <a:p>
             <a:pPr lvl="1"/>
@@ -8323,8 +8042,13 @@
             <a:pPr lvl="1"/>
             <a:r>
               <a:rPr lang="en-US" dirty="0" smtClean="0"/>
-              <a:t>Omit persists when no ordering violated</a:t>
-            </a:r>
+              <a:t>Omit persists </a:t>
+            </a:r>
+            <a:r>
+              <a:rPr lang="en-US" dirty="0" smtClean="0"/>
+              <a:t>if ordering constraints not violated</a:t>
+            </a:r>
+            <a:endParaRPr lang="en-US" dirty="0" smtClean="0"/>
           </a:p>
           <a:p>
             <a:pPr lvl="1"/>
@@ -8337,14 +8061,11 @@
             <a:pPr lvl="1"/>
             <a:r>
               <a:rPr lang="en-US" dirty="0" smtClean="0"/>
-              <a:t>Reduces persists to hot data (aiding wear leveling)</a:t>
-            </a:r>
-          </a:p>
-          <a:p>
-            <a:pPr lvl="1"/>
-            <a:r>
-              <a:rPr lang="en-US" dirty="0" smtClean="0"/>
-              <a:t>Reduces persist ordering critical path</a:t>
+              <a:t>Reduces </a:t>
+            </a:r>
+            <a:r>
+              <a:rPr lang="en-US" dirty="0" smtClean="0"/>
+              <a:t>persist ordering critical path</a:t>
             </a:r>
           </a:p>
         </p:txBody>
@@ -8381,8 +8102,8 @@
         </p:nvSpPr>
         <p:spPr>
           <a:xfrm>
-            <a:off x="-80635" y="6021288"/>
-            <a:ext cx="9292930" cy="461665"/>
+            <a:off x="115735" y="5913276"/>
+            <a:ext cx="8900192" cy="830997"/>
           </a:xfrm>
           <a:prstGeom prst="rect">
             <a:avLst/>
@@ -8401,7 +8122,57 @@
                   <a:srgbClr val="FF0909"/>
                 </a:solidFill>
               </a:rPr>
-              <a:t>Need new semantics to precisely label persist ordering constraints </a:t>
+              <a:t>Need </a:t>
+            </a:r>
+            <a:r>
+              <a:rPr lang="en-US" sz="2400" b="0" i="1" dirty="0" smtClean="0">
+                <a:solidFill>
+                  <a:srgbClr val="FF0909"/>
+                </a:solidFill>
+              </a:rPr>
+              <a:t>mechanisms</a:t>
+            </a:r>
+            <a:r>
+              <a:rPr lang="en-US" sz="2400" b="0" i="1" dirty="0" smtClean="0">
+                <a:solidFill>
+                  <a:srgbClr val="FF0909"/>
+                </a:solidFill>
+              </a:rPr>
+              <a:t> </a:t>
+            </a:r>
+            <a:r>
+              <a:rPr lang="en-US" sz="2400" b="0" i="1" dirty="0" smtClean="0">
+                <a:solidFill>
+                  <a:srgbClr val="FF0909"/>
+                </a:solidFill>
+              </a:rPr>
+              <a:t>to precisely label persist ordering </a:t>
+            </a:r>
+            <a:r>
+              <a:rPr lang="en-US" sz="2400" b="0" i="1" dirty="0" smtClean="0">
+                <a:solidFill>
+                  <a:srgbClr val="FF0909"/>
+                </a:solidFill>
+              </a:rPr>
+              <a:t>constraints</a:t>
+            </a:r>
+          </a:p>
+          <a:p>
+            <a:r>
+              <a:rPr lang="en-US" sz="2400" b="0" i="1" dirty="0" smtClean="0">
+                <a:solidFill>
+                  <a:srgbClr val="FF0909"/>
+                </a:solidFill>
+              </a:rPr>
+              <a:t>[upcoming ISCA]</a:t>
+            </a:r>
+            <a:r>
+              <a:rPr lang="en-US" sz="2400" b="0" i="1" dirty="0" smtClean="0">
+                <a:solidFill>
+                  <a:srgbClr val="FF0909"/>
+                </a:solidFill>
+              </a:rPr>
+              <a:t> </a:t>
             </a:r>
             <a:endParaRPr lang="en-US" sz="2400" b="0" i="1" dirty="0">
               <a:solidFill>
@@ -8519,6 +8290,1461 @@
           <a:chExt cx="0" cy="0"/>
         </a:xfrm>
       </p:grpSpPr>
+      <p:sp>
+        <p:nvSpPr>
+          <p:cNvPr id="2" name="Title 1"/>
+          <p:cNvSpPr>
+            <a:spLocks noGrp="1"/>
+          </p:cNvSpPr>
+          <p:nvPr>
+            <p:ph type="title"/>
+          </p:nvPr>
+        </p:nvSpPr>
+        <p:spPr/>
+        <p:txBody>
+          <a:bodyPr/>
+          <a:lstStyle/>
+          <a:p>
+            <a:r>
+              <a:rPr lang="en-US" dirty="0" smtClean="0"/>
+              <a:t>Conclusions</a:t>
+            </a:r>
+            <a:endParaRPr lang="en-US" dirty="0"/>
+          </a:p>
+        </p:txBody>
+      </p:sp>
+      <p:sp>
+        <p:nvSpPr>
+          <p:cNvPr id="3" name="Content Placeholder 2"/>
+          <p:cNvSpPr>
+            <a:spLocks noGrp="1"/>
+          </p:cNvSpPr>
+          <p:nvPr>
+            <p:ph idx="1"/>
+          </p:nvPr>
+        </p:nvSpPr>
+        <p:spPr/>
+        <p:txBody>
+          <a:bodyPr/>
+          <a:lstStyle/>
+          <a:p>
+            <a:r>
+              <a:rPr lang="en-US" dirty="0" smtClean="0"/>
+              <a:t>Disk-based software carries baggage</a:t>
+            </a:r>
+          </a:p>
+          <a:p>
+            <a:r>
+              <a:rPr lang="en-US" dirty="0" smtClean="0"/>
+              <a:t>Frequent persist synchronization also slow</a:t>
+            </a:r>
+          </a:p>
+          <a:p>
+            <a:r>
+              <a:rPr lang="en-US" dirty="0" smtClean="0"/>
+              <a:t>New software and memory systems improve performance and simplify software design</a:t>
+            </a:r>
+            <a:endParaRPr lang="en-US" dirty="0"/>
+          </a:p>
+          <a:p>
+            <a:r>
+              <a:rPr lang="en-US" dirty="0" smtClean="0"/>
+              <a:t>References</a:t>
+            </a:r>
+          </a:p>
+          <a:p>
+            <a:pPr lvl="1"/>
+            <a:r>
+              <a:rPr lang="en-US" dirty="0"/>
+              <a:t>Website: </a:t>
+            </a:r>
+            <a:r>
+              <a:rPr lang="en-US" dirty="0">
+                <a:hlinkClick r:id="rId2"/>
+              </a:rPr>
+              <a:t>http://web.eecs.umich.edu/~</a:t>
+            </a:r>
+            <a:r>
+              <a:rPr lang="en-US" dirty="0" smtClean="0">
+                <a:hlinkClick r:id="rId2"/>
+              </a:rPr>
+              <a:t>spelley</a:t>
+            </a:r>
+            <a:endParaRPr lang="en-US" dirty="0" smtClean="0"/>
+          </a:p>
+          <a:p>
+            <a:pPr lvl="1"/>
+            <a:r>
+              <a:rPr lang="en-US" sz="1800" dirty="0"/>
+              <a:t>Steven Pelley, Thomas F. </a:t>
+            </a:r>
+            <a:r>
+              <a:rPr lang="en-US" sz="1800" dirty="0" err="1"/>
+              <a:t>Wenisch</a:t>
+            </a:r>
+            <a:r>
+              <a:rPr lang="en-US" sz="1800" dirty="0"/>
+              <a:t>, Brian T. Gold, Bill Bridge: Storage Management in the NVRAM Era. PVLDB 7(2): 121-132 (2013</a:t>
+            </a:r>
+            <a:r>
+              <a:rPr lang="en-US" sz="1800" dirty="0" smtClean="0"/>
+              <a:t>)</a:t>
+            </a:r>
+          </a:p>
+          <a:p>
+            <a:pPr lvl="1"/>
+            <a:r>
+              <a:rPr lang="en-US" sz="1800" dirty="0" smtClean="0"/>
+              <a:t>[BPFS] </a:t>
+            </a:r>
+            <a:r>
+              <a:rPr lang="en-US" sz="1800" dirty="0"/>
+              <a:t>Jeremy Condit, Edmund B. Nightingale, Christopher Frost, </a:t>
+            </a:r>
+            <a:r>
+              <a:rPr lang="en-US" sz="1800" dirty="0" err="1"/>
+              <a:t>Engin</a:t>
+            </a:r>
+            <a:r>
+              <a:rPr lang="en-US" sz="1800" dirty="0"/>
+              <a:t> </a:t>
+            </a:r>
+            <a:r>
+              <a:rPr lang="en-US" sz="1800" dirty="0" err="1"/>
+              <a:t>Ipek</a:t>
+            </a:r>
+            <a:r>
+              <a:rPr lang="en-US" sz="1800" dirty="0"/>
+              <a:t>, Benjamin Lee, Doug Burger, and Derrick Coetzee. 2009. Better I/O through byte-addressable, persistent memory. In </a:t>
+            </a:r>
+            <a:r>
+              <a:rPr lang="en-US" sz="1800" i="1" dirty="0"/>
+              <a:t>Proceedings of the ACM SIGOPS 22nd symposium on Operating systems principles</a:t>
+            </a:r>
+            <a:r>
+              <a:rPr lang="en-US" sz="1800" dirty="0"/>
+              <a:t> (SOSP </a:t>
+            </a:r>
+            <a:r>
+              <a:rPr lang="en-US" sz="1800" dirty="0" smtClean="0"/>
+              <a:t>'09)</a:t>
+            </a:r>
+            <a:endParaRPr lang="en-US" sz="1800" dirty="0"/>
+          </a:p>
+        </p:txBody>
+      </p:sp>
+      <p:sp>
+        <p:nvSpPr>
+          <p:cNvPr id="4" name="Slide Number Placeholder 3"/>
+          <p:cNvSpPr>
+            <a:spLocks noGrp="1"/>
+          </p:cNvSpPr>
+          <p:nvPr>
+            <p:ph type="sldNum" sz="quarter" idx="4"/>
+          </p:nvPr>
+        </p:nvSpPr>
+        <p:spPr/>
+        <p:txBody>
+          <a:bodyPr/>
+          <a:lstStyle/>
+          <a:p>
+            <a:fld id="{24EAD923-3004-4A31-84C7-9B440B785588}" type="slidenum">
+              <a:rPr lang="en-US" smtClean="0"/>
+              <a:pPr/>
+              <a:t>14</a:t>
+            </a:fld>
+            <a:endParaRPr lang="en-US" dirty="0"/>
+          </a:p>
+        </p:txBody>
+      </p:sp>
+    </p:spTree>
+    <p:extLst>
+      <p:ext uri="{BB962C8B-B14F-4D97-AF65-F5344CB8AC3E}">
+        <p14:creationId xmlns:p14="http://schemas.microsoft.com/office/powerpoint/2010/main" val="229803730"/>
+      </p:ext>
+    </p:extLst>
+  </p:cSld>
+  <p:clrMapOvr>
+    <a:masterClrMapping/>
+  </p:clrMapOvr>
+  <p:timing>
+    <p:tnLst>
+      <p:par>
+        <p:cTn id="1" dur="indefinite" restart="never" nodeType="tmRoot"/>
+      </p:par>
+    </p:tnLst>
+  </p:timing>
+</p:sld>
+</file>
+
+<file path=ppt/slides/slide15.xml><?xml version="1.0" encoding="utf-8"?>
+<p:sld xmlns:a="http://schemas.openxmlformats.org/drawingml/2006/main" xmlns:r="http://schemas.openxmlformats.org/officeDocument/2006/relationships" xmlns:p="http://schemas.openxmlformats.org/presentationml/2006/main">
+  <p:cSld>
+    <p:spTree>
+      <p:nvGrpSpPr>
+        <p:cNvPr id="1" name=""/>
+        <p:cNvGrpSpPr/>
+        <p:nvPr/>
+      </p:nvGrpSpPr>
+      <p:grpSpPr>
+        <a:xfrm>
+          <a:off x="0" y="0"/>
+          <a:ext cx="0" cy="0"/>
+          <a:chOff x="0" y="0"/>
+          <a:chExt cx="0" cy="0"/>
+        </a:xfrm>
+      </p:grpSpPr>
+      <p:sp>
+        <p:nvSpPr>
+          <p:cNvPr id="2" name="Title 1"/>
+          <p:cNvSpPr>
+            <a:spLocks noGrp="1"/>
+          </p:cNvSpPr>
+          <p:nvPr>
+            <p:ph type="title"/>
+          </p:nvPr>
+        </p:nvSpPr>
+        <p:spPr/>
+        <p:txBody>
+          <a:bodyPr/>
+          <a:lstStyle/>
+          <a:p>
+            <a:r>
+              <a:rPr lang="en-US" dirty="0" smtClean="0"/>
+              <a:t>Backup slides</a:t>
+            </a:r>
+            <a:endParaRPr lang="en-US" dirty="0"/>
+          </a:p>
+        </p:txBody>
+      </p:sp>
+      <p:sp>
+        <p:nvSpPr>
+          <p:cNvPr id="3" name="Content Placeholder 2"/>
+          <p:cNvSpPr>
+            <a:spLocks noGrp="1"/>
+          </p:cNvSpPr>
+          <p:nvPr>
+            <p:ph idx="1"/>
+          </p:nvPr>
+        </p:nvSpPr>
+        <p:spPr/>
+        <p:txBody>
+          <a:bodyPr/>
+          <a:lstStyle/>
+          <a:p>
+            <a:endParaRPr lang="en-US"/>
+          </a:p>
+        </p:txBody>
+      </p:sp>
+      <p:sp>
+        <p:nvSpPr>
+          <p:cNvPr id="4" name="Slide Number Placeholder 3"/>
+          <p:cNvSpPr>
+            <a:spLocks noGrp="1"/>
+          </p:cNvSpPr>
+          <p:nvPr>
+            <p:ph type="sldNum" sz="quarter" idx="4"/>
+          </p:nvPr>
+        </p:nvSpPr>
+        <p:spPr/>
+        <p:txBody>
+          <a:bodyPr/>
+          <a:lstStyle/>
+          <a:p>
+            <a:fld id="{24EAD923-3004-4A31-84C7-9B440B785588}" type="slidenum">
+              <a:rPr lang="en-US" smtClean="0"/>
+              <a:pPr/>
+              <a:t>15</a:t>
+            </a:fld>
+            <a:endParaRPr lang="en-US" dirty="0"/>
+          </a:p>
+        </p:txBody>
+      </p:sp>
+    </p:spTree>
+    <p:extLst>
+      <p:ext uri="{BB962C8B-B14F-4D97-AF65-F5344CB8AC3E}">
+        <p14:creationId xmlns:p14="http://schemas.microsoft.com/office/powerpoint/2010/main" val="2389137295"/>
+      </p:ext>
+    </p:extLst>
+  </p:cSld>
+  <p:clrMapOvr>
+    <a:masterClrMapping/>
+  </p:clrMapOvr>
+  <p:timing>
+    <p:tnLst>
+      <p:par>
+        <p:cTn id="1" dur="indefinite" restart="never" nodeType="tmRoot"/>
+      </p:par>
+    </p:tnLst>
+  </p:timing>
+</p:sld>
+</file>
+
+<file path=ppt/slides/slide16.xml><?xml version="1.0" encoding="utf-8"?>
+<p:sld xmlns:a="http://schemas.openxmlformats.org/drawingml/2006/main" xmlns:r="http://schemas.openxmlformats.org/officeDocument/2006/relationships" xmlns:p="http://schemas.openxmlformats.org/presentationml/2006/main">
+  <p:cSld>
+    <p:spTree>
+      <p:nvGrpSpPr>
+        <p:cNvPr id="1" name=""/>
+        <p:cNvGrpSpPr/>
+        <p:nvPr/>
+      </p:nvGrpSpPr>
+      <p:grpSpPr>
+        <a:xfrm>
+          <a:off x="0" y="0"/>
+          <a:ext cx="0" cy="0"/>
+          <a:chOff x="0" y="0"/>
+          <a:chExt cx="0" cy="0"/>
+        </a:xfrm>
+      </p:grpSpPr>
+      <p:sp>
+        <p:nvSpPr>
+          <p:cNvPr id="2" name="Title 1"/>
+          <p:cNvSpPr>
+            <a:spLocks noGrp="1"/>
+          </p:cNvSpPr>
+          <p:nvPr>
+            <p:ph type="title"/>
+          </p:nvPr>
+        </p:nvSpPr>
+        <p:spPr/>
+        <p:txBody>
+          <a:bodyPr/>
+          <a:lstStyle/>
+          <a:p>
+            <a:r>
+              <a:rPr lang="en-US" dirty="0" smtClean="0"/>
+              <a:t>Disk replacement performance</a:t>
+            </a:r>
+            <a:endParaRPr lang="en-US" dirty="0"/>
+          </a:p>
+        </p:txBody>
+      </p:sp>
+      <p:sp>
+        <p:nvSpPr>
+          <p:cNvPr id="4" name="Slide Number Placeholder 3"/>
+          <p:cNvSpPr>
+            <a:spLocks noGrp="1"/>
+          </p:cNvSpPr>
+          <p:nvPr>
+            <p:ph type="sldNum" sz="quarter" idx="4"/>
+          </p:nvPr>
+        </p:nvSpPr>
+        <p:spPr/>
+        <p:txBody>
+          <a:bodyPr/>
+          <a:lstStyle/>
+          <a:p>
+            <a:fld id="{24EAD923-3004-4A31-84C7-9B440B785588}" type="slidenum">
+              <a:rPr lang="en-US" smtClean="0"/>
+              <a:pPr/>
+              <a:t>16</a:t>
+            </a:fld>
+            <a:endParaRPr lang="en-US" dirty="0"/>
+          </a:p>
+        </p:txBody>
+      </p:sp>
+      <p:sp>
+        <p:nvSpPr>
+          <p:cNvPr id="6" name="TextBox 5"/>
+          <p:cNvSpPr txBox="1"/>
+          <p:nvPr/>
+        </p:nvSpPr>
+        <p:spPr>
+          <a:xfrm>
+            <a:off x="425255" y="6027675"/>
+            <a:ext cx="8293489" cy="461665"/>
+          </a:xfrm>
+          <a:prstGeom prst="rect">
+            <a:avLst/>
+          </a:prstGeom>
+          <a:noFill/>
+        </p:spPr>
+        <p:txBody>
+          <a:bodyPr wrap="none" rtlCol="0">
+            <a:spAutoFit/>
+          </a:bodyPr>
+          <a:lstStyle/>
+          <a:p>
+            <a:r>
+              <a:rPr lang="en-US" sz="2400" b="0" i="1" dirty="0" smtClean="0">
+                <a:solidFill>
+                  <a:srgbClr val="FF0909"/>
+                </a:solidFill>
+              </a:rPr>
+              <a:t>As disk replacement NVRAM enables near-instant recovery</a:t>
+            </a:r>
+            <a:endParaRPr lang="en-US" sz="2400" b="0" i="1" dirty="0">
+              <a:solidFill>
+                <a:srgbClr val="FF0909"/>
+              </a:solidFill>
+            </a:endParaRPr>
+          </a:p>
+        </p:txBody>
+      </p:sp>
+      <p:sp>
+        <p:nvSpPr>
+          <p:cNvPr id="14" name="TextBox 13"/>
+          <p:cNvSpPr txBox="1"/>
+          <p:nvPr/>
+        </p:nvSpPr>
+        <p:spPr>
+          <a:xfrm>
+            <a:off x="1176817" y="6021288"/>
+            <a:ext cx="6777816" cy="461665"/>
+          </a:xfrm>
+          <a:prstGeom prst="rect">
+            <a:avLst/>
+          </a:prstGeom>
+          <a:noFill/>
+        </p:spPr>
+        <p:txBody>
+          <a:bodyPr wrap="none" rtlCol="0">
+            <a:spAutoFit/>
+          </a:bodyPr>
+          <a:lstStyle/>
+          <a:p>
+            <a:r>
+              <a:rPr lang="en-US" sz="2400" b="0" i="1" dirty="0" smtClean="0">
+                <a:solidFill>
+                  <a:srgbClr val="FF0909"/>
+                </a:solidFill>
+              </a:rPr>
+              <a:t>Disk-management overheads impose bottleneck</a:t>
+            </a:r>
+            <a:endParaRPr lang="en-US" sz="2400" b="0" i="1" dirty="0">
+              <a:solidFill>
+                <a:srgbClr val="FF0909"/>
+              </a:solidFill>
+            </a:endParaRPr>
+          </a:p>
+        </p:txBody>
+      </p:sp>
+      <p:grpSp>
+        <p:nvGrpSpPr>
+          <p:cNvPr id="8" name="Group 7"/>
+          <p:cNvGrpSpPr/>
+          <p:nvPr/>
+        </p:nvGrpSpPr>
+        <p:grpSpPr>
+          <a:xfrm>
+            <a:off x="2089749" y="1304764"/>
+            <a:ext cx="5434579" cy="4746199"/>
+            <a:chOff x="1979712" y="1275086"/>
+            <a:chExt cx="5434579" cy="4746199"/>
+          </a:xfrm>
+        </p:grpSpPr>
+        <p:pic>
+          <p:nvPicPr>
+            <p:cNvPr id="3" name="Picture 2"/>
+            <p:cNvPicPr>
+              <a:picLocks noChangeAspect="1" noChangeArrowheads="1"/>
+            </p:cNvPicPr>
+            <p:nvPr/>
+          </p:nvPicPr>
+          <p:blipFill>
+            <a:blip r:embed="rId2">
+              <a:extLst>
+                <a:ext uri="{28A0092B-C50C-407E-A947-70E740481C1C}">
+                  <a14:useLocalDpi xmlns:a14="http://schemas.microsoft.com/office/drawing/2010/main" val="0"/>
+                </a:ext>
+              </a:extLst>
+            </a:blip>
+            <a:srcRect/>
+            <a:stretch>
+              <a:fillRect/>
+            </a:stretch>
+          </p:blipFill>
+          <p:spPr bwMode="auto">
+            <a:xfrm>
+              <a:off x="1979712" y="1275086"/>
+              <a:ext cx="5434579" cy="4746199"/>
+            </a:xfrm>
+            <a:prstGeom prst="rect">
+              <a:avLst/>
+            </a:prstGeom>
+            <a:noFill/>
+            <a:ln>
+              <a:noFill/>
+            </a:ln>
+            <a:extLst>
+              <a:ext uri="{909E8E84-426E-40DD-AFC4-6F175D3DCCD1}">
+                <a14:hiddenFill xmlns:a14="http://schemas.microsoft.com/office/drawing/2010/main">
+                  <a:solidFill>
+                    <a:schemeClr val="accent1"/>
+                  </a:solidFill>
+                </a14:hiddenFill>
+              </a:ext>
+              <a:ext uri="{91240B29-F687-4F45-9708-019B960494DF}">
+                <a14:hiddenLine xmlns:a14="http://schemas.microsoft.com/office/drawing/2010/main" w="9525">
+                  <a:solidFill>
+                    <a:schemeClr val="tx1"/>
+                  </a:solidFill>
+                  <a:miter lim="800000"/>
+                  <a:headEnd/>
+                  <a:tailEnd/>
+                </a14:hiddenLine>
+              </a:ext>
+            </a:extLst>
+          </p:spPr>
+        </p:pic>
+        <p:sp>
+          <p:nvSpPr>
+            <p:cNvPr id="15" name="Rectangle 14"/>
+            <p:cNvSpPr/>
+            <p:nvPr/>
+          </p:nvSpPr>
+          <p:spPr bwMode="auto">
+            <a:xfrm>
+              <a:off x="3203849" y="1571020"/>
+              <a:ext cx="2375250" cy="1209908"/>
+            </a:xfrm>
+            <a:prstGeom prst="rect">
+              <a:avLst/>
+            </a:prstGeom>
+            <a:solidFill>
+              <a:schemeClr val="bg1"/>
+            </a:solidFill>
+            <a:ln w="9525" cap="flat" cmpd="sng" algn="ctr">
+              <a:noFill/>
+              <a:prstDash val="solid"/>
+              <a:round/>
+              <a:headEnd type="none" w="med" len="med"/>
+              <a:tailEnd type="none" w="med" len="med"/>
+            </a:ln>
+            <a:effectLst/>
+          </p:spPr>
+          <p:txBody>
+            <a:bodyPr vert="horz" wrap="square" lIns="91440" tIns="45720" rIns="91440" bIns="45720" numCol="1" rtlCol="0" anchor="t" anchorCtr="0" compatLnSpc="1">
+              <a:prstTxWarp prst="textNoShape">
+                <a:avLst/>
+              </a:prstTxWarp>
+            </a:bodyPr>
+            <a:lstStyle/>
+            <a:p>
+              <a:pPr marL="0" marR="0" indent="0" algn="l" defTabSz="914400" rtl="0" eaLnBrk="0" fontAlgn="base" latinLnBrk="0" hangingPunct="0">
+                <a:lnSpc>
+                  <a:spcPct val="100000"/>
+                </a:lnSpc>
+                <a:spcBef>
+                  <a:spcPct val="0"/>
+                </a:spcBef>
+                <a:spcAft>
+                  <a:spcPct val="0"/>
+                </a:spcAft>
+                <a:buClrTx/>
+                <a:buSzTx/>
+                <a:buFontTx/>
+                <a:buNone/>
+                <a:tabLst/>
+              </a:pPr>
+              <a:endParaRPr kumimoji="0" lang="en-US" sz="2400" b="0" i="0" u="none" strike="noStrike" cap="none" normalizeH="0" baseline="0" smtClean="0">
+                <a:ln>
+                  <a:noFill/>
+                </a:ln>
+                <a:solidFill>
+                  <a:schemeClr val="tx1"/>
+                </a:solidFill>
+                <a:effectLst/>
+                <a:latin typeface="Arial" charset="0"/>
+                <a:ea typeface="ＭＳ Ｐゴシック" charset="-128"/>
+              </a:endParaRPr>
+            </a:p>
+          </p:txBody>
+        </p:sp>
+      </p:grpSp>
+      <p:pic>
+        <p:nvPicPr>
+          <p:cNvPr id="1028" name="Picture 4"/>
+          <p:cNvPicPr>
+            <a:picLocks noChangeAspect="1" noChangeArrowheads="1"/>
+          </p:cNvPicPr>
+          <p:nvPr/>
+        </p:nvPicPr>
+        <p:blipFill>
+          <a:blip r:embed="rId3">
+            <a:extLst>
+              <a:ext uri="{28A0092B-C50C-407E-A947-70E740481C1C}">
+                <a14:useLocalDpi xmlns:a14="http://schemas.microsoft.com/office/drawing/2010/main" val="0"/>
+              </a:ext>
+            </a:extLst>
+          </a:blip>
+          <a:srcRect/>
+          <a:stretch>
+            <a:fillRect/>
+          </a:stretch>
+        </p:blipFill>
+        <p:spPr bwMode="auto">
+          <a:xfrm>
+            <a:off x="30143" y="1399258"/>
+            <a:ext cx="2165593" cy="1320636"/>
+          </a:xfrm>
+          <a:prstGeom prst="rect">
+            <a:avLst/>
+          </a:prstGeom>
+          <a:noFill/>
+          <a:ln>
+            <a:noFill/>
+          </a:ln>
+          <a:extLst>
+            <a:ext uri="{909E8E84-426E-40DD-AFC4-6F175D3DCCD1}">
+              <a14:hiddenFill xmlns:a14="http://schemas.microsoft.com/office/drawing/2010/main">
+                <a:solidFill>
+                  <a:schemeClr val="accent1"/>
+                </a:solidFill>
+              </a14:hiddenFill>
+            </a:ext>
+            <a:ext uri="{91240B29-F687-4F45-9708-019B960494DF}">
+              <a14:hiddenLine xmlns:a14="http://schemas.microsoft.com/office/drawing/2010/main" w="9525">
+                <a:solidFill>
+                  <a:schemeClr val="tx1"/>
+                </a:solidFill>
+                <a:miter lim="800000"/>
+                <a:headEnd/>
+                <a:tailEnd/>
+              </a14:hiddenLine>
+            </a:ext>
+          </a:extLst>
+        </p:spPr>
+      </p:pic>
+      <p:sp>
+        <p:nvSpPr>
+          <p:cNvPr id="7" name="TextBox 6"/>
+          <p:cNvSpPr txBox="1"/>
+          <p:nvPr/>
+        </p:nvSpPr>
+        <p:spPr>
+          <a:xfrm>
+            <a:off x="6802327" y="1124744"/>
+            <a:ext cx="2279791" cy="892552"/>
+          </a:xfrm>
+          <a:prstGeom prst="rect">
+            <a:avLst/>
+          </a:prstGeom>
+          <a:noFill/>
+        </p:spPr>
+        <p:txBody>
+          <a:bodyPr wrap="none" rtlCol="0">
+            <a:spAutoFit/>
+          </a:bodyPr>
+          <a:lstStyle/>
+          <a:p>
+            <a:pPr algn="l"/>
+            <a:r>
+              <a:rPr lang="en-US" b="0" dirty="0" smtClean="0"/>
+              <a:t>~ </a:t>
+            </a:r>
+            <a:r>
+              <a:rPr lang="en-US" b="0" dirty="0" smtClean="0"/>
+              <a:t>30 15krpm disks</a:t>
+            </a:r>
+          </a:p>
+          <a:p>
+            <a:pPr algn="l"/>
+            <a:r>
+              <a:rPr lang="en-US" b="0" dirty="0" smtClean="0"/>
+              <a:t>or 3 Flash SSDs</a:t>
+            </a:r>
+          </a:p>
+          <a:p>
+            <a:pPr algn="l"/>
+            <a:r>
+              <a:rPr lang="en-US" sz="1200" b="0" dirty="0" smtClean="0"/>
+              <a:t>[device IOPS rates: Symantec</a:t>
+            </a:r>
+            <a:r>
+              <a:rPr lang="en-US" sz="1200" b="0" dirty="0" smtClean="0"/>
+              <a:t>]</a:t>
+            </a:r>
+            <a:endParaRPr lang="en-US" sz="1200" b="0" dirty="0" smtClean="0"/>
+          </a:p>
+        </p:txBody>
+      </p:sp>
+      <p:sp>
+        <p:nvSpPr>
+          <p:cNvPr id="19" name="Rectangle 18"/>
+          <p:cNvSpPr/>
+          <p:nvPr/>
+        </p:nvSpPr>
+        <p:spPr bwMode="auto">
+          <a:xfrm>
+            <a:off x="5112060" y="2852936"/>
+            <a:ext cx="1764195" cy="648072"/>
+          </a:xfrm>
+          <a:prstGeom prst="rect">
+            <a:avLst/>
+          </a:prstGeom>
+          <a:solidFill>
+            <a:schemeClr val="bg1"/>
+          </a:solidFill>
+          <a:ln w="9525" cap="flat" cmpd="sng" algn="ctr">
+            <a:noFill/>
+            <a:prstDash val="solid"/>
+            <a:round/>
+            <a:headEnd type="none" w="med" len="med"/>
+            <a:tailEnd type="none" w="med" len="med"/>
+          </a:ln>
+          <a:effectLst/>
+        </p:spPr>
+        <p:txBody>
+          <a:bodyPr vert="horz" wrap="square" lIns="91440" tIns="45720" rIns="91440" bIns="45720" numCol="1" rtlCol="0" anchor="t" anchorCtr="0" compatLnSpc="1">
+            <a:prstTxWarp prst="textNoShape">
+              <a:avLst/>
+            </a:prstTxWarp>
+          </a:bodyPr>
+          <a:lstStyle/>
+          <a:p>
+            <a:pPr marL="0" marR="0" indent="0" algn="l" defTabSz="914400" rtl="0" eaLnBrk="0" fontAlgn="base" latinLnBrk="0" hangingPunct="0">
+              <a:lnSpc>
+                <a:spcPct val="100000"/>
+              </a:lnSpc>
+              <a:spcBef>
+                <a:spcPct val="0"/>
+              </a:spcBef>
+              <a:spcAft>
+                <a:spcPct val="0"/>
+              </a:spcAft>
+              <a:buClrTx/>
+              <a:buSzTx/>
+              <a:buFontTx/>
+              <a:buNone/>
+              <a:tabLst/>
+            </a:pPr>
+            <a:endParaRPr kumimoji="0" lang="en-US" sz="2400" b="0" i="0" u="none" strike="noStrike" cap="none" normalizeH="0" baseline="0" smtClean="0">
+              <a:ln>
+                <a:noFill/>
+              </a:ln>
+              <a:solidFill>
+                <a:schemeClr val="tx1"/>
+              </a:solidFill>
+              <a:effectLst/>
+              <a:latin typeface="Arial" charset="0"/>
+              <a:ea typeface="ＭＳ Ｐゴシック" charset="-128"/>
+            </a:endParaRPr>
+          </a:p>
+        </p:txBody>
+      </p:sp>
+      <p:sp>
+        <p:nvSpPr>
+          <p:cNvPr id="20" name="Rectangle 19"/>
+          <p:cNvSpPr/>
+          <p:nvPr/>
+        </p:nvSpPr>
+        <p:spPr bwMode="auto">
+          <a:xfrm>
+            <a:off x="5119851" y="3977444"/>
+            <a:ext cx="1764195" cy="648072"/>
+          </a:xfrm>
+          <a:prstGeom prst="rect">
+            <a:avLst/>
+          </a:prstGeom>
+          <a:solidFill>
+            <a:schemeClr val="bg1"/>
+          </a:solidFill>
+          <a:ln w="9525" cap="flat" cmpd="sng" algn="ctr">
+            <a:noFill/>
+            <a:prstDash val="solid"/>
+            <a:round/>
+            <a:headEnd type="none" w="med" len="med"/>
+            <a:tailEnd type="none" w="med" len="med"/>
+          </a:ln>
+          <a:effectLst/>
+        </p:spPr>
+        <p:txBody>
+          <a:bodyPr vert="horz" wrap="square" lIns="91440" tIns="45720" rIns="91440" bIns="45720" numCol="1" rtlCol="0" anchor="t" anchorCtr="0" compatLnSpc="1">
+            <a:prstTxWarp prst="textNoShape">
+              <a:avLst/>
+            </a:prstTxWarp>
+          </a:bodyPr>
+          <a:lstStyle/>
+          <a:p>
+            <a:pPr marL="0" marR="0" indent="0" algn="l" defTabSz="914400" rtl="0" eaLnBrk="0" fontAlgn="base" latinLnBrk="0" hangingPunct="0">
+              <a:lnSpc>
+                <a:spcPct val="100000"/>
+              </a:lnSpc>
+              <a:spcBef>
+                <a:spcPct val="0"/>
+              </a:spcBef>
+              <a:spcAft>
+                <a:spcPct val="0"/>
+              </a:spcAft>
+              <a:buClrTx/>
+              <a:buSzTx/>
+              <a:buFontTx/>
+              <a:buNone/>
+              <a:tabLst/>
+            </a:pPr>
+            <a:endParaRPr kumimoji="0" lang="en-US" sz="2400" b="0" i="0" u="none" strike="noStrike" cap="none" normalizeH="0" baseline="0" smtClean="0">
+              <a:ln>
+                <a:noFill/>
+              </a:ln>
+              <a:solidFill>
+                <a:schemeClr val="tx1"/>
+              </a:solidFill>
+              <a:effectLst/>
+              <a:latin typeface="Arial" charset="0"/>
+              <a:ea typeface="ＭＳ Ｐゴシック" charset="-128"/>
+            </a:endParaRPr>
+          </a:p>
+        </p:txBody>
+      </p:sp>
+      <p:sp>
+        <p:nvSpPr>
+          <p:cNvPr id="21" name="Rectangle 20"/>
+          <p:cNvSpPr/>
+          <p:nvPr/>
+        </p:nvSpPr>
+        <p:spPr bwMode="auto">
+          <a:xfrm>
+            <a:off x="4807038" y="4655996"/>
+            <a:ext cx="1764195" cy="648072"/>
+          </a:xfrm>
+          <a:prstGeom prst="rect">
+            <a:avLst/>
+          </a:prstGeom>
+          <a:solidFill>
+            <a:schemeClr val="bg1"/>
+          </a:solidFill>
+          <a:ln w="9525" cap="flat" cmpd="sng" algn="ctr">
+            <a:noFill/>
+            <a:prstDash val="solid"/>
+            <a:round/>
+            <a:headEnd type="none" w="med" len="med"/>
+            <a:tailEnd type="none" w="med" len="med"/>
+          </a:ln>
+          <a:effectLst/>
+        </p:spPr>
+        <p:txBody>
+          <a:bodyPr vert="horz" wrap="square" lIns="91440" tIns="45720" rIns="91440" bIns="45720" numCol="1" rtlCol="0" anchor="t" anchorCtr="0" compatLnSpc="1">
+            <a:prstTxWarp prst="textNoShape">
+              <a:avLst/>
+            </a:prstTxWarp>
+          </a:bodyPr>
+          <a:lstStyle/>
+          <a:p>
+            <a:pPr marL="0" marR="0" indent="0" algn="l" defTabSz="914400" rtl="0" eaLnBrk="0" fontAlgn="base" latinLnBrk="0" hangingPunct="0">
+              <a:lnSpc>
+                <a:spcPct val="100000"/>
+              </a:lnSpc>
+              <a:spcBef>
+                <a:spcPct val="0"/>
+              </a:spcBef>
+              <a:spcAft>
+                <a:spcPct val="0"/>
+              </a:spcAft>
+              <a:buClrTx/>
+              <a:buSzTx/>
+              <a:buFontTx/>
+              <a:buNone/>
+              <a:tabLst/>
+            </a:pPr>
+            <a:endParaRPr kumimoji="0" lang="en-US" sz="2400" b="0" i="0" u="none" strike="noStrike" cap="none" normalizeH="0" baseline="0" smtClean="0">
+              <a:ln>
+                <a:noFill/>
+              </a:ln>
+              <a:solidFill>
+                <a:schemeClr val="tx1"/>
+              </a:solidFill>
+              <a:effectLst/>
+              <a:latin typeface="Arial" charset="0"/>
+              <a:ea typeface="ＭＳ Ｐゴシック" charset="-128"/>
+            </a:endParaRPr>
+          </a:p>
+        </p:txBody>
+      </p:sp>
+      <p:sp>
+        <p:nvSpPr>
+          <p:cNvPr id="22" name="Rectangle 21"/>
+          <p:cNvSpPr/>
+          <p:nvPr/>
+        </p:nvSpPr>
+        <p:spPr bwMode="auto">
+          <a:xfrm>
+            <a:off x="6954549" y="4657888"/>
+            <a:ext cx="1764195" cy="648072"/>
+          </a:xfrm>
+          <a:prstGeom prst="rect">
+            <a:avLst/>
+          </a:prstGeom>
+          <a:solidFill>
+            <a:schemeClr val="bg1"/>
+          </a:solidFill>
+          <a:ln w="9525" cap="flat" cmpd="sng" algn="ctr">
+            <a:noFill/>
+            <a:prstDash val="solid"/>
+            <a:round/>
+            <a:headEnd type="none" w="med" len="med"/>
+            <a:tailEnd type="none" w="med" len="med"/>
+          </a:ln>
+          <a:effectLst/>
+        </p:spPr>
+        <p:txBody>
+          <a:bodyPr vert="horz" wrap="square" lIns="91440" tIns="45720" rIns="91440" bIns="45720" numCol="1" rtlCol="0" anchor="t" anchorCtr="0" compatLnSpc="1">
+            <a:prstTxWarp prst="textNoShape">
+              <a:avLst/>
+            </a:prstTxWarp>
+          </a:bodyPr>
+          <a:lstStyle/>
+          <a:p>
+            <a:pPr marL="0" marR="0" indent="0" algn="l" defTabSz="914400" rtl="0" eaLnBrk="0" fontAlgn="base" latinLnBrk="0" hangingPunct="0">
+              <a:lnSpc>
+                <a:spcPct val="100000"/>
+              </a:lnSpc>
+              <a:spcBef>
+                <a:spcPct val="0"/>
+              </a:spcBef>
+              <a:spcAft>
+                <a:spcPct val="0"/>
+              </a:spcAft>
+              <a:buClrTx/>
+              <a:buSzTx/>
+              <a:buFontTx/>
+              <a:buNone/>
+              <a:tabLst/>
+            </a:pPr>
+            <a:endParaRPr kumimoji="0" lang="en-US" sz="2400" b="0" i="0" u="none" strike="noStrike" cap="none" normalizeH="0" baseline="0" smtClean="0">
+              <a:ln>
+                <a:noFill/>
+              </a:ln>
+              <a:solidFill>
+                <a:schemeClr val="tx1"/>
+              </a:solidFill>
+              <a:effectLst/>
+              <a:latin typeface="Arial" charset="0"/>
+              <a:ea typeface="ＭＳ Ｐゴシック" charset="-128"/>
+            </a:endParaRPr>
+          </a:p>
+        </p:txBody>
+      </p:sp>
+      <p:sp>
+        <p:nvSpPr>
+          <p:cNvPr id="9" name="Rectangle 8"/>
+          <p:cNvSpPr/>
+          <p:nvPr/>
+        </p:nvSpPr>
+        <p:spPr bwMode="auto">
+          <a:xfrm>
+            <a:off x="0" y="2059576"/>
+            <a:ext cx="1764195" cy="648072"/>
+          </a:xfrm>
+          <a:prstGeom prst="rect">
+            <a:avLst/>
+          </a:prstGeom>
+          <a:solidFill>
+            <a:schemeClr val="bg1"/>
+          </a:solidFill>
+          <a:ln w="9525" cap="flat" cmpd="sng" algn="ctr">
+            <a:noFill/>
+            <a:prstDash val="solid"/>
+            <a:round/>
+            <a:headEnd type="none" w="med" len="med"/>
+            <a:tailEnd type="none" w="med" len="med"/>
+          </a:ln>
+          <a:effectLst/>
+        </p:spPr>
+        <p:txBody>
+          <a:bodyPr vert="horz" wrap="square" lIns="91440" tIns="45720" rIns="91440" bIns="45720" numCol="1" rtlCol="0" anchor="t" anchorCtr="0" compatLnSpc="1">
+            <a:prstTxWarp prst="textNoShape">
+              <a:avLst/>
+            </a:prstTxWarp>
+          </a:bodyPr>
+          <a:lstStyle/>
+          <a:p>
+            <a:pPr marL="0" marR="0" indent="0" algn="l" defTabSz="914400" rtl="0" eaLnBrk="0" fontAlgn="base" latinLnBrk="0" hangingPunct="0">
+              <a:lnSpc>
+                <a:spcPct val="100000"/>
+              </a:lnSpc>
+              <a:spcBef>
+                <a:spcPct val="0"/>
+              </a:spcBef>
+              <a:spcAft>
+                <a:spcPct val="0"/>
+              </a:spcAft>
+              <a:buClrTx/>
+              <a:buSzTx/>
+              <a:buFontTx/>
+              <a:buNone/>
+              <a:tabLst/>
+            </a:pPr>
+            <a:endParaRPr kumimoji="0" lang="en-US" sz="2400" b="0" i="0" u="none" strike="noStrike" cap="none" normalizeH="0" baseline="0" smtClean="0">
+              <a:ln>
+                <a:noFill/>
+              </a:ln>
+              <a:solidFill>
+                <a:schemeClr val="tx1"/>
+              </a:solidFill>
+              <a:effectLst/>
+              <a:latin typeface="Arial" charset="0"/>
+              <a:ea typeface="ＭＳ Ｐゴシック" charset="-128"/>
+            </a:endParaRPr>
+          </a:p>
+        </p:txBody>
+      </p:sp>
+      <p:sp>
+        <p:nvSpPr>
+          <p:cNvPr id="5" name="Rectangle 4"/>
+          <p:cNvSpPr/>
+          <p:nvPr/>
+        </p:nvSpPr>
+        <p:spPr>
+          <a:xfrm>
+            <a:off x="-36512" y="3717032"/>
+            <a:ext cx="2232248" cy="2246769"/>
+          </a:xfrm>
+          <a:prstGeom prst="rect">
+            <a:avLst/>
+          </a:prstGeom>
+        </p:spPr>
+        <p:txBody>
+          <a:bodyPr wrap="square">
+            <a:spAutoFit/>
+          </a:bodyPr>
+          <a:lstStyle/>
+          <a:p>
+            <a:pPr algn="l"/>
+            <a:r>
+              <a:rPr lang="en-US" b="0" dirty="0"/>
+              <a:t>TPCB </a:t>
+            </a:r>
+            <a:r>
+              <a:rPr lang="en-US" b="0" dirty="0" smtClean="0"/>
+              <a:t>benchmark</a:t>
+            </a:r>
+            <a:endParaRPr lang="en-US" b="0" dirty="0"/>
+          </a:p>
+          <a:p>
+            <a:pPr algn="l"/>
+            <a:endParaRPr lang="en-US" b="0" dirty="0" smtClean="0"/>
+          </a:p>
+          <a:p>
+            <a:pPr algn="l"/>
+            <a:r>
+              <a:rPr lang="en-US" b="0" dirty="0" smtClean="0"/>
+              <a:t>Place </a:t>
+            </a:r>
+            <a:r>
+              <a:rPr lang="en-US" b="0" dirty="0"/>
+              <a:t>log and </a:t>
+            </a:r>
+            <a:r>
+              <a:rPr lang="en-US" b="0" dirty="0" smtClean="0"/>
+              <a:t>store on </a:t>
+            </a:r>
+            <a:r>
+              <a:rPr lang="en-US" b="0" dirty="0" err="1" smtClean="0"/>
+              <a:t>RAMDisk</a:t>
+            </a:r>
+            <a:endParaRPr lang="en-US" b="0" dirty="0"/>
+          </a:p>
+          <a:p>
+            <a:pPr algn="l"/>
+            <a:endParaRPr lang="en-US" b="0" dirty="0" smtClean="0"/>
+          </a:p>
+          <a:p>
+            <a:pPr algn="l"/>
+            <a:r>
+              <a:rPr lang="en-US" b="0" dirty="0" smtClean="0"/>
+              <a:t>Artificially limit write </a:t>
+            </a:r>
+            <a:r>
+              <a:rPr lang="en-US" b="0" dirty="0"/>
+              <a:t>IOPS</a:t>
+            </a:r>
+          </a:p>
+        </p:txBody>
+      </p:sp>
+      <p:sp>
+        <p:nvSpPr>
+          <p:cNvPr id="10" name="Left-Right Arrow 9"/>
+          <p:cNvSpPr/>
+          <p:nvPr/>
+        </p:nvSpPr>
+        <p:spPr bwMode="auto">
+          <a:xfrm>
+            <a:off x="5724128" y="4216336"/>
+            <a:ext cx="1301418" cy="645105"/>
+          </a:xfrm>
+          <a:prstGeom prst="leftRightArrow">
+            <a:avLst/>
+          </a:prstGeom>
+          <a:solidFill>
+            <a:srgbClr val="FFA3A3"/>
+          </a:solidFill>
+          <a:ln w="9525" cap="flat" cmpd="sng" algn="ctr">
+            <a:solidFill>
+              <a:schemeClr val="tx1"/>
+            </a:solidFill>
+            <a:prstDash val="solid"/>
+            <a:round/>
+            <a:headEnd type="none" w="med" len="med"/>
+            <a:tailEnd type="none" w="med" len="med"/>
+          </a:ln>
+          <a:effectLst/>
+        </p:spPr>
+        <p:txBody>
+          <a:bodyPr vert="horz" wrap="square" lIns="91440" tIns="45720" rIns="91440" bIns="45720" numCol="1" rtlCol="0" anchor="ctr" anchorCtr="0" compatLnSpc="1">
+            <a:prstTxWarp prst="textNoShape">
+              <a:avLst/>
+            </a:prstTxWarp>
+          </a:bodyPr>
+          <a:lstStyle/>
+          <a:p>
+            <a:pPr marL="0" marR="0" indent="0" defTabSz="914400" rtl="0" eaLnBrk="0" fontAlgn="base" latinLnBrk="0" hangingPunct="0">
+              <a:lnSpc>
+                <a:spcPct val="100000"/>
+              </a:lnSpc>
+              <a:spcBef>
+                <a:spcPct val="0"/>
+              </a:spcBef>
+              <a:spcAft>
+                <a:spcPct val="0"/>
+              </a:spcAft>
+              <a:buClrTx/>
+              <a:buSzTx/>
+              <a:buFontTx/>
+              <a:buNone/>
+              <a:tabLst/>
+            </a:pPr>
+            <a:r>
+              <a:rPr kumimoji="0" lang="en-US" sz="2400" b="0" i="0" u="none" strike="noStrike" cap="none" normalizeH="0" baseline="0" dirty="0" smtClean="0">
+                <a:ln>
+                  <a:noFill/>
+                </a:ln>
+                <a:solidFill>
+                  <a:schemeClr val="tx1"/>
+                </a:solidFill>
+                <a:effectLst/>
+                <a:latin typeface="Arial" charset="0"/>
+                <a:ea typeface="ＭＳ Ｐゴシック" charset="-128"/>
+              </a:rPr>
+              <a:t>+50%</a:t>
+            </a:r>
+            <a:endParaRPr kumimoji="0" lang="en-US" sz="2400" b="0" i="0" u="none" strike="noStrike" cap="none" normalizeH="0" baseline="0" dirty="0" smtClean="0">
+              <a:ln>
+                <a:noFill/>
+              </a:ln>
+              <a:solidFill>
+                <a:schemeClr val="tx1"/>
+              </a:solidFill>
+              <a:effectLst/>
+              <a:latin typeface="Arial" charset="0"/>
+              <a:ea typeface="ＭＳ Ｐゴシック" charset="-128"/>
+            </a:endParaRPr>
+          </a:p>
+        </p:txBody>
+      </p:sp>
+    </p:spTree>
+    <p:extLst>
+      <p:ext uri="{BB962C8B-B14F-4D97-AF65-F5344CB8AC3E}">
+        <p14:creationId xmlns:p14="http://schemas.microsoft.com/office/powerpoint/2010/main" val="1482095056"/>
+      </p:ext>
+    </p:extLst>
+  </p:cSld>
+  <p:clrMapOvr>
+    <a:masterClrMapping/>
+  </p:clrMapOvr>
+  <p:timing>
+    <p:tnLst>
+      <p:par>
+        <p:cTn id="1" dur="indefinite" restart="never" nodeType="tmRoot">
+          <p:childTnLst>
+            <p:seq concurrent="1" nextAc="seek">
+              <p:cTn id="2" dur="indefinite" nodeType="mainSeq">
+                <p:childTnLst>
+                  <p:par>
+                    <p:cTn id="3" fill="hold">
+                      <p:stCondLst>
+                        <p:cond delay="indefinite"/>
+                      </p:stCondLst>
+                      <p:childTnLst>
+                        <p:par>
+                          <p:cTn id="4" fill="hold">
+                            <p:stCondLst>
+                              <p:cond delay="0"/>
+                            </p:stCondLst>
+                            <p:childTnLst>
+                              <p:par>
+                                <p:cTn id="5" presetID="1" presetClass="exit" presetSubtype="0" fill="hold" grpId="0" nodeType="clickEffect">
+                                  <p:stCondLst>
+                                    <p:cond delay="0"/>
+                                  </p:stCondLst>
+                                  <p:childTnLst>
+                                    <p:set>
+                                      <p:cBhvr>
+                                        <p:cTn id="6" dur="1" fill="hold">
+                                          <p:stCondLst>
+                                            <p:cond delay="0"/>
+                                          </p:stCondLst>
+                                        </p:cTn>
+                                        <p:tgtEl>
+                                          <p:spTgt spid="21"/>
+                                        </p:tgtEl>
+                                        <p:attrNameLst>
+                                          <p:attrName>style.visibility</p:attrName>
+                                        </p:attrNameLst>
+                                      </p:cBhvr>
+                                      <p:to>
+                                        <p:strVal val="hidden"/>
+                                      </p:to>
+                                    </p:set>
+                                  </p:childTnLst>
+                                </p:cTn>
+                              </p:par>
+                              <p:par>
+                                <p:cTn id="7" presetID="1" presetClass="entr" presetSubtype="0" fill="hold" grpId="0" nodeType="withEffect">
+                                  <p:stCondLst>
+                                    <p:cond delay="0"/>
+                                  </p:stCondLst>
+                                  <p:childTnLst>
+                                    <p:set>
+                                      <p:cBhvr>
+                                        <p:cTn id="8" dur="1" fill="hold">
+                                          <p:stCondLst>
+                                            <p:cond delay="0"/>
+                                          </p:stCondLst>
+                                        </p:cTn>
+                                        <p:tgtEl>
+                                          <p:spTgt spid="6"/>
+                                        </p:tgtEl>
+                                        <p:attrNameLst>
+                                          <p:attrName>style.visibility</p:attrName>
+                                        </p:attrNameLst>
+                                      </p:cBhvr>
+                                      <p:to>
+                                        <p:strVal val="visible"/>
+                                      </p:to>
+                                    </p:set>
+                                  </p:childTnLst>
+                                </p:cTn>
+                              </p:par>
+                            </p:childTnLst>
+                          </p:cTn>
+                        </p:par>
+                      </p:childTnLst>
+                    </p:cTn>
+                  </p:par>
+                  <p:par>
+                    <p:cTn id="9" fill="hold">
+                      <p:stCondLst>
+                        <p:cond delay="indefinite"/>
+                      </p:stCondLst>
+                      <p:childTnLst>
+                        <p:par>
+                          <p:cTn id="10" fill="hold">
+                            <p:stCondLst>
+                              <p:cond delay="0"/>
+                            </p:stCondLst>
+                            <p:childTnLst>
+                              <p:par>
+                                <p:cTn id="11" presetID="1" presetClass="exit" presetSubtype="0" fill="hold" grpId="0" nodeType="clickEffect">
+                                  <p:stCondLst>
+                                    <p:cond delay="0"/>
+                                  </p:stCondLst>
+                                  <p:childTnLst>
+                                    <p:set>
+                                      <p:cBhvr>
+                                        <p:cTn id="12" dur="1" fill="hold">
+                                          <p:stCondLst>
+                                            <p:cond delay="0"/>
+                                          </p:stCondLst>
+                                        </p:cTn>
+                                        <p:tgtEl>
+                                          <p:spTgt spid="22"/>
+                                        </p:tgtEl>
+                                        <p:attrNameLst>
+                                          <p:attrName>style.visibility</p:attrName>
+                                        </p:attrNameLst>
+                                      </p:cBhvr>
+                                      <p:to>
+                                        <p:strVal val="hidden"/>
+                                      </p:to>
+                                    </p:set>
+                                  </p:childTnLst>
+                                </p:cTn>
+                              </p:par>
+                              <p:par>
+                                <p:cTn id="13" presetID="1" presetClass="exit" presetSubtype="0" fill="hold" grpId="0" nodeType="withEffect">
+                                  <p:stCondLst>
+                                    <p:cond delay="0"/>
+                                  </p:stCondLst>
+                                  <p:childTnLst>
+                                    <p:set>
+                                      <p:cBhvr>
+                                        <p:cTn id="14" dur="1" fill="hold">
+                                          <p:stCondLst>
+                                            <p:cond delay="0"/>
+                                          </p:stCondLst>
+                                        </p:cTn>
+                                        <p:tgtEl>
+                                          <p:spTgt spid="9"/>
+                                        </p:tgtEl>
+                                        <p:attrNameLst>
+                                          <p:attrName>style.visibility</p:attrName>
+                                        </p:attrNameLst>
+                                      </p:cBhvr>
+                                      <p:to>
+                                        <p:strVal val="hidden"/>
+                                      </p:to>
+                                    </p:set>
+                                  </p:childTnLst>
+                                </p:cTn>
+                              </p:par>
+                            </p:childTnLst>
+                          </p:cTn>
+                        </p:par>
+                      </p:childTnLst>
+                    </p:cTn>
+                  </p:par>
+                  <p:par>
+                    <p:cTn id="15" fill="hold">
+                      <p:stCondLst>
+                        <p:cond delay="indefinite"/>
+                      </p:stCondLst>
+                      <p:childTnLst>
+                        <p:par>
+                          <p:cTn id="16" fill="hold">
+                            <p:stCondLst>
+                              <p:cond delay="0"/>
+                            </p:stCondLst>
+                            <p:childTnLst>
+                              <p:par>
+                                <p:cTn id="17" presetID="1" presetClass="exit" presetSubtype="0" fill="hold" grpId="1" nodeType="clickEffect">
+                                  <p:stCondLst>
+                                    <p:cond delay="0"/>
+                                  </p:stCondLst>
+                                  <p:childTnLst>
+                                    <p:set>
+                                      <p:cBhvr>
+                                        <p:cTn id="18" dur="1" fill="hold">
+                                          <p:stCondLst>
+                                            <p:cond delay="0"/>
+                                          </p:stCondLst>
+                                        </p:cTn>
+                                        <p:tgtEl>
+                                          <p:spTgt spid="6"/>
+                                        </p:tgtEl>
+                                        <p:attrNameLst>
+                                          <p:attrName>style.visibility</p:attrName>
+                                        </p:attrNameLst>
+                                      </p:cBhvr>
+                                      <p:to>
+                                        <p:strVal val="hidden"/>
+                                      </p:to>
+                                    </p:set>
+                                  </p:childTnLst>
+                                </p:cTn>
+                              </p:par>
+                              <p:par>
+                                <p:cTn id="19" presetID="1" presetClass="entr" presetSubtype="0" fill="hold" grpId="0" nodeType="withEffect">
+                                  <p:stCondLst>
+                                    <p:cond delay="0"/>
+                                  </p:stCondLst>
+                                  <p:childTnLst>
+                                    <p:set>
+                                      <p:cBhvr>
+                                        <p:cTn id="20" dur="1" fill="hold">
+                                          <p:stCondLst>
+                                            <p:cond delay="0"/>
+                                          </p:stCondLst>
+                                        </p:cTn>
+                                        <p:tgtEl>
+                                          <p:spTgt spid="14"/>
+                                        </p:tgtEl>
+                                        <p:attrNameLst>
+                                          <p:attrName>style.visibility</p:attrName>
+                                        </p:attrNameLst>
+                                      </p:cBhvr>
+                                      <p:to>
+                                        <p:strVal val="visible"/>
+                                      </p:to>
+                                    </p:set>
+                                  </p:childTnLst>
+                                </p:cTn>
+                              </p:par>
+                              <p:par>
+                                <p:cTn id="21" presetID="1" presetClass="entr" presetSubtype="0" fill="hold" grpId="0" nodeType="withEffect">
+                                  <p:stCondLst>
+                                    <p:cond delay="0"/>
+                                  </p:stCondLst>
+                                  <p:childTnLst>
+                                    <p:set>
+                                      <p:cBhvr>
+                                        <p:cTn id="22" dur="1" fill="hold">
+                                          <p:stCondLst>
+                                            <p:cond delay="0"/>
+                                          </p:stCondLst>
+                                        </p:cTn>
+                                        <p:tgtEl>
+                                          <p:spTgt spid="10"/>
+                                        </p:tgtEl>
+                                        <p:attrNameLst>
+                                          <p:attrName>style.visibility</p:attrName>
+                                        </p:attrNameLst>
+                                      </p:cBhvr>
+                                      <p:to>
+                                        <p:strVal val="visible"/>
+                                      </p:to>
+                                    </p:set>
+                                  </p:childTnLst>
+                                </p:cTn>
+                              </p:par>
+                            </p:childTnLst>
+                          </p:cTn>
+                        </p:par>
+                      </p:childTnLst>
+                    </p:cTn>
+                  </p:par>
+                </p:childTnLst>
+              </p:cTn>
+              <p:prevCondLst>
+                <p:cond evt="onPrev" delay="0">
+                  <p:tgtEl>
+                    <p:sldTgt/>
+                  </p:tgtEl>
+                </p:cond>
+              </p:prevCondLst>
+              <p:nextCondLst>
+                <p:cond evt="onNext" delay="0">
+                  <p:tgtEl>
+                    <p:sldTgt/>
+                  </p:tgtEl>
+                </p:cond>
+              </p:nextCondLst>
+            </p:seq>
+          </p:childTnLst>
+        </p:cTn>
+      </p:par>
+    </p:tnLst>
+    <p:bldLst>
+      <p:bldP spid="6" grpId="0"/>
+      <p:bldP spid="6" grpId="1"/>
+      <p:bldP spid="14" grpId="0"/>
+      <p:bldP spid="21" grpId="0" animBg="1"/>
+      <p:bldP spid="22" grpId="0" animBg="1"/>
+      <p:bldP spid="9" grpId="0" animBg="1"/>
+      <p:bldP spid="10" grpId="0" animBg="1"/>
+    </p:bldLst>
+  </p:timing>
+</p:sld>
+</file>
+
+<file path=ppt/slides/slide17.xml><?xml version="1.0" encoding="utf-8"?>
+<p:sld xmlns:a="http://schemas.openxmlformats.org/drawingml/2006/main" xmlns:r="http://schemas.openxmlformats.org/officeDocument/2006/relationships" xmlns:p="http://schemas.openxmlformats.org/presentationml/2006/main">
+  <p:cSld>
+    <p:spTree>
+      <p:nvGrpSpPr>
+        <p:cNvPr id="1" name=""/>
+        <p:cNvGrpSpPr/>
+        <p:nvPr/>
+      </p:nvGrpSpPr>
+      <p:grpSpPr>
+        <a:xfrm>
+          <a:off x="0" y="0"/>
+          <a:ext cx="0" cy="0"/>
+          <a:chOff x="0" y="0"/>
+          <a:chExt cx="0" cy="0"/>
+        </a:xfrm>
+      </p:grpSpPr>
       <p:pic>
         <p:nvPicPr>
           <p:cNvPr id="26" name="Picture 6" descr="http://cdn.eteknix.com/wp-content/uploads/2011/11/RAM.jpg"/>
@@ -8601,7 +9827,7 @@
             <a:fld id="{24EAD923-3004-4A31-84C7-9B440B785588}" type="slidenum">
               <a:rPr lang="en-US" smtClean="0"/>
               <a:pPr/>
-              <a:t>14</a:t>
+              <a:t>17</a:t>
             </a:fld>
             <a:endParaRPr lang="en-US" dirty="0"/>
           </a:p>
@@ -9374,193 +10600,6 @@
 </p:sld>
 </file>
 
-<file path=ppt/slides/slide15.xml><?xml version="1.0" encoding="utf-8"?>
-<p:sld xmlns:a="http://schemas.openxmlformats.org/drawingml/2006/main" xmlns:r="http://schemas.openxmlformats.org/officeDocument/2006/relationships" xmlns:p="http://schemas.openxmlformats.org/presentationml/2006/main">
-  <p:cSld>
-    <p:spTree>
-      <p:nvGrpSpPr>
-        <p:cNvPr id="1" name=""/>
-        <p:cNvGrpSpPr/>
-        <p:nvPr/>
-      </p:nvGrpSpPr>
-      <p:grpSpPr>
-        <a:xfrm>
-          <a:off x="0" y="0"/>
-          <a:ext cx="0" cy="0"/>
-          <a:chOff x="0" y="0"/>
-          <a:chExt cx="0" cy="0"/>
-        </a:xfrm>
-      </p:grpSpPr>
-      <p:sp>
-        <p:nvSpPr>
-          <p:cNvPr id="2" name="Title 1"/>
-          <p:cNvSpPr>
-            <a:spLocks noGrp="1"/>
-          </p:cNvSpPr>
-          <p:nvPr>
-            <p:ph type="title"/>
-          </p:nvPr>
-        </p:nvSpPr>
-        <p:spPr/>
-        <p:txBody>
-          <a:bodyPr/>
-          <a:lstStyle/>
-          <a:p>
-            <a:r>
-              <a:rPr lang="en-US" dirty="0" smtClean="0"/>
-              <a:t>Thank you</a:t>
-            </a:r>
-            <a:endParaRPr lang="en-US" dirty="0"/>
-          </a:p>
-        </p:txBody>
-      </p:sp>
-      <p:sp>
-        <p:nvSpPr>
-          <p:cNvPr id="3" name="Content Placeholder 2"/>
-          <p:cNvSpPr>
-            <a:spLocks noGrp="1"/>
-          </p:cNvSpPr>
-          <p:nvPr>
-            <p:ph idx="1"/>
-          </p:nvPr>
-        </p:nvSpPr>
-        <p:spPr/>
-        <p:txBody>
-          <a:bodyPr/>
-          <a:lstStyle/>
-          <a:p>
-            <a:r>
-              <a:rPr lang="en-US" dirty="0" smtClean="0"/>
-              <a:t>Questions?</a:t>
-            </a:r>
-          </a:p>
-          <a:p>
-            <a:endParaRPr lang="en-US" dirty="0"/>
-          </a:p>
-          <a:p>
-            <a:r>
-              <a:rPr lang="en-US" dirty="0" smtClean="0"/>
-              <a:t>References</a:t>
-            </a:r>
-          </a:p>
-          <a:p>
-            <a:pPr lvl="1"/>
-            <a:r>
-              <a:rPr lang="en-US" dirty="0"/>
-              <a:t>Website: </a:t>
-            </a:r>
-            <a:r>
-              <a:rPr lang="en-US" dirty="0">
-                <a:hlinkClick r:id="rId2"/>
-              </a:rPr>
-              <a:t>http://web.eecs.umich.edu/~</a:t>
-            </a:r>
-            <a:r>
-              <a:rPr lang="en-US" dirty="0" smtClean="0">
-                <a:hlinkClick r:id="rId2"/>
-              </a:rPr>
-              <a:t>spelley</a:t>
-            </a:r>
-            <a:endParaRPr lang="en-US" dirty="0" smtClean="0"/>
-          </a:p>
-          <a:p>
-            <a:pPr lvl="1"/>
-            <a:r>
-              <a:rPr lang="en-US" sz="2000" dirty="0"/>
-              <a:t>Steven Pelley, Thomas F. </a:t>
-            </a:r>
-            <a:r>
-              <a:rPr lang="en-US" sz="2000" dirty="0" err="1"/>
-              <a:t>Wenisch</a:t>
-            </a:r>
-            <a:r>
-              <a:rPr lang="en-US" sz="2000" dirty="0"/>
-              <a:t>, Brian T. Gold, Bill Bridge: Storage Management in the NVRAM Era. PVLDB 7(2): 121-132 (2013</a:t>
-            </a:r>
-            <a:r>
-              <a:rPr lang="en-US" sz="2000" dirty="0" smtClean="0"/>
-              <a:t>)</a:t>
-            </a:r>
-          </a:p>
-          <a:p>
-            <a:pPr lvl="1"/>
-            <a:r>
-              <a:rPr lang="en-US" sz="2000" smtClean="0"/>
-              <a:t>[BPFS] </a:t>
-            </a:r>
-            <a:r>
-              <a:rPr lang="en-US" sz="2000" dirty="0"/>
-              <a:t>Jeremy Condit, Edmund B. Nightingale, Christopher Frost, </a:t>
-            </a:r>
-            <a:r>
-              <a:rPr lang="en-US" sz="2000" dirty="0" err="1"/>
-              <a:t>Engin</a:t>
-            </a:r>
-            <a:r>
-              <a:rPr lang="en-US" sz="2000" dirty="0"/>
-              <a:t> </a:t>
-            </a:r>
-            <a:r>
-              <a:rPr lang="en-US" sz="2000" dirty="0" err="1"/>
-              <a:t>Ipek</a:t>
-            </a:r>
-            <a:r>
-              <a:rPr lang="en-US" sz="2000" dirty="0"/>
-              <a:t>, Benjamin Lee, Doug Burger, and Derrick Coetzee. 2009. Better I/O through byte-addressable, persistent memory. In </a:t>
-            </a:r>
-            <a:r>
-              <a:rPr lang="en-US" sz="2000" i="1" dirty="0"/>
-              <a:t>Proceedings of the ACM SIGOPS 22nd symposium on Operating systems principles</a:t>
-            </a:r>
-            <a:r>
-              <a:rPr lang="en-US" sz="2000" dirty="0"/>
-              <a:t> (SOSP '09). ACM, New York, NY, USA, 133-146</a:t>
-            </a:r>
-            <a:r>
-              <a:rPr lang="en-US" sz="2000" dirty="0" smtClean="0"/>
-              <a:t>.</a:t>
-            </a:r>
-            <a:endParaRPr lang="en-US" sz="2000" dirty="0"/>
-          </a:p>
-        </p:txBody>
-      </p:sp>
-      <p:sp>
-        <p:nvSpPr>
-          <p:cNvPr id="4" name="Slide Number Placeholder 3"/>
-          <p:cNvSpPr>
-            <a:spLocks noGrp="1"/>
-          </p:cNvSpPr>
-          <p:nvPr>
-            <p:ph type="sldNum" sz="quarter" idx="4"/>
-          </p:nvPr>
-        </p:nvSpPr>
-        <p:spPr/>
-        <p:txBody>
-          <a:bodyPr/>
-          <a:lstStyle/>
-          <a:p>
-            <a:fld id="{24EAD923-3004-4A31-84C7-9B440B785588}" type="slidenum">
-              <a:rPr lang="en-US" smtClean="0"/>
-              <a:pPr/>
-              <a:t>15</a:t>
-            </a:fld>
-            <a:endParaRPr lang="en-US" dirty="0"/>
-          </a:p>
-        </p:txBody>
-      </p:sp>
-    </p:spTree>
-    <p:extLst>
-      <p:ext uri="{BB962C8B-B14F-4D97-AF65-F5344CB8AC3E}">
-        <p14:creationId xmlns:p14="http://schemas.microsoft.com/office/powerpoint/2010/main" val="229803730"/>
-      </p:ext>
-    </p:extLst>
-  </p:cSld>
-  <p:clrMapOvr>
-    <a:masterClrMapping/>
-  </p:clrMapOvr>
-</p:sld>
-</file>
-
 <file path=ppt/slides/slide2.xml><?xml version="1.0" encoding="utf-8"?>
 <p:sld xmlns:a="http://schemas.openxmlformats.org/drawingml/2006/main" xmlns:r="http://schemas.openxmlformats.org/officeDocument/2006/relationships" xmlns:p="http://schemas.openxmlformats.org/presentationml/2006/main">
   <p:cSld>
@@ -9639,8 +10678,8 @@
         </p:nvSpPr>
         <p:spPr>
           <a:xfrm>
-            <a:off x="1655187" y="5919663"/>
-            <a:ext cx="5833649" cy="461665"/>
+            <a:off x="1587060" y="5919663"/>
+            <a:ext cx="5969904" cy="461665"/>
           </a:xfrm>
           <a:prstGeom prst="rect">
             <a:avLst/>
@@ -9659,7 +10698,23 @@
                   <a:srgbClr val="FF0909"/>
                 </a:solidFill>
               </a:rPr>
-              <a:t>NVRAM enables persistent main memory</a:t>
+              <a:t>NVRAM enables </a:t>
+            </a:r>
+            <a:r>
+              <a:rPr lang="en-US" sz="2400" i="1" dirty="0" smtClean="0">
+                <a:solidFill>
+                  <a:srgbClr val="FF0909"/>
+                </a:solidFill>
+              </a:rPr>
+              <a:t>persistent</a:t>
+            </a:r>
+            <a:r>
+              <a:rPr lang="en-US" sz="2400" b="0" i="1" dirty="0" smtClean="0">
+                <a:solidFill>
+                  <a:srgbClr val="FF0909"/>
+                </a:solidFill>
+              </a:rPr>
+              <a:t> main memory</a:t>
             </a:r>
             <a:endParaRPr lang="en-US" sz="2400" b="0" i="1" dirty="0">
               <a:solidFill>
@@ -10207,8 +11262,25 @@
           <a:p>
             <a:r>
               <a:rPr lang="en-US" dirty="0" smtClean="0"/>
-              <a:t>NVRAM provides faster persistent storage</a:t>
-            </a:r>
+              <a:t>NVRAM </a:t>
+            </a:r>
+            <a:r>
+              <a:rPr lang="en-US" dirty="0" smtClean="0"/>
+              <a:t>accelerates</a:t>
+            </a:r>
+            <a:r>
+              <a:rPr lang="en-US" dirty="0" smtClean="0"/>
+              <a:t> </a:t>
+            </a:r>
+            <a:r>
+              <a:rPr lang="en-US" dirty="0" smtClean="0"/>
+              <a:t>persistent </a:t>
+            </a:r>
+            <a:r>
+              <a:rPr lang="en-US" dirty="0" smtClean="0"/>
+              <a:t>storage access</a:t>
+            </a:r>
+            <a:endParaRPr lang="en-US" dirty="0" smtClean="0"/>
           </a:p>
           <a:p>
             <a:pPr lvl="1"/>
@@ -10220,8 +11292,21 @@
           <a:p>
             <a:r>
               <a:rPr lang="en-US" dirty="0" smtClean="0"/>
-              <a:t>High performance data structures (main-memory/DRAM speed) that recover instantly</a:t>
-            </a:r>
+              <a:t>Create recoverable, h</a:t>
+            </a:r>
+            <a:r>
+              <a:rPr lang="en-US" dirty="0" smtClean="0"/>
+              <a:t>igh </a:t>
+            </a:r>
+            <a:r>
+              <a:rPr lang="en-US" dirty="0" smtClean="0"/>
+              <a:t>performance data structures (main-memory/DRAM speed</a:t>
+            </a:r>
+            <a:r>
+              <a:rPr lang="en-US" dirty="0" smtClean="0"/>
+              <a:t>)</a:t>
+            </a:r>
+            <a:endParaRPr lang="en-US" dirty="0" smtClean="0"/>
           </a:p>
         </p:txBody>
       </p:sp>
@@ -10442,8 +11527,13 @@
             <a:pPr lvl="1"/>
             <a:r>
               <a:rPr lang="en-US" dirty="0" smtClean="0"/>
-              <a:t>NVRAM as a disk replacement (ARIES)</a:t>
-            </a:r>
+              <a:t>NVRAM as a disk replacement (</a:t>
+            </a:r>
+            <a:r>
+              <a:rPr lang="en-US" dirty="0" smtClean="0"/>
+              <a:t>ARIES/WAL)</a:t>
+            </a:r>
+            <a:endParaRPr lang="en-US" dirty="0" smtClean="0"/>
           </a:p>
           <a:p>
             <a:pPr lvl="1"/>
@@ -10466,13 +11556,16 @@
           <a:p>
             <a:r>
               <a:rPr lang="en-US" dirty="0" smtClean="0"/>
-              <a:t>Explore </a:t>
+              <a:t>Next: e</a:t>
+            </a:r>
+            <a:r>
+              <a:rPr lang="en-US" dirty="0" smtClean="0"/>
+              <a:t>xplore </a:t>
             </a:r>
             <a:r>
               <a:rPr lang="en-US" dirty="0" smtClean="0"/>
               <a:t>desirable optimizations and semantics for NVRAM memory systems</a:t>
             </a:r>
-            <a:endParaRPr lang="en-US" dirty="0" smtClean="0"/>
           </a:p>
         </p:txBody>
       </p:sp>
@@ -11412,9 +12505,103 @@
           <a:p>
             <a:r>
               <a:rPr lang="en-US" dirty="0" smtClean="0"/>
-              <a:t>Disk replacement performance</a:t>
+              <a:t>Alternative: order </a:t>
+            </a:r>
+            <a:r>
+              <a:rPr lang="en-US" dirty="0" smtClean="0"/>
+              <a:t>persists </a:t>
+            </a:r>
+            <a:r>
+              <a:rPr lang="en-US" dirty="0" smtClean="0"/>
+              <a:t>immediately</a:t>
             </a:r>
             <a:endParaRPr lang="en-US" dirty="0"/>
+          </a:p>
+        </p:txBody>
+      </p:sp>
+      <p:sp>
+        <p:nvSpPr>
+          <p:cNvPr id="3" name="Content Placeholder 2"/>
+          <p:cNvSpPr>
+            <a:spLocks noGrp="1"/>
+          </p:cNvSpPr>
+          <p:nvPr>
+            <p:ph idx="1"/>
+          </p:nvPr>
+        </p:nvSpPr>
+        <p:spPr/>
+        <p:txBody>
+          <a:bodyPr/>
+          <a:lstStyle/>
+          <a:p>
+            <a:r>
+              <a:rPr lang="en-US" dirty="0" smtClean="0"/>
+              <a:t>Persist b</a:t>
+            </a:r>
+            <a:r>
+              <a:rPr lang="en-US" dirty="0" smtClean="0"/>
+              <a:t>arriers previously proposed </a:t>
+            </a:r>
+            <a:r>
+              <a:rPr lang="en-US" sz="1800" dirty="0" smtClean="0"/>
+              <a:t>[BPFS: SOSP </a:t>
+            </a:r>
+            <a:r>
+              <a:rPr lang="en-US" sz="1800" dirty="0"/>
+              <a:t>‘09</a:t>
+            </a:r>
+            <a:r>
+              <a:rPr lang="en-US" sz="1800" dirty="0" smtClean="0"/>
+              <a:t>]</a:t>
+            </a:r>
+            <a:endParaRPr lang="en-US" sz="1800" i="1" dirty="0" smtClean="0"/>
+          </a:p>
+          <a:p>
+            <a:pPr lvl="1"/>
+            <a:r>
+              <a:rPr lang="en-US" dirty="0" smtClean="0"/>
+              <a:t>Persists following barrier instruction may not complete before persists prior to barrier</a:t>
+            </a:r>
+          </a:p>
+          <a:p>
+            <a:pPr lvl="1"/>
+            <a:r>
+              <a:rPr lang="en-US" dirty="0" smtClean="0"/>
+              <a:t>Persists that are not separated by barrier instruction are </a:t>
+            </a:r>
+            <a:r>
+              <a:rPr lang="en-US" i="1" dirty="0" smtClean="0"/>
+              <a:t>concurrent</a:t>
+            </a:r>
+          </a:p>
+          <a:p>
+            <a:r>
+              <a:rPr lang="en-US" dirty="0" smtClean="0"/>
+              <a:t>Barriers delay execution</a:t>
+            </a:r>
+          </a:p>
+          <a:p>
+            <a:pPr lvl="1"/>
+            <a:r>
+              <a:rPr lang="en-US" dirty="0" smtClean="0"/>
+              <a:t>Frequency of barriers and </a:t>
+            </a:r>
+            <a:r>
+              <a:rPr lang="en-US" i="1" dirty="0" smtClean="0"/>
+              <a:t>exposed barrier latency</a:t>
+            </a:r>
+            <a:r>
+              <a:rPr lang="en-US" dirty="0" smtClean="0"/>
+              <a:t> </a:t>
+            </a:r>
+            <a:r>
+              <a:rPr lang="en-US" dirty="0" smtClean="0"/>
+              <a:t>determine </a:t>
+            </a:r>
+            <a:r>
+              <a:rPr lang="en-US" dirty="0" smtClean="0"/>
+              <a:t>resulting performance</a:t>
+            </a:r>
           </a:p>
         </p:txBody>
       </p:sp>
@@ -11442,16 +12629,104 @@
           </a:p>
         </p:txBody>
       </p:sp>
-      <p:sp>
-        <p:nvSpPr>
-          <p:cNvPr id="6" name="TextBox 5"/>
+    </p:spTree>
+    <p:extLst>
+      <p:ext uri="{BB962C8B-B14F-4D97-AF65-F5344CB8AC3E}">
+        <p14:creationId xmlns:p14="http://schemas.microsoft.com/office/powerpoint/2010/main" val="3509281322"/>
+      </p:ext>
+    </p:extLst>
+  </p:cSld>
+  <p:clrMapOvr>
+    <a:masterClrMapping/>
+  </p:clrMapOvr>
+  <p:timing>
+    <p:tnLst>
+      <p:par>
+        <p:cTn id="1" dur="indefinite" restart="never" nodeType="tmRoot"/>
+      </p:par>
+    </p:tnLst>
+  </p:timing>
+</p:sld>
+</file>
+
+<file path=ppt/slides/slide7.xml><?xml version="1.0" encoding="utf-8"?>
+<p:sld xmlns:a="http://schemas.openxmlformats.org/drawingml/2006/main" xmlns:r="http://schemas.openxmlformats.org/officeDocument/2006/relationships" xmlns:p="http://schemas.openxmlformats.org/presentationml/2006/main">
+  <p:cSld>
+    <p:spTree>
+      <p:nvGrpSpPr>
+        <p:cNvPr id="1" name=""/>
+        <p:cNvGrpSpPr/>
+        <p:nvPr/>
+      </p:nvGrpSpPr>
+      <p:grpSpPr>
+        <a:xfrm>
+          <a:off x="0" y="0"/>
+          <a:ext cx="0" cy="0"/>
+          <a:chOff x="0" y="0"/>
+          <a:chExt cx="0" cy="0"/>
+        </a:xfrm>
+      </p:grpSpPr>
+      <p:sp>
+        <p:nvSpPr>
+          <p:cNvPr id="2" name="Title 1"/>
+          <p:cNvSpPr>
+            <a:spLocks noGrp="1"/>
+          </p:cNvSpPr>
+          <p:nvPr>
+            <p:ph type="title"/>
+          </p:nvPr>
+        </p:nvSpPr>
+        <p:spPr/>
+        <p:txBody>
+          <a:bodyPr/>
+          <a:lstStyle/>
+          <a:p>
+            <a:r>
+              <a:rPr lang="en-US" dirty="0" smtClean="0"/>
+              <a:t>NVRAM in-place </a:t>
+            </a:r>
+            <a:r>
+              <a:rPr lang="en-US" dirty="0" smtClean="0"/>
+              <a:t>updates</a:t>
+            </a:r>
+            <a:endParaRPr lang="en-US" dirty="0"/>
+          </a:p>
+        </p:txBody>
+      </p:sp>
+      <p:sp>
+        <p:nvSpPr>
+          <p:cNvPr id="4" name="Slide Number Placeholder 3"/>
+          <p:cNvSpPr>
+            <a:spLocks noGrp="1"/>
+          </p:cNvSpPr>
+          <p:nvPr>
+            <p:ph type="sldNum" sz="quarter" idx="4"/>
+          </p:nvPr>
+        </p:nvSpPr>
+        <p:spPr/>
+        <p:txBody>
+          <a:bodyPr/>
+          <a:lstStyle/>
+          <a:p>
+            <a:fld id="{24EAD923-3004-4A31-84C7-9B440B785588}" type="slidenum">
+              <a:rPr lang="en-US" smtClean="0"/>
+              <a:pPr/>
+              <a:t>7</a:t>
+            </a:fld>
+            <a:endParaRPr lang="en-US" dirty="0"/>
+          </a:p>
+        </p:txBody>
+      </p:sp>
+      <p:sp>
+        <p:nvSpPr>
+          <p:cNvPr id="10" name="TextBox 9"/>
           <p:cNvSpPr txBox="1"/>
           <p:nvPr/>
         </p:nvSpPr>
         <p:spPr>
           <a:xfrm>
-            <a:off x="425255" y="6027675"/>
-            <a:ext cx="8293489" cy="461665"/>
+            <a:off x="12178" y="5919663"/>
+            <a:ext cx="9119804" cy="461665"/>
           </a:xfrm>
           <a:prstGeom prst="rect">
             <a:avLst/>
@@ -11470,7 +12745,7 @@
                   <a:srgbClr val="FF0909"/>
                 </a:solidFill>
               </a:rPr>
-              <a:t>As disk replacement NVRAM enables near-instant recovery</a:t>
+              <a:t>Simple, removes software overhead, but frequent persist ordering</a:t>
             </a:r>
             <a:endParaRPr lang="en-US" sz="2400" b="0" i="1" dirty="0">
               <a:solidFill>
@@ -11482,14 +12757,14 @@
       </p:sp>
       <p:sp>
         <p:nvSpPr>
-          <p:cNvPr id="14" name="TextBox 13"/>
+          <p:cNvPr id="6" name="TextBox 5"/>
           <p:cNvSpPr txBox="1"/>
           <p:nvPr/>
         </p:nvSpPr>
         <p:spPr>
           <a:xfrm>
-            <a:off x="1176817" y="6021288"/>
-            <a:ext cx="6777816" cy="461665"/>
+            <a:off x="-41472" y="2175194"/>
+            <a:ext cx="2741264" cy="461665"/>
           </a:xfrm>
           <a:prstGeom prst="rect">
             <a:avLst/>
@@ -11502,141 +12777,69 @@
           </a:bodyPr>
           <a:lstStyle/>
           <a:p>
-            <a:r>
-              <a:rPr lang="en-US" sz="2400" b="0" i="1" dirty="0" smtClean="0">
-                <a:solidFill>
-                  <a:srgbClr val="FF0909"/>
-                </a:solidFill>
-              </a:rPr>
-              <a:t>Disk-management overheads impose bottleneck</a:t>
-            </a:r>
-            <a:endParaRPr lang="en-US" sz="2400" b="0" i="1" dirty="0">
-              <a:solidFill>
-                <a:srgbClr val="FF0909"/>
-              </a:solidFill>
-            </a:endParaRPr>
-          </a:p>
-        </p:txBody>
-      </p:sp>
-      <p:grpSp>
-        <p:nvGrpSpPr>
-          <p:cNvPr id="8" name="Group 7"/>
-          <p:cNvGrpSpPr/>
+            <a:pPr algn="r"/>
+            <a:r>
+              <a:rPr lang="en-US" sz="2400" b="0" dirty="0" smtClean="0"/>
+              <a:t>Transaction thread</a:t>
+            </a:r>
+            <a:endParaRPr lang="en-US" sz="2400" b="0" dirty="0"/>
+          </a:p>
+        </p:txBody>
+      </p:sp>
+      <p:sp>
+        <p:nvSpPr>
+          <p:cNvPr id="11" name="Rectangle 10"/>
+          <p:cNvSpPr/>
           <p:nvPr/>
-        </p:nvGrpSpPr>
-        <p:grpSpPr>
+        </p:nvSpPr>
+        <p:spPr bwMode="auto">
           <a:xfrm>
-            <a:off x="2089749" y="1304764"/>
-            <a:ext cx="5434579" cy="4746199"/>
-            <a:chOff x="1979712" y="1275086"/>
-            <a:chExt cx="5434579" cy="4746199"/>
-          </a:xfrm>
-        </p:grpSpPr>
-        <p:pic>
-          <p:nvPicPr>
-            <p:cNvPr id="3" name="Picture 2"/>
-            <p:cNvPicPr>
-              <a:picLocks noChangeAspect="1" noChangeArrowheads="1"/>
-            </p:cNvPicPr>
-            <p:nvPr/>
-          </p:nvPicPr>
-          <p:blipFill>
-            <a:blip r:embed="rId2">
-              <a:extLst>
-                <a:ext uri="{28A0092B-C50C-407E-A947-70E740481C1C}">
-                  <a14:useLocalDpi xmlns:a14="http://schemas.microsoft.com/office/drawing/2010/main" val="0"/>
-                </a:ext>
-              </a:extLst>
-            </a:blip>
-            <a:srcRect/>
-            <a:stretch>
-              <a:fillRect/>
-            </a:stretch>
-          </p:blipFill>
-          <p:spPr bwMode="auto">
-            <a:xfrm>
-              <a:off x="1979712" y="1275086"/>
-              <a:ext cx="5434579" cy="4746199"/>
-            </a:xfrm>
-            <a:prstGeom prst="rect">
+            <a:off x="2699792" y="2132856"/>
+            <a:ext cx="1332148" cy="484787"/>
+          </a:xfrm>
+          <a:prstGeom prst="rect">
+            <a:avLst/>
+          </a:prstGeom>
+          <a:solidFill>
+            <a:schemeClr val="accent1"/>
+          </a:solidFill>
+          <a:ln w="9525" cap="flat" cmpd="sng" algn="ctr">
+            <a:solidFill>
+              <a:schemeClr val="tx1"/>
+            </a:solidFill>
+            <a:prstDash val="solid"/>
+            <a:round/>
+            <a:headEnd type="none" w="med" len="med"/>
+            <a:tailEnd type="none" w="med" len="med"/>
+          </a:ln>
+          <a:effectLst/>
+        </p:spPr>
+        <p:txBody>
+          <a:bodyPr vert="horz" wrap="square" lIns="91440" tIns="45720" rIns="91440" bIns="45720" numCol="1" rtlCol="0" anchor="ctr" anchorCtr="0" compatLnSpc="1">
+            <a:prstTxWarp prst="textNoShape">
               <a:avLst/>
-            </a:prstGeom>
-            <a:noFill/>
-            <a:ln>
-              <a:noFill/>
-            </a:ln>
-            <a:extLst>
-              <a:ext uri="{909E8E84-426E-40DD-AFC4-6F175D3DCCD1}">
-                <a14:hiddenFill xmlns:a14="http://schemas.microsoft.com/office/drawing/2010/main">
-                  <a:solidFill>
-                    <a:schemeClr val="accent1"/>
-                  </a:solidFill>
-                </a14:hiddenFill>
-              </a:ext>
-              <a:ext uri="{91240B29-F687-4F45-9708-019B960494DF}">
-                <a14:hiddenLine xmlns:a14="http://schemas.microsoft.com/office/drawing/2010/main" w="9525">
-                  <a:solidFill>
-                    <a:schemeClr val="tx1"/>
-                  </a:solidFill>
-                  <a:miter lim="800000"/>
-                  <a:headEnd/>
-                  <a:tailEnd/>
-                </a14:hiddenLine>
-              </a:ext>
-            </a:extLst>
-          </p:spPr>
-        </p:pic>
-        <p:sp>
-          <p:nvSpPr>
-            <p:cNvPr id="15" name="Rectangle 14"/>
-            <p:cNvSpPr/>
-            <p:nvPr/>
-          </p:nvSpPr>
-          <p:spPr bwMode="auto">
-            <a:xfrm>
-              <a:off x="3203849" y="1571020"/>
-              <a:ext cx="2375250" cy="1209908"/>
-            </a:xfrm>
-            <a:prstGeom prst="rect">
-              <a:avLst/>
-            </a:prstGeom>
-            <a:solidFill>
-              <a:schemeClr val="bg1"/>
-            </a:solidFill>
-            <a:ln w="9525" cap="flat" cmpd="sng" algn="ctr">
-              <a:noFill/>
-              <a:prstDash val="solid"/>
-              <a:round/>
-              <a:headEnd type="none" w="med" len="med"/>
-              <a:tailEnd type="none" w="med" len="med"/>
-            </a:ln>
-            <a:effectLst/>
-          </p:spPr>
-          <p:txBody>
-            <a:bodyPr vert="horz" wrap="square" lIns="91440" tIns="45720" rIns="91440" bIns="45720" numCol="1" rtlCol="0" anchor="t" anchorCtr="0" compatLnSpc="1">
-              <a:prstTxWarp prst="textNoShape">
-                <a:avLst/>
-              </a:prstTxWarp>
-            </a:bodyPr>
-            <a:lstStyle/>
-            <a:p>
-              <a:pPr marL="0" marR="0" indent="0" algn="l" defTabSz="914400" rtl="0" eaLnBrk="0" fontAlgn="base" latinLnBrk="0" hangingPunct="0">
-                <a:lnSpc>
-                  <a:spcPct val="100000"/>
-                </a:lnSpc>
-                <a:spcBef>
-                  <a:spcPct val="0"/>
-                </a:spcBef>
-                <a:spcAft>
-                  <a:spcPct val="0"/>
-                </a:spcAft>
-                <a:buClrTx/>
-                <a:buSzTx/>
-                <a:buFontTx/>
-                <a:buNone/>
-                <a:tabLst/>
-              </a:pPr>
-              <a:endParaRPr kumimoji="0" lang="en-US" sz="2400" b="0" i="0" u="none" strike="noStrike" cap="none" normalizeH="0" baseline="0" smtClean="0">
+            </a:prstTxWarp>
+          </a:bodyPr>
+          <a:lstStyle/>
+          <a:p>
+            <a:pPr marL="0" marR="0" indent="0" defTabSz="914400" rtl="0" eaLnBrk="0" fontAlgn="base" latinLnBrk="0" hangingPunct="0">
+              <a:lnSpc>
+                <a:spcPct val="100000"/>
+              </a:lnSpc>
+              <a:spcBef>
+                <a:spcPct val="0"/>
+              </a:spcBef>
+              <a:spcAft>
+                <a:spcPct val="0"/>
+              </a:spcAft>
+              <a:buClrTx/>
+              <a:buSzTx/>
+              <a:buFontTx/>
+              <a:buNone/>
+              <a:tabLst/>
+            </a:pPr>
+            <a:r>
+              <a:rPr kumimoji="0" lang="en-US" sz="2400" b="0" i="0" u="none" strike="noStrike" cap="none" normalizeH="0" baseline="0" dirty="0" smtClean="0">
                 <a:ln>
                   <a:noFill/>
                 </a:ln>
@@ -11646,27 +12849,22 @@
                 <a:effectLst/>
                 <a:latin typeface="Arial" charset="0"/>
                 <a:ea typeface="ＭＳ Ｐゴシック" charset="-128"/>
-              </a:endParaRPr>
-            </a:p>
-          </p:txBody>
-        </p:sp>
-      </p:grpSp>
+              </a:rPr>
+              <a:t>Update</a:t>
+            </a:r>
+          </a:p>
+        </p:txBody>
+      </p:sp>
       <p:pic>
         <p:nvPicPr>
-          <p:cNvPr id="1028" name="Picture 4"/>
+          <p:cNvPr id="12" name="Picture 5" descr="http://www.pcguide.com/ref/hdd/z_ibm_ultrastar36zx.jpg"/>
           <p:cNvPicPr>
             <a:picLocks noChangeAspect="1" noChangeArrowheads="1"/>
           </p:cNvPicPr>
           <p:nvPr/>
         </p:nvPicPr>
         <p:blipFill>
-          <a:blip r:embed="rId3">
-            <a:extLst>
-              <a:ext uri="{28A0092B-C50C-407E-A947-70E740481C1C}">
-                <a14:useLocalDpi xmlns:a14="http://schemas.microsoft.com/office/drawing/2010/main" val="0"/>
-              </a:ext>
-            </a:extLst>
-          </a:blip>
+          <a:blip r:embed="rId2" cstate="print"/>
           <a:srcRect/>
           <a:stretch>
             <a:fillRect/>
@@ -11674,112 +12872,36 @@
         </p:blipFill>
         <p:spPr bwMode="auto">
           <a:xfrm>
-            <a:off x="30143" y="1399258"/>
-            <a:ext cx="2165593" cy="1320636"/>
-          </a:xfrm>
-          <a:prstGeom prst="rect">
-            <a:avLst/>
-          </a:prstGeom>
-          <a:noFill/>
-          <a:ln>
-            <a:noFill/>
-          </a:ln>
-          <a:extLst>
-            <a:ext uri="{909E8E84-426E-40DD-AFC4-6F175D3DCCD1}">
-              <a14:hiddenFill xmlns:a14="http://schemas.microsoft.com/office/drawing/2010/main">
-                <a:solidFill>
-                  <a:schemeClr val="accent1"/>
-                </a:solidFill>
-              </a14:hiddenFill>
-            </a:ext>
-            <a:ext uri="{91240B29-F687-4F45-9708-019B960494DF}">
-              <a14:hiddenLine xmlns:a14="http://schemas.microsoft.com/office/drawing/2010/main" w="9525">
-                <a:solidFill>
-                  <a:schemeClr val="tx1"/>
-                </a:solidFill>
-                <a:miter lim="800000"/>
-                <a:headEnd/>
-                <a:tailEnd/>
-              </a14:hiddenLine>
-            </a:ext>
-          </a:extLst>
-        </p:spPr>
-      </p:pic>
-      <p:sp>
-        <p:nvSpPr>
-          <p:cNvPr id="7" name="TextBox 6"/>
-          <p:cNvSpPr txBox="1"/>
-          <p:nvPr/>
-        </p:nvSpPr>
-        <p:spPr>
-          <a:xfrm>
-            <a:off x="6802327" y="1124744"/>
-            <a:ext cx="2279791" cy="1384995"/>
+            <a:off x="4419289" y="3045625"/>
+            <a:ext cx="2257722" cy="2478956"/>
           </a:xfrm>
           <a:prstGeom prst="rect">
             <a:avLst/>
           </a:prstGeom>
           <a:noFill/>
         </p:spPr>
-        <p:txBody>
-          <a:bodyPr wrap="none" rtlCol="0">
-            <a:spAutoFit/>
-          </a:bodyPr>
-          <a:lstStyle/>
-          <a:p>
-            <a:pPr algn="l"/>
-            <a:r>
-              <a:rPr lang="en-US" b="0" dirty="0" smtClean="0"/>
-              <a:t>~ 30 15krpm disks</a:t>
-            </a:r>
-          </a:p>
-          <a:p>
-            <a:pPr algn="l"/>
-            <a:r>
-              <a:rPr lang="en-US" b="0" dirty="0" smtClean="0"/>
-              <a:t>or 3 Flash SSDs</a:t>
-            </a:r>
-          </a:p>
-          <a:p>
-            <a:pPr algn="l"/>
-            <a:r>
-              <a:rPr lang="en-US" sz="1200" b="0" dirty="0" smtClean="0"/>
-              <a:t>[device IOPS rates: Symantec]</a:t>
-            </a:r>
-          </a:p>
-          <a:p>
-            <a:pPr algn="l"/>
-            <a:endParaRPr lang="en-US" sz="1200" b="0" dirty="0"/>
-          </a:p>
-          <a:p>
-            <a:pPr algn="l"/>
-            <a:r>
-              <a:rPr lang="en-US" b="0" dirty="0" smtClean="0"/>
-              <a:t>TPCB benchmark</a:t>
-            </a:r>
-            <a:endParaRPr lang="en-US" b="0" dirty="0"/>
-          </a:p>
-        </p:txBody>
-      </p:sp>
-      <p:sp>
-        <p:nvSpPr>
-          <p:cNvPr id="19" name="Rectangle 18"/>
+      </p:pic>
+      <p:sp>
+        <p:nvSpPr>
+          <p:cNvPr id="13" name="Right Arrow 12"/>
           <p:cNvSpPr/>
           <p:nvPr/>
         </p:nvSpPr>
         <p:spPr bwMode="auto">
-          <a:xfrm>
-            <a:off x="5112060" y="2852936"/>
-            <a:ext cx="1764195" cy="648072"/>
-          </a:xfrm>
-          <a:prstGeom prst="rect">
+          <a:xfrm rot="3822076">
+            <a:off x="2929979" y="3152495"/>
+            <a:ext cx="1130103" cy="248220"/>
+          </a:xfrm>
+          <a:prstGeom prst="rightArrow">
             <a:avLst/>
           </a:prstGeom>
           <a:solidFill>
-            <a:schemeClr val="bg1"/>
+            <a:schemeClr val="tx1"/>
           </a:solidFill>
           <a:ln w="9525" cap="flat" cmpd="sng" algn="ctr">
-            <a:noFill/>
+            <a:solidFill>
+              <a:schemeClr val="tx1"/>
+            </a:solidFill>
             <a:prstDash val="solid"/>
             <a:round/>
             <a:headEnd type="none" w="med" len="med"/>
@@ -11827,868 +12949,14 @@
       </p:sp>
       <p:sp>
         <p:nvSpPr>
-          <p:cNvPr id="20" name="Rectangle 19"/>
+          <p:cNvPr id="15" name="Rectangle 14"/>
           <p:cNvSpPr/>
           <p:nvPr/>
         </p:nvSpPr>
         <p:spPr bwMode="auto">
           <a:xfrm>
-            <a:off x="5119851" y="3977444"/>
-            <a:ext cx="1764195" cy="648072"/>
-          </a:xfrm>
-          <a:prstGeom prst="rect">
-            <a:avLst/>
-          </a:prstGeom>
-          <a:solidFill>
-            <a:schemeClr val="bg1"/>
-          </a:solidFill>
-          <a:ln w="9525" cap="flat" cmpd="sng" algn="ctr">
-            <a:noFill/>
-            <a:prstDash val="solid"/>
-            <a:round/>
-            <a:headEnd type="none" w="med" len="med"/>
-            <a:tailEnd type="none" w="med" len="med"/>
-          </a:ln>
-          <a:effectLst/>
-        </p:spPr>
-        <p:txBody>
-          <a:bodyPr vert="horz" wrap="square" lIns="91440" tIns="45720" rIns="91440" bIns="45720" numCol="1" rtlCol="0" anchor="t" anchorCtr="0" compatLnSpc="1">
-            <a:prstTxWarp prst="textNoShape">
-              <a:avLst/>
-            </a:prstTxWarp>
-          </a:bodyPr>
-          <a:lstStyle/>
-          <a:p>
-            <a:pPr marL="0" marR="0" indent="0" algn="l" defTabSz="914400" rtl="0" eaLnBrk="0" fontAlgn="base" latinLnBrk="0" hangingPunct="0">
-              <a:lnSpc>
-                <a:spcPct val="100000"/>
-              </a:lnSpc>
-              <a:spcBef>
-                <a:spcPct val="0"/>
-              </a:spcBef>
-              <a:spcAft>
-                <a:spcPct val="0"/>
-              </a:spcAft>
-              <a:buClrTx/>
-              <a:buSzTx/>
-              <a:buFontTx/>
-              <a:buNone/>
-              <a:tabLst/>
-            </a:pPr>
-            <a:endParaRPr kumimoji="0" lang="en-US" sz="2400" b="0" i="0" u="none" strike="noStrike" cap="none" normalizeH="0" baseline="0" smtClean="0">
-              <a:ln>
-                <a:noFill/>
-              </a:ln>
-              <a:solidFill>
-                <a:schemeClr val="tx1"/>
-              </a:solidFill>
-              <a:effectLst/>
-              <a:latin typeface="Arial" charset="0"/>
-              <a:ea typeface="ＭＳ Ｐゴシック" charset="-128"/>
-            </a:endParaRPr>
-          </a:p>
-        </p:txBody>
-      </p:sp>
-      <p:sp>
-        <p:nvSpPr>
-          <p:cNvPr id="21" name="Rectangle 20"/>
-          <p:cNvSpPr/>
-          <p:nvPr/>
-        </p:nvSpPr>
-        <p:spPr bwMode="auto">
-          <a:xfrm>
-            <a:off x="4807038" y="4655996"/>
-            <a:ext cx="1764195" cy="648072"/>
-          </a:xfrm>
-          <a:prstGeom prst="rect">
-            <a:avLst/>
-          </a:prstGeom>
-          <a:solidFill>
-            <a:schemeClr val="bg1"/>
-          </a:solidFill>
-          <a:ln w="9525" cap="flat" cmpd="sng" algn="ctr">
-            <a:noFill/>
-            <a:prstDash val="solid"/>
-            <a:round/>
-            <a:headEnd type="none" w="med" len="med"/>
-            <a:tailEnd type="none" w="med" len="med"/>
-          </a:ln>
-          <a:effectLst/>
-        </p:spPr>
-        <p:txBody>
-          <a:bodyPr vert="horz" wrap="square" lIns="91440" tIns="45720" rIns="91440" bIns="45720" numCol="1" rtlCol="0" anchor="t" anchorCtr="0" compatLnSpc="1">
-            <a:prstTxWarp prst="textNoShape">
-              <a:avLst/>
-            </a:prstTxWarp>
-          </a:bodyPr>
-          <a:lstStyle/>
-          <a:p>
-            <a:pPr marL="0" marR="0" indent="0" algn="l" defTabSz="914400" rtl="0" eaLnBrk="0" fontAlgn="base" latinLnBrk="0" hangingPunct="0">
-              <a:lnSpc>
-                <a:spcPct val="100000"/>
-              </a:lnSpc>
-              <a:spcBef>
-                <a:spcPct val="0"/>
-              </a:spcBef>
-              <a:spcAft>
-                <a:spcPct val="0"/>
-              </a:spcAft>
-              <a:buClrTx/>
-              <a:buSzTx/>
-              <a:buFontTx/>
-              <a:buNone/>
-              <a:tabLst/>
-            </a:pPr>
-            <a:endParaRPr kumimoji="0" lang="en-US" sz="2400" b="0" i="0" u="none" strike="noStrike" cap="none" normalizeH="0" baseline="0" smtClean="0">
-              <a:ln>
-                <a:noFill/>
-              </a:ln>
-              <a:solidFill>
-                <a:schemeClr val="tx1"/>
-              </a:solidFill>
-              <a:effectLst/>
-              <a:latin typeface="Arial" charset="0"/>
-              <a:ea typeface="ＭＳ Ｐゴシック" charset="-128"/>
-            </a:endParaRPr>
-          </a:p>
-        </p:txBody>
-      </p:sp>
-      <p:sp>
-        <p:nvSpPr>
-          <p:cNvPr id="22" name="Rectangle 21"/>
-          <p:cNvSpPr/>
-          <p:nvPr/>
-        </p:nvSpPr>
-        <p:spPr bwMode="auto">
-          <a:xfrm>
-            <a:off x="6954549" y="4657888"/>
-            <a:ext cx="1764195" cy="648072"/>
-          </a:xfrm>
-          <a:prstGeom prst="rect">
-            <a:avLst/>
-          </a:prstGeom>
-          <a:solidFill>
-            <a:schemeClr val="bg1"/>
-          </a:solidFill>
-          <a:ln w="9525" cap="flat" cmpd="sng" algn="ctr">
-            <a:noFill/>
-            <a:prstDash val="solid"/>
-            <a:round/>
-            <a:headEnd type="none" w="med" len="med"/>
-            <a:tailEnd type="none" w="med" len="med"/>
-          </a:ln>
-          <a:effectLst/>
-        </p:spPr>
-        <p:txBody>
-          <a:bodyPr vert="horz" wrap="square" lIns="91440" tIns="45720" rIns="91440" bIns="45720" numCol="1" rtlCol="0" anchor="t" anchorCtr="0" compatLnSpc="1">
-            <a:prstTxWarp prst="textNoShape">
-              <a:avLst/>
-            </a:prstTxWarp>
-          </a:bodyPr>
-          <a:lstStyle/>
-          <a:p>
-            <a:pPr marL="0" marR="0" indent="0" algn="l" defTabSz="914400" rtl="0" eaLnBrk="0" fontAlgn="base" latinLnBrk="0" hangingPunct="0">
-              <a:lnSpc>
-                <a:spcPct val="100000"/>
-              </a:lnSpc>
-              <a:spcBef>
-                <a:spcPct val="0"/>
-              </a:spcBef>
-              <a:spcAft>
-                <a:spcPct val="0"/>
-              </a:spcAft>
-              <a:buClrTx/>
-              <a:buSzTx/>
-              <a:buFontTx/>
-              <a:buNone/>
-              <a:tabLst/>
-            </a:pPr>
-            <a:endParaRPr kumimoji="0" lang="en-US" sz="2400" b="0" i="0" u="none" strike="noStrike" cap="none" normalizeH="0" baseline="0" smtClean="0">
-              <a:ln>
-                <a:noFill/>
-              </a:ln>
-              <a:solidFill>
-                <a:schemeClr val="tx1"/>
-              </a:solidFill>
-              <a:effectLst/>
-              <a:latin typeface="Arial" charset="0"/>
-              <a:ea typeface="ＭＳ Ｐゴシック" charset="-128"/>
-            </a:endParaRPr>
-          </a:p>
-        </p:txBody>
-      </p:sp>
-      <p:sp>
-        <p:nvSpPr>
-          <p:cNvPr id="9" name="Rectangle 8"/>
-          <p:cNvSpPr/>
-          <p:nvPr/>
-        </p:nvSpPr>
-        <p:spPr bwMode="auto">
-          <a:xfrm>
-            <a:off x="0" y="2059576"/>
-            <a:ext cx="1764195" cy="648072"/>
-          </a:xfrm>
-          <a:prstGeom prst="rect">
-            <a:avLst/>
-          </a:prstGeom>
-          <a:solidFill>
-            <a:schemeClr val="bg1"/>
-          </a:solidFill>
-          <a:ln w="9525" cap="flat" cmpd="sng" algn="ctr">
-            <a:noFill/>
-            <a:prstDash val="solid"/>
-            <a:round/>
-            <a:headEnd type="none" w="med" len="med"/>
-            <a:tailEnd type="none" w="med" len="med"/>
-          </a:ln>
-          <a:effectLst/>
-        </p:spPr>
-        <p:txBody>
-          <a:bodyPr vert="horz" wrap="square" lIns="91440" tIns="45720" rIns="91440" bIns="45720" numCol="1" rtlCol="0" anchor="t" anchorCtr="0" compatLnSpc="1">
-            <a:prstTxWarp prst="textNoShape">
-              <a:avLst/>
-            </a:prstTxWarp>
-          </a:bodyPr>
-          <a:lstStyle/>
-          <a:p>
-            <a:pPr marL="0" marR="0" indent="0" algn="l" defTabSz="914400" rtl="0" eaLnBrk="0" fontAlgn="base" latinLnBrk="0" hangingPunct="0">
-              <a:lnSpc>
-                <a:spcPct val="100000"/>
-              </a:lnSpc>
-              <a:spcBef>
-                <a:spcPct val="0"/>
-              </a:spcBef>
-              <a:spcAft>
-                <a:spcPct val="0"/>
-              </a:spcAft>
-              <a:buClrTx/>
-              <a:buSzTx/>
-              <a:buFontTx/>
-              <a:buNone/>
-              <a:tabLst/>
-            </a:pPr>
-            <a:endParaRPr kumimoji="0" lang="en-US" sz="2400" b="0" i="0" u="none" strike="noStrike" cap="none" normalizeH="0" baseline="0" smtClean="0">
-              <a:ln>
-                <a:noFill/>
-              </a:ln>
-              <a:solidFill>
-                <a:schemeClr val="tx1"/>
-              </a:solidFill>
-              <a:effectLst/>
-              <a:latin typeface="Arial" charset="0"/>
-              <a:ea typeface="ＭＳ Ｐゴシック" charset="-128"/>
-            </a:endParaRPr>
-          </a:p>
-        </p:txBody>
-      </p:sp>
-    </p:spTree>
-    <p:extLst>
-      <p:ext uri="{BB962C8B-B14F-4D97-AF65-F5344CB8AC3E}">
-        <p14:creationId xmlns:p14="http://schemas.microsoft.com/office/powerpoint/2010/main" val="1482095056"/>
-      </p:ext>
-    </p:extLst>
-  </p:cSld>
-  <p:clrMapOvr>
-    <a:masterClrMapping/>
-  </p:clrMapOvr>
-  <p:timing>
-    <p:tnLst>
-      <p:par>
-        <p:cTn id="1" dur="indefinite" restart="never" nodeType="tmRoot">
-          <p:childTnLst>
-            <p:seq concurrent="1" nextAc="seek">
-              <p:cTn id="2" dur="indefinite" nodeType="mainSeq">
-                <p:childTnLst>
-                  <p:par>
-                    <p:cTn id="3" fill="hold">
-                      <p:stCondLst>
-                        <p:cond delay="indefinite"/>
-                      </p:stCondLst>
-                      <p:childTnLst>
-                        <p:par>
-                          <p:cTn id="4" fill="hold">
-                            <p:stCondLst>
-                              <p:cond delay="0"/>
-                            </p:stCondLst>
-                            <p:childTnLst>
-                              <p:par>
-                                <p:cTn id="5" presetID="1" presetClass="exit" presetSubtype="0" fill="hold" grpId="0" nodeType="clickEffect">
-                                  <p:stCondLst>
-                                    <p:cond delay="0"/>
-                                  </p:stCondLst>
-                                  <p:childTnLst>
-                                    <p:set>
-                                      <p:cBhvr>
-                                        <p:cTn id="6" dur="1" fill="hold">
-                                          <p:stCondLst>
-                                            <p:cond delay="0"/>
-                                          </p:stCondLst>
-                                        </p:cTn>
-                                        <p:tgtEl>
-                                          <p:spTgt spid="21"/>
-                                        </p:tgtEl>
-                                        <p:attrNameLst>
-                                          <p:attrName>style.visibility</p:attrName>
-                                        </p:attrNameLst>
-                                      </p:cBhvr>
-                                      <p:to>
-                                        <p:strVal val="hidden"/>
-                                      </p:to>
-                                    </p:set>
-                                  </p:childTnLst>
-                                </p:cTn>
-                              </p:par>
-                              <p:par>
-                                <p:cTn id="7" presetID="1" presetClass="entr" presetSubtype="0" fill="hold" grpId="0" nodeType="withEffect">
-                                  <p:stCondLst>
-                                    <p:cond delay="0"/>
-                                  </p:stCondLst>
-                                  <p:childTnLst>
-                                    <p:set>
-                                      <p:cBhvr>
-                                        <p:cTn id="8" dur="1" fill="hold">
-                                          <p:stCondLst>
-                                            <p:cond delay="0"/>
-                                          </p:stCondLst>
-                                        </p:cTn>
-                                        <p:tgtEl>
-                                          <p:spTgt spid="6"/>
-                                        </p:tgtEl>
-                                        <p:attrNameLst>
-                                          <p:attrName>style.visibility</p:attrName>
-                                        </p:attrNameLst>
-                                      </p:cBhvr>
-                                      <p:to>
-                                        <p:strVal val="visible"/>
-                                      </p:to>
-                                    </p:set>
-                                  </p:childTnLst>
-                                </p:cTn>
-                              </p:par>
-                            </p:childTnLst>
-                          </p:cTn>
-                        </p:par>
-                      </p:childTnLst>
-                    </p:cTn>
-                  </p:par>
-                  <p:par>
-                    <p:cTn id="9" fill="hold">
-                      <p:stCondLst>
-                        <p:cond delay="indefinite"/>
-                      </p:stCondLst>
-                      <p:childTnLst>
-                        <p:par>
-                          <p:cTn id="10" fill="hold">
-                            <p:stCondLst>
-                              <p:cond delay="0"/>
-                            </p:stCondLst>
-                            <p:childTnLst>
-                              <p:par>
-                                <p:cTn id="11" presetID="1" presetClass="exit" presetSubtype="0" fill="hold" grpId="0" nodeType="clickEffect">
-                                  <p:stCondLst>
-                                    <p:cond delay="0"/>
-                                  </p:stCondLst>
-                                  <p:childTnLst>
-                                    <p:set>
-                                      <p:cBhvr>
-                                        <p:cTn id="12" dur="1" fill="hold">
-                                          <p:stCondLst>
-                                            <p:cond delay="0"/>
-                                          </p:stCondLst>
-                                        </p:cTn>
-                                        <p:tgtEl>
-                                          <p:spTgt spid="22"/>
-                                        </p:tgtEl>
-                                        <p:attrNameLst>
-                                          <p:attrName>style.visibility</p:attrName>
-                                        </p:attrNameLst>
-                                      </p:cBhvr>
-                                      <p:to>
-                                        <p:strVal val="hidden"/>
-                                      </p:to>
-                                    </p:set>
-                                  </p:childTnLst>
-                                </p:cTn>
-                              </p:par>
-                              <p:par>
-                                <p:cTn id="13" presetID="1" presetClass="exit" presetSubtype="0" fill="hold" grpId="0" nodeType="withEffect">
-                                  <p:stCondLst>
-                                    <p:cond delay="0"/>
-                                  </p:stCondLst>
-                                  <p:childTnLst>
-                                    <p:set>
-                                      <p:cBhvr>
-                                        <p:cTn id="14" dur="1" fill="hold">
-                                          <p:stCondLst>
-                                            <p:cond delay="0"/>
-                                          </p:stCondLst>
-                                        </p:cTn>
-                                        <p:tgtEl>
-                                          <p:spTgt spid="9"/>
-                                        </p:tgtEl>
-                                        <p:attrNameLst>
-                                          <p:attrName>style.visibility</p:attrName>
-                                        </p:attrNameLst>
-                                      </p:cBhvr>
-                                      <p:to>
-                                        <p:strVal val="hidden"/>
-                                      </p:to>
-                                    </p:set>
-                                  </p:childTnLst>
-                                </p:cTn>
-                              </p:par>
-                            </p:childTnLst>
-                          </p:cTn>
-                        </p:par>
-                      </p:childTnLst>
-                    </p:cTn>
-                  </p:par>
-                  <p:par>
-                    <p:cTn id="15" fill="hold">
-                      <p:stCondLst>
-                        <p:cond delay="indefinite"/>
-                      </p:stCondLst>
-                      <p:childTnLst>
-                        <p:par>
-                          <p:cTn id="16" fill="hold">
-                            <p:stCondLst>
-                              <p:cond delay="0"/>
-                            </p:stCondLst>
-                            <p:childTnLst>
-                              <p:par>
-                                <p:cTn id="17" presetID="1" presetClass="exit" presetSubtype="0" fill="hold" grpId="1" nodeType="clickEffect">
-                                  <p:stCondLst>
-                                    <p:cond delay="0"/>
-                                  </p:stCondLst>
-                                  <p:childTnLst>
-                                    <p:set>
-                                      <p:cBhvr>
-                                        <p:cTn id="18" dur="1" fill="hold">
-                                          <p:stCondLst>
-                                            <p:cond delay="0"/>
-                                          </p:stCondLst>
-                                        </p:cTn>
-                                        <p:tgtEl>
-                                          <p:spTgt spid="6"/>
-                                        </p:tgtEl>
-                                        <p:attrNameLst>
-                                          <p:attrName>style.visibility</p:attrName>
-                                        </p:attrNameLst>
-                                      </p:cBhvr>
-                                      <p:to>
-                                        <p:strVal val="hidden"/>
-                                      </p:to>
-                                    </p:set>
-                                  </p:childTnLst>
-                                </p:cTn>
-                              </p:par>
-                              <p:par>
-                                <p:cTn id="19" presetID="1" presetClass="entr" presetSubtype="0" fill="hold" grpId="0" nodeType="withEffect">
-                                  <p:stCondLst>
-                                    <p:cond delay="0"/>
-                                  </p:stCondLst>
-                                  <p:childTnLst>
-                                    <p:set>
-                                      <p:cBhvr>
-                                        <p:cTn id="20" dur="1" fill="hold">
-                                          <p:stCondLst>
-                                            <p:cond delay="0"/>
-                                          </p:stCondLst>
-                                        </p:cTn>
-                                        <p:tgtEl>
-                                          <p:spTgt spid="14"/>
-                                        </p:tgtEl>
-                                        <p:attrNameLst>
-                                          <p:attrName>style.visibility</p:attrName>
-                                        </p:attrNameLst>
-                                      </p:cBhvr>
-                                      <p:to>
-                                        <p:strVal val="visible"/>
-                                      </p:to>
-                                    </p:set>
-                                  </p:childTnLst>
-                                </p:cTn>
-                              </p:par>
-                            </p:childTnLst>
-                          </p:cTn>
-                        </p:par>
-                      </p:childTnLst>
-                    </p:cTn>
-                  </p:par>
-                </p:childTnLst>
-              </p:cTn>
-              <p:prevCondLst>
-                <p:cond evt="onPrev" delay="0">
-                  <p:tgtEl>
-                    <p:sldTgt/>
-                  </p:tgtEl>
-                </p:cond>
-              </p:prevCondLst>
-              <p:nextCondLst>
-                <p:cond evt="onNext" delay="0">
-                  <p:tgtEl>
-                    <p:sldTgt/>
-                  </p:tgtEl>
-                </p:cond>
-              </p:nextCondLst>
-            </p:seq>
-          </p:childTnLst>
-        </p:cTn>
-      </p:par>
-    </p:tnLst>
-    <p:bldLst>
-      <p:bldP spid="6" grpId="0"/>
-      <p:bldP spid="6" grpId="1"/>
-      <p:bldP spid="14" grpId="0"/>
-      <p:bldP spid="21" grpId="0" animBg="1"/>
-      <p:bldP spid="22" grpId="0" animBg="1"/>
-      <p:bldP spid="9" grpId="0" animBg="1"/>
-    </p:bldLst>
-  </p:timing>
-</p:sld>
-</file>
-
-<file path=ppt/slides/slide7.xml><?xml version="1.0" encoding="utf-8"?>
-<p:sld xmlns:a="http://schemas.openxmlformats.org/drawingml/2006/main" xmlns:r="http://schemas.openxmlformats.org/officeDocument/2006/relationships" xmlns:p="http://schemas.openxmlformats.org/presentationml/2006/main">
-  <p:cSld>
-    <p:spTree>
-      <p:nvGrpSpPr>
-        <p:cNvPr id="1" name=""/>
-        <p:cNvGrpSpPr/>
-        <p:nvPr/>
-      </p:nvGrpSpPr>
-      <p:grpSpPr>
-        <a:xfrm>
-          <a:off x="0" y="0"/>
-          <a:ext cx="0" cy="0"/>
-          <a:chOff x="0" y="0"/>
-          <a:chExt cx="0" cy="0"/>
-        </a:xfrm>
-      </p:grpSpPr>
-      <p:sp>
-        <p:nvSpPr>
-          <p:cNvPr id="2" name="Title 1"/>
-          <p:cNvSpPr>
-            <a:spLocks noGrp="1"/>
-          </p:cNvSpPr>
-          <p:nvPr>
-            <p:ph type="title"/>
-          </p:nvPr>
-        </p:nvSpPr>
-        <p:spPr/>
-        <p:txBody>
-          <a:bodyPr/>
-          <a:lstStyle/>
-          <a:p>
-            <a:r>
-              <a:rPr lang="en-US" dirty="0" smtClean="0"/>
-              <a:t>Ordering persists directly: persist barriers</a:t>
-            </a:r>
-            <a:endParaRPr lang="en-US" dirty="0"/>
-          </a:p>
-        </p:txBody>
-      </p:sp>
-      <p:sp>
-        <p:nvSpPr>
-          <p:cNvPr id="3" name="Content Placeholder 2"/>
-          <p:cNvSpPr>
-            <a:spLocks noGrp="1"/>
-          </p:cNvSpPr>
-          <p:nvPr>
-            <p:ph idx="1"/>
-          </p:nvPr>
-        </p:nvSpPr>
-        <p:spPr/>
-        <p:txBody>
-          <a:bodyPr/>
-          <a:lstStyle/>
-          <a:p>
-            <a:r>
-              <a:rPr lang="en-US" dirty="0"/>
-              <a:t>B</a:t>
-            </a:r>
-            <a:r>
-              <a:rPr lang="en-US" dirty="0" smtClean="0"/>
-              <a:t>arriers proposed in </a:t>
-            </a:r>
-            <a:r>
-              <a:rPr lang="en-US" i="1" dirty="0" smtClean="0"/>
-              <a:t>Better I/O Through Byte-Addressable Persistent </a:t>
-            </a:r>
-            <a:r>
-              <a:rPr lang="en-US" i="1" dirty="0"/>
-              <a:t>Memory</a:t>
-            </a:r>
-            <a:r>
-              <a:rPr lang="en-US" dirty="0"/>
-              <a:t> </a:t>
-            </a:r>
-            <a:r>
-              <a:rPr lang="en-US" sz="1800" dirty="0"/>
-              <a:t>[SOSP ‘09</a:t>
-            </a:r>
-            <a:r>
-              <a:rPr lang="en-US" sz="1800" dirty="0" smtClean="0"/>
-              <a:t>]</a:t>
-            </a:r>
-            <a:endParaRPr lang="en-US" sz="1800" i="1" dirty="0" smtClean="0"/>
-          </a:p>
-          <a:p>
-            <a:pPr lvl="1"/>
-            <a:r>
-              <a:rPr lang="en-US" dirty="0" smtClean="0"/>
-              <a:t>Persists following barrier instruction may not complete before persists prior to barrier</a:t>
-            </a:r>
-          </a:p>
-          <a:p>
-            <a:pPr lvl="1"/>
-            <a:r>
-              <a:rPr lang="en-US" dirty="0" smtClean="0"/>
-              <a:t>Persists that are not separated by barrier instruction are </a:t>
-            </a:r>
-            <a:r>
-              <a:rPr lang="en-US" i="1" dirty="0" smtClean="0"/>
-              <a:t>concurrent</a:t>
-            </a:r>
-          </a:p>
-          <a:p>
-            <a:r>
-              <a:rPr lang="en-US" dirty="0" smtClean="0"/>
-              <a:t>Barriers delay execution</a:t>
-            </a:r>
-          </a:p>
-          <a:p>
-            <a:pPr lvl="1"/>
-            <a:r>
-              <a:rPr lang="en-US" dirty="0" smtClean="0"/>
-              <a:t>Frequency of barriers and </a:t>
-            </a:r>
-            <a:r>
-              <a:rPr lang="en-US" i="1" dirty="0" smtClean="0"/>
-              <a:t>exposed barrier latency</a:t>
-            </a:r>
-            <a:r>
-              <a:rPr lang="en-US" dirty="0" smtClean="0"/>
-              <a:t> determines resulting performance</a:t>
-            </a:r>
-          </a:p>
-        </p:txBody>
-      </p:sp>
-      <p:sp>
-        <p:nvSpPr>
-          <p:cNvPr id="4" name="Slide Number Placeholder 3"/>
-          <p:cNvSpPr>
-            <a:spLocks noGrp="1"/>
-          </p:cNvSpPr>
-          <p:nvPr>
-            <p:ph type="sldNum" sz="quarter" idx="4"/>
-          </p:nvPr>
-        </p:nvSpPr>
-        <p:spPr/>
-        <p:txBody>
-          <a:bodyPr/>
-          <a:lstStyle/>
-          <a:p>
-            <a:fld id="{24EAD923-3004-4A31-84C7-9B440B785588}" type="slidenum">
-              <a:rPr lang="en-US" smtClean="0"/>
-              <a:pPr/>
-              <a:t>7</a:t>
-            </a:fld>
-            <a:endParaRPr lang="en-US" dirty="0"/>
-          </a:p>
-        </p:txBody>
-      </p:sp>
-    </p:spTree>
-    <p:extLst>
-      <p:ext uri="{BB962C8B-B14F-4D97-AF65-F5344CB8AC3E}">
-        <p14:creationId xmlns:p14="http://schemas.microsoft.com/office/powerpoint/2010/main" val="3509281322"/>
-      </p:ext>
-    </p:extLst>
-  </p:cSld>
-  <p:clrMapOvr>
-    <a:masterClrMapping/>
-  </p:clrMapOvr>
-  <p:timing>
-    <p:tnLst>
-      <p:par>
-        <p:cTn id="1" dur="indefinite" restart="never" nodeType="tmRoot"/>
-      </p:par>
-    </p:tnLst>
-  </p:timing>
-</p:sld>
-</file>
-
-<file path=ppt/slides/slide8.xml><?xml version="1.0" encoding="utf-8"?>
-<p:sld xmlns:a="http://schemas.openxmlformats.org/drawingml/2006/main" xmlns:r="http://schemas.openxmlformats.org/officeDocument/2006/relationships" xmlns:p="http://schemas.openxmlformats.org/presentationml/2006/main">
-  <p:cSld>
-    <p:spTree>
-      <p:nvGrpSpPr>
-        <p:cNvPr id="1" name=""/>
-        <p:cNvGrpSpPr/>
-        <p:nvPr/>
-      </p:nvGrpSpPr>
-      <p:grpSpPr>
-        <a:xfrm>
-          <a:off x="0" y="0"/>
-          <a:ext cx="0" cy="0"/>
-          <a:chOff x="0" y="0"/>
-          <a:chExt cx="0" cy="0"/>
-        </a:xfrm>
-      </p:grpSpPr>
-      <p:sp>
-        <p:nvSpPr>
-          <p:cNvPr id="2" name="Title 1"/>
-          <p:cNvSpPr>
-            <a:spLocks noGrp="1"/>
-          </p:cNvSpPr>
-          <p:nvPr>
-            <p:ph type="title"/>
-          </p:nvPr>
-        </p:nvSpPr>
-        <p:spPr/>
-        <p:txBody>
-          <a:bodyPr/>
-          <a:lstStyle/>
-          <a:p>
-            <a:r>
-              <a:rPr lang="en-US" dirty="0" smtClean="0"/>
-              <a:t>NVRAM in-place </a:t>
-            </a:r>
-            <a:r>
-              <a:rPr lang="en-US" dirty="0" err="1" smtClean="0"/>
-              <a:t>updatess</a:t>
-            </a:r>
-            <a:endParaRPr lang="en-US" dirty="0"/>
-          </a:p>
-        </p:txBody>
-      </p:sp>
-      <p:sp>
-        <p:nvSpPr>
-          <p:cNvPr id="4" name="Slide Number Placeholder 3"/>
-          <p:cNvSpPr>
-            <a:spLocks noGrp="1"/>
-          </p:cNvSpPr>
-          <p:nvPr>
-            <p:ph type="sldNum" sz="quarter" idx="4"/>
-          </p:nvPr>
-        </p:nvSpPr>
-        <p:spPr/>
-        <p:txBody>
-          <a:bodyPr/>
-          <a:lstStyle/>
-          <a:p>
-            <a:fld id="{24EAD923-3004-4A31-84C7-9B440B785588}" type="slidenum">
-              <a:rPr lang="en-US" smtClean="0"/>
-              <a:pPr/>
-              <a:t>8</a:t>
-            </a:fld>
-            <a:endParaRPr lang="en-US" dirty="0"/>
-          </a:p>
-        </p:txBody>
-      </p:sp>
-      <p:sp>
-        <p:nvSpPr>
-          <p:cNvPr id="10" name="TextBox 9"/>
-          <p:cNvSpPr txBox="1"/>
-          <p:nvPr/>
-        </p:nvSpPr>
-        <p:spPr>
-          <a:xfrm>
-            <a:off x="12178" y="5919663"/>
-            <a:ext cx="9119804" cy="461665"/>
-          </a:xfrm>
-          <a:prstGeom prst="rect">
-            <a:avLst/>
-          </a:prstGeom>
-          <a:noFill/>
-        </p:spPr>
-        <p:txBody>
-          <a:bodyPr wrap="none" rtlCol="0">
-            <a:spAutoFit/>
-          </a:bodyPr>
-          <a:lstStyle/>
-          <a:p>
-            <a:r>
-              <a:rPr lang="en-US" sz="2400" b="0" i="1" dirty="0" smtClean="0">
-                <a:solidFill>
-                  <a:srgbClr val="FF0909"/>
-                </a:solidFill>
-              </a:rPr>
-              <a:t>Simple, </a:t>
-            </a:r>
-            <a:r>
-              <a:rPr lang="en-US" sz="2400" b="0" i="1" dirty="0" smtClean="0">
-                <a:solidFill>
-                  <a:srgbClr val="FF0909"/>
-                </a:solidFill>
-              </a:rPr>
-              <a:t>removes </a:t>
-            </a:r>
-            <a:r>
-              <a:rPr lang="en-US" sz="2400" b="0" i="1" dirty="0" smtClean="0">
-                <a:solidFill>
-                  <a:srgbClr val="FF0909"/>
-                </a:solidFill>
-              </a:rPr>
-              <a:t>software overhead, but frequent persist </a:t>
-            </a:r>
-            <a:r>
-              <a:rPr lang="en-US" sz="2400" b="0" i="1" dirty="0" smtClean="0">
-                <a:solidFill>
-                  <a:srgbClr val="FF0909"/>
-                </a:solidFill>
-              </a:rPr>
-              <a:t>ordering</a:t>
-            </a:r>
-            <a:endParaRPr lang="en-US" sz="2400" b="0" i="1" dirty="0">
-              <a:solidFill>
-                <a:srgbClr val="FF0909"/>
-              </a:solidFill>
-            </a:endParaRPr>
-          </a:p>
-        </p:txBody>
-      </p:sp>
-      <p:sp>
-        <p:nvSpPr>
-          <p:cNvPr id="6" name="TextBox 5"/>
-          <p:cNvSpPr txBox="1"/>
-          <p:nvPr/>
-        </p:nvSpPr>
-        <p:spPr>
-          <a:xfrm>
-            <a:off x="-41472" y="2175194"/>
-            <a:ext cx="2741264" cy="461665"/>
-          </a:xfrm>
-          <a:prstGeom prst="rect">
-            <a:avLst/>
-          </a:prstGeom>
-          <a:noFill/>
-        </p:spPr>
-        <p:txBody>
-          <a:bodyPr wrap="none" rtlCol="0">
-            <a:spAutoFit/>
-          </a:bodyPr>
-          <a:lstStyle/>
-          <a:p>
-            <a:pPr algn="r"/>
-            <a:r>
-              <a:rPr lang="en-US" sz="2400" b="0" dirty="0" smtClean="0"/>
-              <a:t>Transaction thread</a:t>
-            </a:r>
-            <a:endParaRPr lang="en-US" sz="2400" b="0" dirty="0"/>
-          </a:p>
-        </p:txBody>
-      </p:sp>
-      <p:sp>
-        <p:nvSpPr>
-          <p:cNvPr id="11" name="Rectangle 10"/>
-          <p:cNvSpPr/>
-          <p:nvPr/>
-        </p:nvSpPr>
-        <p:spPr bwMode="auto">
-          <a:xfrm>
-            <a:off x="2699792" y="2132856"/>
-            <a:ext cx="1332148" cy="484787"/>
+            <a:off x="1802060" y="3927695"/>
+            <a:ext cx="3620075" cy="563067"/>
           </a:xfrm>
           <a:prstGeom prst="rect">
             <a:avLst/>
@@ -12732,171 +13000,10 @@
               <a:tabLst/>
             </a:pPr>
             <a:r>
-              <a:rPr kumimoji="0" lang="en-US" sz="2400" b="0" i="0" u="none" strike="noStrike" cap="none" normalizeH="0" baseline="0" dirty="0" smtClean="0">
-                <a:ln>
-                  <a:noFill/>
-                </a:ln>
-                <a:solidFill>
-                  <a:schemeClr val="tx1"/>
-                </a:solidFill>
-                <a:effectLst/>
-                <a:latin typeface="Arial" charset="0"/>
-                <a:ea typeface="ＭＳ Ｐゴシック" charset="-128"/>
-              </a:rPr>
-              <a:t>Update</a:t>
-            </a:r>
-          </a:p>
-        </p:txBody>
-      </p:sp>
-      <p:pic>
-        <p:nvPicPr>
-          <p:cNvPr id="12" name="Picture 5" descr="http://www.pcguide.com/ref/hdd/z_ibm_ultrastar36zx.jpg"/>
-          <p:cNvPicPr>
-            <a:picLocks noChangeAspect="1" noChangeArrowheads="1"/>
-          </p:cNvPicPr>
-          <p:nvPr/>
-        </p:nvPicPr>
-        <p:blipFill>
-          <a:blip r:embed="rId2" cstate="print"/>
-          <a:srcRect/>
-          <a:stretch>
-            <a:fillRect/>
-          </a:stretch>
-        </p:blipFill>
-        <p:spPr bwMode="auto">
-          <a:xfrm>
-            <a:off x="4419289" y="3045625"/>
-            <a:ext cx="2257722" cy="2478956"/>
-          </a:xfrm>
-          <a:prstGeom prst="rect">
-            <a:avLst/>
-          </a:prstGeom>
-          <a:noFill/>
-        </p:spPr>
-      </p:pic>
-      <p:sp>
-        <p:nvSpPr>
-          <p:cNvPr id="13" name="Right Arrow 12"/>
-          <p:cNvSpPr/>
-          <p:nvPr/>
-        </p:nvSpPr>
-        <p:spPr bwMode="auto">
-          <a:xfrm rot="3822076">
-            <a:off x="2929979" y="3152495"/>
-            <a:ext cx="1130103" cy="248220"/>
-          </a:xfrm>
-          <a:prstGeom prst="rightArrow">
-            <a:avLst/>
-          </a:prstGeom>
-          <a:solidFill>
-            <a:schemeClr val="tx1"/>
-          </a:solidFill>
-          <a:ln w="9525" cap="flat" cmpd="sng" algn="ctr">
-            <a:solidFill>
-              <a:schemeClr val="tx1"/>
-            </a:solidFill>
-            <a:prstDash val="solid"/>
-            <a:round/>
-            <a:headEnd type="none" w="med" len="med"/>
-            <a:tailEnd type="none" w="med" len="med"/>
-          </a:ln>
-          <a:effectLst/>
-        </p:spPr>
-        <p:txBody>
-          <a:bodyPr vert="horz" wrap="square" lIns="91440" tIns="45720" rIns="91440" bIns="45720" numCol="1" rtlCol="0" anchor="t" anchorCtr="0" compatLnSpc="1">
-            <a:prstTxWarp prst="textNoShape">
-              <a:avLst/>
-            </a:prstTxWarp>
-          </a:bodyPr>
-          <a:lstStyle/>
-          <a:p>
-            <a:pPr marL="0" marR="0" indent="0" algn="l" defTabSz="914400" rtl="0" eaLnBrk="0" fontAlgn="base" latinLnBrk="0" hangingPunct="0">
-              <a:lnSpc>
-                <a:spcPct val="100000"/>
-              </a:lnSpc>
-              <a:spcBef>
-                <a:spcPct val="0"/>
-              </a:spcBef>
-              <a:spcAft>
-                <a:spcPct val="0"/>
-              </a:spcAft>
-              <a:buClrTx/>
-              <a:buSzTx/>
-              <a:buFontTx/>
-              <a:buNone/>
-              <a:tabLst/>
-            </a:pPr>
-            <a:endParaRPr kumimoji="0" lang="en-US" sz="2400" b="0" i="0" u="none" strike="noStrike" cap="none" normalizeH="0" baseline="0" smtClean="0">
-              <a:ln>
-                <a:noFill/>
-              </a:ln>
-              <a:solidFill>
-                <a:schemeClr val="tx1"/>
-              </a:solidFill>
-              <a:effectLst/>
-              <a:latin typeface="Arial" charset="0"/>
-              <a:ea typeface="ＭＳ Ｐゴシック" charset="-128"/>
-            </a:endParaRPr>
-          </a:p>
-        </p:txBody>
-      </p:sp>
-      <p:sp>
-        <p:nvSpPr>
-          <p:cNvPr id="15" name="Rectangle 14"/>
-          <p:cNvSpPr/>
-          <p:nvPr/>
-        </p:nvSpPr>
-        <p:spPr bwMode="auto">
-          <a:xfrm>
-            <a:off x="2973863" y="3927695"/>
-            <a:ext cx="2448272" cy="563067"/>
-          </a:xfrm>
-          <a:prstGeom prst="rect">
-            <a:avLst/>
-          </a:prstGeom>
-          <a:solidFill>
-            <a:schemeClr val="accent1"/>
-          </a:solidFill>
-          <a:ln w="9525" cap="flat" cmpd="sng" algn="ctr">
-            <a:solidFill>
-              <a:schemeClr val="tx1"/>
-            </a:solidFill>
-            <a:prstDash val="solid"/>
-            <a:round/>
-            <a:headEnd type="none" w="med" len="med"/>
-            <a:tailEnd type="none" w="med" len="med"/>
-          </a:ln>
-          <a:effectLst/>
-        </p:spPr>
-        <p:txBody>
-          <a:bodyPr vert="horz" wrap="square" lIns="91440" tIns="45720" rIns="91440" bIns="45720" numCol="1" rtlCol="0" anchor="ctr" anchorCtr="0" compatLnSpc="1">
-            <a:prstTxWarp prst="textNoShape">
-              <a:avLst/>
-            </a:prstTxWarp>
-          </a:bodyPr>
-          <a:lstStyle/>
-          <a:p>
-            <a:pPr marL="0" marR="0" indent="0" defTabSz="914400" rtl="0" eaLnBrk="0" fontAlgn="base" latinLnBrk="0" hangingPunct="0">
-              <a:lnSpc>
-                <a:spcPct val="100000"/>
-              </a:lnSpc>
-              <a:spcBef>
-                <a:spcPct val="0"/>
-              </a:spcBef>
-              <a:spcAft>
-                <a:spcPct val="0"/>
-              </a:spcAft>
-              <a:buClrTx/>
-              <a:buSzTx/>
-              <a:buFontTx/>
-              <a:buNone/>
-              <a:tabLst/>
-            </a:pPr>
-            <a:r>
               <a:rPr lang="en-US" sz="2400" b="0" dirty="0" smtClean="0">
                 <a:ea typeface="ＭＳ Ｐゴシック" charset="-128"/>
               </a:rPr>
-              <a:t>Transaction log</a:t>
+              <a:t>Transaction/update logs</a:t>
             </a:r>
             <a:endParaRPr kumimoji="0" lang="en-US" sz="2400" b="0" i="0" u="none" strike="noStrike" cap="none" normalizeH="0" baseline="0" dirty="0" smtClean="0">
               <a:ln>
@@ -13192,7 +13299,7 @@
 </p:sld>
 </file>
 
-<file path=ppt/slides/slide9.xml><?xml version="1.0" encoding="utf-8"?>
+<file path=ppt/slides/slide8.xml><?xml version="1.0" encoding="utf-8"?>
 <p:sld xmlns:a="http://schemas.openxmlformats.org/drawingml/2006/main" xmlns:r="http://schemas.openxmlformats.org/officeDocument/2006/relationships" xmlns:p="http://schemas.openxmlformats.org/presentationml/2006/main">
   <p:cSld>
     <p:spTree>
@@ -13209,6 +13316,32 @@
           <a:chExt cx="0" cy="0"/>
         </a:xfrm>
       </p:grpSpPr>
+      <p:pic>
+        <p:nvPicPr>
+          <p:cNvPr id="33" name="Picture 5" descr="http://www.pcguide.com/ref/hdd/z_ibm_ultrastar36zx.jpg"/>
+          <p:cNvPicPr>
+            <a:picLocks noChangeAspect="1" noChangeArrowheads="1"/>
+          </p:cNvPicPr>
+          <p:nvPr/>
+        </p:nvPicPr>
+        <p:blipFill>
+          <a:blip r:embed="rId2" cstate="print"/>
+          <a:srcRect/>
+          <a:stretch>
+            <a:fillRect/>
+          </a:stretch>
+        </p:blipFill>
+        <p:spPr bwMode="auto">
+          <a:xfrm>
+            <a:off x="6166706" y="4478436"/>
+            <a:ext cx="2257722" cy="2478956"/>
+          </a:xfrm>
+          <a:prstGeom prst="rect">
+            <a:avLst/>
+          </a:prstGeom>
+          <a:noFill/>
+        </p:spPr>
+      </p:pic>
       <p:sp>
         <p:nvSpPr>
           <p:cNvPr id="2" name="Title 1"/>
@@ -13250,7 +13383,7 @@
             <a:fld id="{24EAD923-3004-4A31-84C7-9B440B785588}" type="slidenum">
               <a:rPr lang="en-US" smtClean="0"/>
               <a:pPr/>
-              <a:t>9</a:t>
+              <a:t>8</a:t>
             </a:fld>
             <a:endParaRPr lang="en-US" dirty="0"/>
           </a:p>
@@ -14150,7 +14283,15 @@
             <a:pPr algn="l"/>
             <a:r>
               <a:rPr lang="en-US" b="0" dirty="0" smtClean="0"/>
-              <a:t>Overwritten data persists as log and updates persist in place</a:t>
+              <a:t>Batch’s updates</a:t>
+            </a:r>
+            <a:r>
+              <a:rPr lang="en-US" b="0" dirty="0" smtClean="0"/>
+              <a:t> persist to batch log, then </a:t>
+            </a:r>
+            <a:r>
+              <a:rPr lang="en-US" b="0" dirty="0" smtClean="0"/>
+              <a:t>in place</a:t>
             </a:r>
             <a:endParaRPr lang="en-US" b="0" dirty="0"/>
           </a:p>
@@ -14164,8 +14305,8 @@
         </p:nvSpPr>
         <p:spPr bwMode="auto">
           <a:xfrm rot="20030528">
-            <a:off x="3532799" y="5156763"/>
-            <a:ext cx="1326832" cy="446268"/>
+            <a:off x="3551537" y="5237419"/>
+            <a:ext cx="960914" cy="446268"/>
           </a:xfrm>
           <a:prstGeom prst="rightArrow">
             <a:avLst/>
@@ -14230,8 +14371,8 @@
         </p:nvSpPr>
         <p:spPr bwMode="auto">
           <a:xfrm rot="449149">
-            <a:off x="3767323" y="5773938"/>
-            <a:ext cx="1326832" cy="446268"/>
+            <a:off x="4103787" y="5751927"/>
+            <a:ext cx="991807" cy="490290"/>
           </a:xfrm>
           <a:prstGeom prst="rightArrow">
             <a:avLst/>
@@ -14322,6 +14463,709 @@
     <p:extLst>
       <p:ext uri="{BB962C8B-B14F-4D97-AF65-F5344CB8AC3E}">
         <p14:creationId xmlns:p14="http://schemas.microsoft.com/office/powerpoint/2010/main" val="842258195"/>
+      </p:ext>
+    </p:extLst>
+  </p:cSld>
+  <p:clrMapOvr>
+    <a:masterClrMapping/>
+  </p:clrMapOvr>
+  <p:timing>
+    <p:tnLst>
+      <p:par>
+        <p:cTn id="1" dur="indefinite" restart="never" nodeType="tmRoot"/>
+      </p:par>
+    </p:tnLst>
+  </p:timing>
+</p:sld>
+</file>
+
+<file path=ppt/slides/slide9.xml><?xml version="1.0" encoding="utf-8"?>
+<p:sld xmlns:a="http://schemas.openxmlformats.org/drawingml/2006/main" xmlns:r="http://schemas.openxmlformats.org/officeDocument/2006/relationships" xmlns:p="http://schemas.openxmlformats.org/presentationml/2006/main">
+  <p:cSld>
+    <p:spTree>
+      <p:nvGrpSpPr>
+        <p:cNvPr id="1" name=""/>
+        <p:cNvGrpSpPr/>
+        <p:nvPr/>
+      </p:nvGrpSpPr>
+      <p:grpSpPr>
+        <a:xfrm>
+          <a:off x="0" y="0"/>
+          <a:ext cx="0" cy="0"/>
+          <a:chOff x="0" y="0"/>
+          <a:chExt cx="0" cy="0"/>
+        </a:xfrm>
+      </p:grpSpPr>
+      <p:sp>
+        <p:nvSpPr>
+          <p:cNvPr id="2" name="Title 1"/>
+          <p:cNvSpPr>
+            <a:spLocks noGrp="1"/>
+          </p:cNvSpPr>
+          <p:nvPr>
+            <p:ph type="title"/>
+          </p:nvPr>
+        </p:nvSpPr>
+        <p:spPr/>
+        <p:txBody>
+          <a:bodyPr/>
+          <a:lstStyle/>
+          <a:p>
+            <a:r>
+              <a:rPr lang="en-US" dirty="0" smtClean="0"/>
+              <a:t>NVRAM Group Commit</a:t>
+            </a:r>
+            <a:endParaRPr lang="en-US" dirty="0"/>
+          </a:p>
+        </p:txBody>
+      </p:sp>
+      <p:sp>
+        <p:nvSpPr>
+          <p:cNvPr id="4" name="Slide Number Placeholder 3"/>
+          <p:cNvSpPr>
+            <a:spLocks noGrp="1"/>
+          </p:cNvSpPr>
+          <p:nvPr>
+            <p:ph type="sldNum" sz="quarter" idx="4"/>
+          </p:nvPr>
+        </p:nvSpPr>
+        <p:spPr/>
+        <p:txBody>
+          <a:bodyPr/>
+          <a:lstStyle/>
+          <a:p>
+            <a:fld id="{24EAD923-3004-4A31-84C7-9B440B785588}" type="slidenum">
+              <a:rPr lang="en-US" smtClean="0"/>
+              <a:pPr/>
+              <a:t>9</a:t>
+            </a:fld>
+            <a:endParaRPr lang="en-US" dirty="0"/>
+          </a:p>
+        </p:txBody>
+      </p:sp>
+      <p:sp>
+        <p:nvSpPr>
+          <p:cNvPr id="5" name="TextBox 4"/>
+          <p:cNvSpPr txBox="1"/>
+          <p:nvPr/>
+        </p:nvSpPr>
+        <p:spPr>
+          <a:xfrm>
+            <a:off x="3499357" y="1124744"/>
+            <a:ext cx="745845" cy="400110"/>
+          </a:xfrm>
+          <a:prstGeom prst="rect">
+            <a:avLst/>
+          </a:prstGeom>
+          <a:noFill/>
+        </p:spPr>
+        <p:txBody>
+          <a:bodyPr wrap="none" rtlCol="0">
+            <a:spAutoFit/>
+          </a:bodyPr>
+          <a:lstStyle/>
+          <a:p>
+            <a:r>
+              <a:rPr lang="en-US" b="0" dirty="0" smtClean="0"/>
+              <a:t>Time</a:t>
+            </a:r>
+            <a:endParaRPr lang="en-US" b="0" dirty="0"/>
+          </a:p>
+        </p:txBody>
+      </p:sp>
+      <p:cxnSp>
+        <p:nvCxnSpPr>
+          <p:cNvPr id="7" name="Straight Arrow Connector 6"/>
+          <p:cNvCxnSpPr>
+            <a:stCxn id="5" idx="3"/>
+          </p:cNvCxnSpPr>
+          <p:nvPr/>
+        </p:nvCxnSpPr>
+        <p:spPr bwMode="auto">
+          <a:xfrm>
+            <a:off x="4245202" y="1324799"/>
+            <a:ext cx="1118886" cy="0"/>
+          </a:xfrm>
+          <a:prstGeom prst="straightConnector1">
+            <a:avLst/>
+          </a:prstGeom>
+          <a:solidFill>
+            <a:schemeClr val="accent1"/>
+          </a:solidFill>
+          <a:ln w="38100" cap="flat" cmpd="sng" algn="ctr">
+            <a:solidFill>
+              <a:schemeClr val="tx1"/>
+            </a:solidFill>
+            <a:prstDash val="solid"/>
+            <a:round/>
+            <a:headEnd type="none" w="med" len="med"/>
+            <a:tailEnd type="arrow"/>
+          </a:ln>
+          <a:effectLst/>
+        </p:spPr>
+      </p:cxnSp>
+      <p:cxnSp>
+        <p:nvCxnSpPr>
+          <p:cNvPr id="9" name="Straight Arrow Connector 8"/>
+          <p:cNvCxnSpPr/>
+          <p:nvPr/>
+        </p:nvCxnSpPr>
+        <p:spPr bwMode="auto">
+          <a:xfrm>
+            <a:off x="-2448780" y="2248432"/>
+            <a:ext cx="3276364" cy="0"/>
+          </a:xfrm>
+          <a:prstGeom prst="straightConnector1">
+            <a:avLst/>
+          </a:prstGeom>
+          <a:solidFill>
+            <a:schemeClr val="accent1"/>
+          </a:solidFill>
+          <a:ln w="50800" cap="flat" cmpd="sng" algn="ctr">
+            <a:solidFill>
+              <a:srgbClr val="85C8CD"/>
+            </a:solidFill>
+            <a:prstDash val="solid"/>
+            <a:round/>
+            <a:headEnd type="none" w="med" len="med"/>
+            <a:tailEnd type="arrow"/>
+          </a:ln>
+          <a:effectLst/>
+        </p:spPr>
+      </p:cxnSp>
+      <p:cxnSp>
+        <p:nvCxnSpPr>
+          <p:cNvPr id="11" name="Straight Arrow Connector 10"/>
+          <p:cNvCxnSpPr/>
+          <p:nvPr/>
+        </p:nvCxnSpPr>
+        <p:spPr bwMode="auto">
+          <a:xfrm>
+            <a:off x="-1008620" y="2748706"/>
+            <a:ext cx="3276364" cy="0"/>
+          </a:xfrm>
+          <a:prstGeom prst="straightConnector1">
+            <a:avLst/>
+          </a:prstGeom>
+          <a:solidFill>
+            <a:schemeClr val="accent1"/>
+          </a:solidFill>
+          <a:ln w="50800" cap="flat" cmpd="sng" algn="ctr">
+            <a:solidFill>
+              <a:srgbClr val="85C8CD"/>
+            </a:solidFill>
+            <a:prstDash val="solid"/>
+            <a:round/>
+            <a:headEnd type="none" w="med" len="med"/>
+            <a:tailEnd type="arrow"/>
+          </a:ln>
+          <a:effectLst/>
+        </p:spPr>
+      </p:cxnSp>
+      <p:cxnSp>
+        <p:nvCxnSpPr>
+          <p:cNvPr id="12" name="Straight Arrow Connector 11"/>
+          <p:cNvCxnSpPr/>
+          <p:nvPr/>
+        </p:nvCxnSpPr>
+        <p:spPr bwMode="auto">
+          <a:xfrm>
+            <a:off x="-1371214" y="3248980"/>
+            <a:ext cx="3276364" cy="0"/>
+          </a:xfrm>
+          <a:prstGeom prst="straightConnector1">
+            <a:avLst/>
+          </a:prstGeom>
+          <a:solidFill>
+            <a:schemeClr val="accent1"/>
+          </a:solidFill>
+          <a:ln w="50800" cap="flat" cmpd="sng" algn="ctr">
+            <a:solidFill>
+              <a:srgbClr val="85C8CD"/>
+            </a:solidFill>
+            <a:prstDash val="solid"/>
+            <a:round/>
+            <a:headEnd type="none" w="med" len="med"/>
+            <a:tailEnd type="arrow"/>
+          </a:ln>
+          <a:effectLst/>
+        </p:spPr>
+      </p:cxnSp>
+      <p:sp>
+        <p:nvSpPr>
+          <p:cNvPr id="10" name="Right Arrow 9"/>
+          <p:cNvSpPr/>
+          <p:nvPr/>
+        </p:nvSpPr>
+        <p:spPr bwMode="auto">
+          <a:xfrm>
+            <a:off x="2266770" y="2248432"/>
+            <a:ext cx="2269226" cy="1000548"/>
+          </a:xfrm>
+          <a:prstGeom prst="rightArrow">
+            <a:avLst/>
+          </a:prstGeom>
+          <a:solidFill>
+            <a:schemeClr val="accent1"/>
+          </a:solidFill>
+          <a:ln w="9525" cap="flat" cmpd="sng" algn="ctr">
+            <a:solidFill>
+              <a:schemeClr val="tx1"/>
+            </a:solidFill>
+            <a:prstDash val="solid"/>
+            <a:round/>
+            <a:headEnd type="none" w="med" len="med"/>
+            <a:tailEnd type="none" w="med" len="med"/>
+          </a:ln>
+          <a:effectLst/>
+        </p:spPr>
+        <p:txBody>
+          <a:bodyPr vert="horz" wrap="square" lIns="91440" tIns="45720" rIns="91440" bIns="45720" numCol="1" rtlCol="0" anchor="t" anchorCtr="0" compatLnSpc="1">
+            <a:prstTxWarp prst="textNoShape">
+              <a:avLst/>
+            </a:prstTxWarp>
+          </a:bodyPr>
+          <a:lstStyle/>
+          <a:p>
+            <a:pPr marL="0" marR="0" indent="0" defTabSz="914400" rtl="0" eaLnBrk="0" fontAlgn="base" latinLnBrk="0" hangingPunct="0">
+              <a:lnSpc>
+                <a:spcPct val="100000"/>
+              </a:lnSpc>
+              <a:spcBef>
+                <a:spcPct val="0"/>
+              </a:spcBef>
+              <a:spcAft>
+                <a:spcPct val="0"/>
+              </a:spcAft>
+              <a:buClrTx/>
+              <a:buSzTx/>
+              <a:buFontTx/>
+              <a:buNone/>
+              <a:tabLst/>
+            </a:pPr>
+            <a:r>
+              <a:rPr kumimoji="0" lang="en-US" sz="2400" b="0" i="0" u="none" strike="noStrike" cap="none" normalizeH="0" baseline="0" dirty="0" smtClean="0">
+                <a:ln>
+                  <a:noFill/>
+                </a:ln>
+                <a:solidFill>
+                  <a:schemeClr val="tx1"/>
+                </a:solidFill>
+                <a:effectLst/>
+                <a:latin typeface="Arial" charset="0"/>
+                <a:ea typeface="ＭＳ Ｐゴシック" charset="-128"/>
+              </a:rPr>
+              <a:t>Undo</a:t>
+            </a:r>
+            <a:r>
+              <a:rPr kumimoji="0" lang="en-US" sz="2400" b="0" i="0" u="none" strike="noStrike" cap="none" normalizeH="0" dirty="0" smtClean="0">
+                <a:ln>
+                  <a:noFill/>
+                </a:ln>
+                <a:solidFill>
+                  <a:schemeClr val="tx1"/>
+                </a:solidFill>
+                <a:effectLst/>
+                <a:latin typeface="Arial" charset="0"/>
+                <a:ea typeface="ＭＳ Ｐゴシック" charset="-128"/>
+              </a:rPr>
+              <a:t> log</a:t>
+            </a:r>
+            <a:endParaRPr kumimoji="0" lang="en-US" sz="2400" b="0" i="0" u="none" strike="noStrike" cap="none" normalizeH="0" baseline="0" dirty="0" smtClean="0">
+              <a:ln>
+                <a:noFill/>
+              </a:ln>
+              <a:solidFill>
+                <a:schemeClr val="tx1"/>
+              </a:solidFill>
+              <a:effectLst/>
+              <a:latin typeface="Arial" charset="0"/>
+              <a:ea typeface="ＭＳ Ｐゴシック" charset="-128"/>
+            </a:endParaRPr>
+          </a:p>
+        </p:txBody>
+      </p:sp>
+      <p:sp>
+        <p:nvSpPr>
+          <p:cNvPr id="18" name="Right Arrow 17"/>
+          <p:cNvSpPr/>
+          <p:nvPr/>
+        </p:nvSpPr>
+        <p:spPr bwMode="auto">
+          <a:xfrm>
+            <a:off x="4572000" y="2248432"/>
+            <a:ext cx="2160240" cy="1000548"/>
+          </a:xfrm>
+          <a:prstGeom prst="rightArrow">
+            <a:avLst/>
+          </a:prstGeom>
+          <a:solidFill>
+            <a:schemeClr val="accent1"/>
+          </a:solidFill>
+          <a:ln w="9525" cap="flat" cmpd="sng" algn="ctr">
+            <a:solidFill>
+              <a:schemeClr val="tx1"/>
+            </a:solidFill>
+            <a:prstDash val="solid"/>
+            <a:round/>
+            <a:headEnd type="none" w="med" len="med"/>
+            <a:tailEnd type="none" w="med" len="med"/>
+          </a:ln>
+          <a:effectLst/>
+        </p:spPr>
+        <p:txBody>
+          <a:bodyPr vert="horz" wrap="square" lIns="91440" tIns="45720" rIns="91440" bIns="45720" numCol="1" rtlCol="0" anchor="t" anchorCtr="0" compatLnSpc="1">
+            <a:prstTxWarp prst="textNoShape">
+              <a:avLst/>
+            </a:prstTxWarp>
+          </a:bodyPr>
+          <a:lstStyle/>
+          <a:p>
+            <a:pPr marL="0" marR="0" indent="0" defTabSz="914400" rtl="0" eaLnBrk="0" fontAlgn="base" latinLnBrk="0" hangingPunct="0">
+              <a:lnSpc>
+                <a:spcPct val="100000"/>
+              </a:lnSpc>
+              <a:spcBef>
+                <a:spcPct val="0"/>
+              </a:spcBef>
+              <a:spcAft>
+                <a:spcPct val="0"/>
+              </a:spcAft>
+              <a:buClrTx/>
+              <a:buSzTx/>
+              <a:buFontTx/>
+              <a:buNone/>
+              <a:tabLst/>
+            </a:pPr>
+            <a:r>
+              <a:rPr lang="en-US" sz="2400" b="0" dirty="0" smtClean="0">
+                <a:ea typeface="ＭＳ Ｐゴシック" charset="-128"/>
+              </a:rPr>
+              <a:t>Persist store</a:t>
+            </a:r>
+            <a:endParaRPr kumimoji="0" lang="en-US" sz="2400" b="0" i="0" u="none" strike="noStrike" cap="none" normalizeH="0" baseline="0" dirty="0" smtClean="0">
+              <a:ln>
+                <a:noFill/>
+              </a:ln>
+              <a:solidFill>
+                <a:schemeClr val="tx1"/>
+              </a:solidFill>
+              <a:effectLst/>
+              <a:latin typeface="Arial" charset="0"/>
+              <a:ea typeface="ＭＳ Ｐゴシック" charset="-128"/>
+            </a:endParaRPr>
+          </a:p>
+        </p:txBody>
+      </p:sp>
+      <p:grpSp>
+        <p:nvGrpSpPr>
+          <p:cNvPr id="3" name="Group 2"/>
+          <p:cNvGrpSpPr/>
+          <p:nvPr/>
+        </p:nvGrpSpPr>
+        <p:grpSpPr>
+          <a:xfrm>
+            <a:off x="6940974" y="2284436"/>
+            <a:ext cx="1915502" cy="1000548"/>
+            <a:chOff x="126600" y="1400284"/>
+            <a:chExt cx="2286254" cy="1000548"/>
+          </a:xfrm>
+        </p:grpSpPr>
+        <p:cxnSp>
+          <p:nvCxnSpPr>
+            <p:cNvPr id="22" name="Straight Arrow Connector 21"/>
+            <p:cNvCxnSpPr/>
+            <p:nvPr/>
+          </p:nvCxnSpPr>
+          <p:spPr bwMode="auto">
+            <a:xfrm>
+              <a:off x="126600" y="1400284"/>
+              <a:ext cx="2286254" cy="0"/>
+            </a:xfrm>
+            <a:prstGeom prst="straightConnector1">
+              <a:avLst/>
+            </a:prstGeom>
+            <a:solidFill>
+              <a:schemeClr val="accent1"/>
+            </a:solidFill>
+            <a:ln w="50800" cap="flat" cmpd="sng" algn="ctr">
+              <a:solidFill>
+                <a:srgbClr val="85C8CD"/>
+              </a:solidFill>
+              <a:prstDash val="solid"/>
+              <a:round/>
+              <a:headEnd type="none" w="med" len="med"/>
+              <a:tailEnd type="arrow"/>
+            </a:ln>
+            <a:effectLst/>
+          </p:spPr>
+        </p:cxnSp>
+        <p:cxnSp>
+          <p:nvCxnSpPr>
+            <p:cNvPr id="23" name="Straight Arrow Connector 22"/>
+            <p:cNvCxnSpPr/>
+            <p:nvPr/>
+          </p:nvCxnSpPr>
+          <p:spPr bwMode="auto">
+            <a:xfrm>
+              <a:off x="126600" y="1900558"/>
+              <a:ext cx="2286254" cy="0"/>
+            </a:xfrm>
+            <a:prstGeom prst="straightConnector1">
+              <a:avLst/>
+            </a:prstGeom>
+            <a:solidFill>
+              <a:schemeClr val="accent1"/>
+            </a:solidFill>
+            <a:ln w="50800" cap="flat" cmpd="sng" algn="ctr">
+              <a:solidFill>
+                <a:srgbClr val="85C8CD"/>
+              </a:solidFill>
+              <a:prstDash val="solid"/>
+              <a:round/>
+              <a:headEnd type="none" w="med" len="med"/>
+              <a:tailEnd type="arrow"/>
+            </a:ln>
+            <a:effectLst/>
+          </p:spPr>
+        </p:cxnSp>
+        <p:cxnSp>
+          <p:nvCxnSpPr>
+            <p:cNvPr id="24" name="Straight Arrow Connector 23"/>
+            <p:cNvCxnSpPr/>
+            <p:nvPr/>
+          </p:nvCxnSpPr>
+          <p:spPr bwMode="auto">
+            <a:xfrm>
+              <a:off x="126600" y="2400832"/>
+              <a:ext cx="2286254" cy="0"/>
+            </a:xfrm>
+            <a:prstGeom prst="straightConnector1">
+              <a:avLst/>
+            </a:prstGeom>
+            <a:solidFill>
+              <a:schemeClr val="accent1"/>
+            </a:solidFill>
+            <a:ln w="50800" cap="flat" cmpd="sng" algn="ctr">
+              <a:solidFill>
+                <a:srgbClr val="85C8CD"/>
+              </a:solidFill>
+              <a:prstDash val="solid"/>
+              <a:round/>
+              <a:headEnd type="none" w="med" len="med"/>
+              <a:tailEnd type="arrow"/>
+            </a:ln>
+            <a:effectLst/>
+          </p:spPr>
+        </p:cxnSp>
+      </p:grpSp>
+      <p:sp>
+        <p:nvSpPr>
+          <p:cNvPr id="26" name="TextBox 25"/>
+          <p:cNvSpPr txBox="1"/>
+          <p:nvPr/>
+        </p:nvSpPr>
+        <p:spPr>
+          <a:xfrm>
+            <a:off x="92481" y="4473116"/>
+            <a:ext cx="8946681" cy="1692771"/>
+          </a:xfrm>
+          <a:prstGeom prst="rect">
+            <a:avLst/>
+          </a:prstGeom>
+          <a:noFill/>
+        </p:spPr>
+        <p:txBody>
+          <a:bodyPr wrap="none" rtlCol="0">
+            <a:spAutoFit/>
+          </a:bodyPr>
+          <a:lstStyle/>
+          <a:p>
+            <a:r>
+              <a:rPr lang="en-US" sz="2600" b="0" i="1" dirty="0" smtClean="0">
+                <a:solidFill>
+                  <a:srgbClr val="FF0909"/>
+                </a:solidFill>
+              </a:rPr>
+              <a:t>Constant number of persist barriers per batch</a:t>
+            </a:r>
+          </a:p>
+          <a:p>
+            <a:r>
+              <a:rPr lang="en-US" sz="2600" b="0" i="1" dirty="0" smtClean="0">
+                <a:solidFill>
+                  <a:srgbClr val="FF0909"/>
+                </a:solidFill>
+              </a:rPr>
+              <a:t>No centralized logging</a:t>
+            </a:r>
+          </a:p>
+          <a:p>
+            <a:r>
+              <a:rPr lang="en-US" sz="2600" b="0" i="1" dirty="0" smtClean="0">
+                <a:solidFill>
+                  <a:srgbClr val="FF0909"/>
+                </a:solidFill>
+              </a:rPr>
+              <a:t>Throughput high so long as batch </a:t>
+            </a:r>
+            <a:r>
+              <a:rPr lang="en-US" sz="2600" b="0" i="1" dirty="0" err="1" smtClean="0">
+                <a:solidFill>
+                  <a:srgbClr val="FF0909"/>
+                </a:solidFill>
+              </a:rPr>
+              <a:t>quiesce</a:t>
+            </a:r>
+            <a:r>
+              <a:rPr lang="en-US" sz="2600" b="0" i="1" dirty="0" smtClean="0">
+                <a:solidFill>
+                  <a:srgbClr val="FF0909"/>
+                </a:solidFill>
+              </a:rPr>
+              <a:t>/persist short</a:t>
+            </a:r>
+          </a:p>
+          <a:p>
+            <a:r>
+              <a:rPr lang="en-US" sz="2600" b="0" i="1" dirty="0" smtClean="0">
+                <a:solidFill>
+                  <a:srgbClr val="FF0909"/>
+                </a:solidFill>
+              </a:rPr>
+              <a:t>Several other tradeoffs</a:t>
+            </a:r>
+            <a:r>
+              <a:rPr lang="en-US" sz="2600" b="0" i="1" dirty="0">
+                <a:solidFill>
+                  <a:srgbClr val="FF0909"/>
+                </a:solidFill>
+              </a:rPr>
+              <a:t> </a:t>
+            </a:r>
+            <a:r>
+              <a:rPr lang="en-US" sz="2600" b="0" i="1" dirty="0" smtClean="0">
+                <a:solidFill>
+                  <a:srgbClr val="FF0909"/>
+                </a:solidFill>
+              </a:rPr>
+              <a:t>(e.g., increased transaction latency)</a:t>
+            </a:r>
+            <a:endParaRPr lang="en-US" sz="2600" b="0" i="1" dirty="0">
+              <a:solidFill>
+                <a:srgbClr val="FF0909"/>
+              </a:solidFill>
+            </a:endParaRPr>
+          </a:p>
+        </p:txBody>
+      </p:sp>
+      <p:grpSp>
+        <p:nvGrpSpPr>
+          <p:cNvPr id="25" name="Group 24"/>
+          <p:cNvGrpSpPr/>
+          <p:nvPr/>
+        </p:nvGrpSpPr>
+        <p:grpSpPr>
+          <a:xfrm>
+            <a:off x="4572000" y="1772816"/>
+            <a:ext cx="2224958" cy="1908212"/>
+            <a:chOff x="4572000" y="1540823"/>
+            <a:chExt cx="2224958" cy="2536249"/>
+          </a:xfrm>
+        </p:grpSpPr>
+        <p:cxnSp>
+          <p:nvCxnSpPr>
+            <p:cNvPr id="28" name="Straight Connector 27"/>
+            <p:cNvCxnSpPr/>
+            <p:nvPr/>
+          </p:nvCxnSpPr>
+          <p:spPr bwMode="auto">
+            <a:xfrm>
+              <a:off x="4572000" y="1540823"/>
+              <a:ext cx="0" cy="2536249"/>
+            </a:xfrm>
+            <a:prstGeom prst="line">
+              <a:avLst/>
+            </a:prstGeom>
+            <a:solidFill>
+              <a:schemeClr val="accent1"/>
+            </a:solidFill>
+            <a:ln w="38100" cap="flat" cmpd="sng" algn="ctr">
+              <a:solidFill>
+                <a:schemeClr val="tx1"/>
+              </a:solidFill>
+              <a:prstDash val="dash"/>
+              <a:round/>
+              <a:headEnd type="none" w="med" len="med"/>
+              <a:tailEnd type="none" w="med" len="med"/>
+            </a:ln>
+            <a:effectLst/>
+          </p:spPr>
+        </p:cxnSp>
+        <p:cxnSp>
+          <p:nvCxnSpPr>
+            <p:cNvPr id="29" name="Straight Connector 28"/>
+            <p:cNvCxnSpPr/>
+            <p:nvPr/>
+          </p:nvCxnSpPr>
+          <p:spPr bwMode="auto">
+            <a:xfrm>
+              <a:off x="6796958" y="1540823"/>
+              <a:ext cx="0" cy="2536249"/>
+            </a:xfrm>
+            <a:prstGeom prst="line">
+              <a:avLst/>
+            </a:prstGeom>
+            <a:solidFill>
+              <a:schemeClr val="accent1"/>
+            </a:solidFill>
+            <a:ln w="38100" cap="flat" cmpd="sng" algn="ctr">
+              <a:solidFill>
+                <a:schemeClr val="tx1"/>
+              </a:solidFill>
+              <a:prstDash val="dash"/>
+              <a:round/>
+              <a:headEnd type="none" w="med" len="med"/>
+              <a:tailEnd type="none" w="med" len="med"/>
+            </a:ln>
+            <a:effectLst/>
+          </p:spPr>
+        </p:cxnSp>
+      </p:grpSp>
+      <p:sp>
+        <p:nvSpPr>
+          <p:cNvPr id="20" name="TextBox 19"/>
+          <p:cNvSpPr txBox="1"/>
+          <p:nvPr/>
+        </p:nvSpPr>
+        <p:spPr>
+          <a:xfrm>
+            <a:off x="4554485" y="1746562"/>
+            <a:ext cx="2195270" cy="406518"/>
+          </a:xfrm>
+          <a:prstGeom prst="rect">
+            <a:avLst/>
+          </a:prstGeom>
+          <a:noFill/>
+        </p:spPr>
+        <p:txBody>
+          <a:bodyPr wrap="square" rtlCol="0">
+            <a:spAutoFit/>
+          </a:bodyPr>
+          <a:lstStyle/>
+          <a:p>
+            <a:r>
+              <a:rPr lang="en-US" b="0" dirty="0" smtClean="0"/>
+              <a:t>Persist barriers</a:t>
+            </a:r>
+            <a:endParaRPr lang="en-US" b="0" dirty="0"/>
+          </a:p>
+        </p:txBody>
+      </p:sp>
+    </p:spTree>
+    <p:extLst>
+      <p:ext uri="{BB962C8B-B14F-4D97-AF65-F5344CB8AC3E}">
+        <p14:creationId xmlns:p14="http://schemas.microsoft.com/office/powerpoint/2010/main" val="1808930007"/>
       </p:ext>
     </p:extLst>
   </p:cSld>

--- a/proposal/NVMW.pptx
+++ b/proposal/NVMW.pptx
@@ -7264,15 +7264,7 @@
                   <a:srgbClr val="FF0909"/>
                 </a:solidFill>
               </a:rPr>
-              <a:t>Group </a:t>
-            </a:r>
-            <a:r>
-              <a:rPr lang="en-US" sz="2400" b="0" i="1" dirty="0" smtClean="0">
-                <a:solidFill>
-                  <a:srgbClr val="FF0909"/>
-                </a:solidFill>
-              </a:rPr>
-              <a:t>commit recovers throughput when barrier latency exposed</a:t>
+              <a:t>Group commit recovers throughput when barrier latency exposed</a:t>
             </a:r>
             <a:endParaRPr lang="en-US" sz="2400" b="0" i="1" dirty="0">
               <a:solidFill>
@@ -7527,15 +7519,111 @@
                   <a:srgbClr val="FF0909"/>
                 </a:solidFill>
               </a:rPr>
-              <a:t>Hig</a:t>
-            </a:r>
+              <a:t>High performance barriers and memory system ideal</a:t>
+            </a:r>
+            <a:endParaRPr lang="en-US" sz="2400" b="0" i="1" dirty="0">
+              <a:solidFill>
+                <a:srgbClr val="FF0909"/>
+              </a:solidFill>
+            </a:endParaRPr>
+          </a:p>
+        </p:txBody>
+      </p:sp>
+      <p:sp>
+        <p:nvSpPr>
+          <p:cNvPr id="11" name="Left Arrow 10"/>
+          <p:cNvSpPr/>
+          <p:nvPr/>
+        </p:nvSpPr>
+        <p:spPr bwMode="auto">
+          <a:xfrm>
+            <a:off x="7452320" y="2683958"/>
+            <a:ext cx="980781" cy="413333"/>
+          </a:xfrm>
+          <a:prstGeom prst="leftArrow">
+            <a:avLst/>
+          </a:prstGeom>
+          <a:solidFill>
+            <a:srgbClr val="FF0000"/>
+          </a:solidFill>
+          <a:ln w="9525" cap="flat" cmpd="sng" algn="ctr">
+            <a:solidFill>
+              <a:schemeClr val="tx1"/>
+            </a:solidFill>
+            <a:prstDash val="solid"/>
+            <a:round/>
+            <a:headEnd type="none" w="med" len="med"/>
+            <a:tailEnd type="none" w="med" len="med"/>
+          </a:ln>
+          <a:effectLst/>
+        </p:spPr>
+        <p:txBody>
+          <a:bodyPr vert="horz" wrap="square" lIns="91440" tIns="45720" rIns="91440" bIns="45720" numCol="1" rtlCol="0" anchor="t" anchorCtr="0" compatLnSpc="1">
+            <a:prstTxWarp prst="textNoShape">
+              <a:avLst/>
+            </a:prstTxWarp>
+          </a:bodyPr>
+          <a:lstStyle/>
+          <a:p>
+            <a:pPr marL="0" marR="0" indent="0" algn="l" defTabSz="914400" rtl="0" eaLnBrk="0" fontAlgn="base" latinLnBrk="0" hangingPunct="0">
+              <a:lnSpc>
+                <a:spcPct val="100000"/>
+              </a:lnSpc>
+              <a:spcBef>
+                <a:spcPct val="0"/>
+              </a:spcBef>
+              <a:spcAft>
+                <a:spcPct val="0"/>
+              </a:spcAft>
+              <a:buClrTx/>
+              <a:buSzTx/>
+              <a:buFontTx/>
+              <a:buNone/>
+              <a:tabLst/>
+            </a:pPr>
+            <a:endParaRPr kumimoji="0" lang="en-US" sz="2400" b="0" i="0" u="none" strike="noStrike" cap="none" normalizeH="0" baseline="0" smtClean="0">
+              <a:ln>
+                <a:noFill/>
+              </a:ln>
+              <a:solidFill>
+                <a:schemeClr val="tx1"/>
+              </a:solidFill>
+              <a:effectLst/>
+              <a:latin typeface="Arial" charset="0"/>
+              <a:ea typeface="ＭＳ Ｐゴシック" charset="-128"/>
+            </a:endParaRPr>
+          </a:p>
+        </p:txBody>
+      </p:sp>
+      <p:sp>
+        <p:nvSpPr>
+          <p:cNvPr id="12" name="TextBox 11"/>
+          <p:cNvSpPr txBox="1"/>
+          <p:nvPr/>
+        </p:nvSpPr>
+        <p:spPr>
+          <a:xfrm>
+            <a:off x="1187291" y="6021288"/>
+            <a:ext cx="6769418" cy="461665"/>
+          </a:xfrm>
+          <a:prstGeom prst="rect">
+            <a:avLst/>
+          </a:prstGeom>
+          <a:noFill/>
+        </p:spPr>
+        <p:txBody>
+          <a:bodyPr wrap="none" rtlCol="0">
+            <a:spAutoFit/>
+          </a:bodyPr>
+          <a:lstStyle/>
+          <a:p>
             <a:r>
               <a:rPr lang="en-US" sz="2400" b="0" i="1" dirty="0" smtClean="0">
                 <a:solidFill>
                   <a:srgbClr val="FF0909"/>
                 </a:solidFill>
               </a:rPr>
-              <a:t>h performance barriers and memory system ideal</a:t>
+              <a:t>Disk replacement insensitive to latency, but slow</a:t>
             </a:r>
             <a:endParaRPr lang="en-US" sz="2400" b="0" i="1" dirty="0">
               <a:solidFill>
@@ -7589,7 +7677,7 @@
                                           </p:stCondLst>
                                         </p:cTn>
                                         <p:tgtEl>
-                                          <p:spTgt spid="9"/>
+                                          <p:spTgt spid="12"/>
                                         </p:tgtEl>
                                         <p:attrNameLst>
                                           <p:attrName>style.visibility</p:attrName>
@@ -7616,7 +7704,7 @@
                                           </p:stCondLst>
                                         </p:cTn>
                                         <p:tgtEl>
-                                          <p:spTgt spid="8"/>
+                                          <p:spTgt spid="11"/>
                                         </p:tgtEl>
                                         <p:attrNameLst>
                                           <p:attrName>style.visibility</p:attrName>
@@ -7661,7 +7749,7 @@
                                           </p:stCondLst>
                                         </p:cTn>
                                         <p:tgtEl>
-                                          <p:spTgt spid="9"/>
+                                          <p:spTgt spid="11"/>
                                         </p:tgtEl>
                                         <p:attrNameLst>
                                           <p:attrName>style.visibility</p:attrName>
@@ -7688,7 +7776,7 @@
                                           </p:stCondLst>
                                         </p:cTn>
                                         <p:tgtEl>
-                                          <p:spTgt spid="8"/>
+                                          <p:spTgt spid="12"/>
                                         </p:tgtEl>
                                         <p:attrNameLst>
                                           <p:attrName>style.visibility</p:attrName>
@@ -7733,7 +7821,7 @@
                                           </p:stCondLst>
                                         </p:cTn>
                                         <p:tgtEl>
-                                          <p:spTgt spid="3"/>
+                                          <p:spTgt spid="9"/>
                                         </p:tgtEl>
                                         <p:attrNameLst>
                                           <p:attrName>style.visibility</p:attrName>
@@ -7755,6 +7843,150 @@
                                     <p:set>
                                       <p:cBhvr>
                                         <p:cTn id="20" dur="1" fill="hold">
+                                          <p:stCondLst>
+                                            <p:cond delay="0"/>
+                                          </p:stCondLst>
+                                        </p:cTn>
+                                        <p:tgtEl>
+                                          <p:spTgt spid="8"/>
+                                        </p:tgtEl>
+                                        <p:attrNameLst>
+                                          <p:attrName>style.visibility</p:attrName>
+                                        </p:attrNameLst>
+                                      </p:cBhvr>
+                                      <p:to>
+                                        <p:strVal val="visible"/>
+                                      </p:to>
+                                    </p:set>
+                                  </p:childTnLst>
+                                </p:cTn>
+                              </p:par>
+                            </p:childTnLst>
+                          </p:cTn>
+                        </p:par>
+                      </p:childTnLst>
+                    </p:cTn>
+                  </p:par>
+                  <p:par>
+                    <p:cTn id="21" fill="hold">
+                      <p:stCondLst>
+                        <p:cond delay="indefinite"/>
+                      </p:stCondLst>
+                      <p:childTnLst>
+                        <p:par>
+                          <p:cTn id="22" fill="hold">
+                            <p:stCondLst>
+                              <p:cond delay="0"/>
+                            </p:stCondLst>
+                            <p:childTnLst>
+                              <p:par>
+                                <p:cTn id="23" presetID="1" presetClass="exit" presetSubtype="0" fill="hold" grpId="1" nodeType="clickEffect">
+                                  <p:stCondLst>
+                                    <p:cond delay="0"/>
+                                  </p:stCondLst>
+                                  <p:childTnLst>
+                                    <p:set>
+                                      <p:cBhvr>
+                                        <p:cTn id="24" dur="1" fill="hold">
+                                          <p:stCondLst>
+                                            <p:cond delay="0"/>
+                                          </p:stCondLst>
+                                        </p:cTn>
+                                        <p:tgtEl>
+                                          <p:spTgt spid="9"/>
+                                        </p:tgtEl>
+                                        <p:attrNameLst>
+                                          <p:attrName>style.visibility</p:attrName>
+                                        </p:attrNameLst>
+                                      </p:cBhvr>
+                                      <p:to>
+                                        <p:strVal val="hidden"/>
+                                      </p:to>
+                                    </p:set>
+                                  </p:childTnLst>
+                                </p:cTn>
+                              </p:par>
+                              <p:par>
+                                <p:cTn id="25" presetID="1" presetClass="exit" presetSubtype="0" fill="hold" grpId="1" nodeType="withEffect">
+                                  <p:stCondLst>
+                                    <p:cond delay="0"/>
+                                  </p:stCondLst>
+                                  <p:childTnLst>
+                                    <p:set>
+                                      <p:cBhvr>
+                                        <p:cTn id="26" dur="1" fill="hold">
+                                          <p:stCondLst>
+                                            <p:cond delay="0"/>
+                                          </p:stCondLst>
+                                        </p:cTn>
+                                        <p:tgtEl>
+                                          <p:spTgt spid="8"/>
+                                        </p:tgtEl>
+                                        <p:attrNameLst>
+                                          <p:attrName>style.visibility</p:attrName>
+                                        </p:attrNameLst>
+                                      </p:cBhvr>
+                                      <p:to>
+                                        <p:strVal val="hidden"/>
+                                      </p:to>
+                                    </p:set>
+                                  </p:childTnLst>
+                                </p:cTn>
+                              </p:par>
+                            </p:childTnLst>
+                          </p:cTn>
+                        </p:par>
+                      </p:childTnLst>
+                    </p:cTn>
+                  </p:par>
+                  <p:par>
+                    <p:cTn id="27" fill="hold">
+                      <p:stCondLst>
+                        <p:cond delay="indefinite"/>
+                      </p:stCondLst>
+                      <p:childTnLst>
+                        <p:par>
+                          <p:cTn id="28" fill="hold">
+                            <p:stCondLst>
+                              <p:cond delay="0"/>
+                            </p:stCondLst>
+                            <p:childTnLst>
+                              <p:par>
+                                <p:cTn id="29" presetID="1" presetClass="entr" presetSubtype="0" fill="hold" grpId="0" nodeType="clickEffect">
+                                  <p:stCondLst>
+                                    <p:cond delay="0"/>
+                                  </p:stCondLst>
+                                  <p:childTnLst>
+                                    <p:set>
+                                      <p:cBhvr>
+                                        <p:cTn id="30" dur="1" fill="hold">
+                                          <p:stCondLst>
+                                            <p:cond delay="0"/>
+                                          </p:stCondLst>
+                                        </p:cTn>
+                                        <p:tgtEl>
+                                          <p:spTgt spid="3"/>
+                                        </p:tgtEl>
+                                        <p:attrNameLst>
+                                          <p:attrName>style.visibility</p:attrName>
+                                        </p:attrNameLst>
+                                      </p:cBhvr>
+                                      <p:to>
+                                        <p:strVal val="visible"/>
+                                      </p:to>
+                                    </p:set>
+                                  </p:childTnLst>
+                                </p:cTn>
+                              </p:par>
+                              <p:par>
+                                <p:cTn id="31" presetID="1" presetClass="entr" presetSubtype="0" fill="hold" grpId="0" nodeType="withEffect">
+                                  <p:stCondLst>
+                                    <p:cond delay="0"/>
+                                  </p:stCondLst>
+                                  <p:childTnLst>
+                                    <p:set>
+                                      <p:cBhvr>
+                                        <p:cTn id="32" dur="1" fill="hold">
                                           <p:stCondLst>
                                             <p:cond delay="0"/>
                                           </p:stCondLst>
@@ -7807,6 +8039,10 @@
       <p:bldP spid="9" grpId="0" animBg="1"/>
       <p:bldP spid="9" grpId="1" animBg="1"/>
       <p:bldP spid="10" grpId="0"/>
+      <p:bldP spid="11" grpId="0" animBg="1"/>
+      <p:bldP spid="11" grpId="1" animBg="1"/>
+      <p:bldP spid="12" grpId="0"/>
+      <p:bldP spid="12" grpId="1"/>
     </p:bldLst>
   </p:timing>
 </p:sld>
@@ -7846,7 +8082,7 @@
           <a:p>
             <a:r>
               <a:rPr lang="en-US" dirty="0" smtClean="0"/>
-              <a:t>Not discussed (see VLDB paper)</a:t>
+              <a:t>In the VLDB paper…</a:t>
             </a:r>
             <a:endParaRPr lang="en-US" dirty="0"/>
           </a:p>
@@ -7971,15 +8207,15 @@
           <a:p>
             <a:r>
               <a:rPr lang="en-US" dirty="0" smtClean="0"/>
-              <a:t>Next: p</a:t>
-            </a:r>
-            <a:r>
-              <a:rPr lang="en-US" dirty="0" smtClean="0"/>
-              <a:t>ractical</a:t>
-            </a:r>
-            <a:r>
-              <a:rPr lang="en-US" dirty="0" smtClean="0"/>
-              <a:t> NVRAM optimizations</a:t>
+              <a:t>Future work</a:t>
+            </a:r>
+            <a:r>
+              <a:rPr lang="en-US" smtClean="0"/>
+              <a:t>: NVRAM </a:t>
+            </a:r>
+            <a:r>
+              <a:rPr lang="en-US" dirty="0" smtClean="0"/>
+              <a:t>optimizations</a:t>
             </a:r>
             <a:endParaRPr lang="en-US" dirty="0"/>
           </a:p>
@@ -8018,7 +8254,6 @@
               <a:rPr lang="en-US" dirty="0" smtClean="0"/>
               <a:t>Hides persist and persist barrier latency</a:t>
             </a:r>
-            <a:endParaRPr lang="en-US" dirty="0" smtClean="0"/>
           </a:p>
           <a:p>
             <a:pPr lvl="1"/>
@@ -8042,13 +8277,8 @@
             <a:pPr lvl="1"/>
             <a:r>
               <a:rPr lang="en-US" dirty="0" smtClean="0"/>
-              <a:t>Omit persists </a:t>
-            </a:r>
-            <a:r>
-              <a:rPr lang="en-US" dirty="0" smtClean="0"/>
-              <a:t>if ordering constraints not violated</a:t>
-            </a:r>
-            <a:endParaRPr lang="en-US" dirty="0" smtClean="0"/>
+              <a:t>Omit persists if ordering constraints not violated</a:t>
+            </a:r>
           </a:p>
           <a:p>
             <a:pPr lvl="1"/>
@@ -8061,11 +8291,7 @@
             <a:pPr lvl="1"/>
             <a:r>
               <a:rPr lang="en-US" dirty="0" smtClean="0"/>
-              <a:t>Reduces </a:t>
-            </a:r>
-            <a:r>
-              <a:rPr lang="en-US" dirty="0" smtClean="0"/>
-              <a:t>persist ordering critical path</a:t>
+              <a:t>Reduces persist ordering critical path</a:t>
             </a:r>
           </a:p>
         </p:txBody>
@@ -8122,15 +8348,25 @@
                   <a:srgbClr val="FF0909"/>
                 </a:solidFill>
               </a:rPr>
-              <a:t>Need </a:t>
-            </a:r>
+              <a:t>Need mechanisms to precisely label persist ordering constraints</a:t>
+            </a:r>
+          </a:p>
+          <a:p>
             <a:r>
               <a:rPr lang="en-US" sz="2400" b="0" i="1" dirty="0" smtClean="0">
                 <a:solidFill>
                   <a:srgbClr val="FF0909"/>
                 </a:solidFill>
               </a:rPr>
-              <a:t>mechanisms</a:t>
+              <a:t>[upcoming ISCA: </a:t>
+            </a:r>
+            <a:r>
+              <a:rPr lang="en-US" sz="2400" i="1" dirty="0" smtClean="0">
+                <a:solidFill>
+                  <a:srgbClr val="FF0909"/>
+                </a:solidFill>
+              </a:rPr>
+              <a:t>Memory Persistency</a:t>
             </a:r>
             <a:r>
               <a:rPr lang="en-US" sz="2400" b="0" i="1" dirty="0" smtClean="0">
@@ -8138,41 +8374,7 @@
                   <a:srgbClr val="FF0909"/>
                 </a:solidFill>
               </a:rPr>
-              <a:t> </a:t>
-            </a:r>
-            <a:r>
-              <a:rPr lang="en-US" sz="2400" b="0" i="1" dirty="0" smtClean="0">
-                <a:solidFill>
-                  <a:srgbClr val="FF0909"/>
-                </a:solidFill>
-              </a:rPr>
-              <a:t>to precisely label persist ordering </a:t>
-            </a:r>
-            <a:r>
-              <a:rPr lang="en-US" sz="2400" b="0" i="1" dirty="0" smtClean="0">
-                <a:solidFill>
-                  <a:srgbClr val="FF0909"/>
-                </a:solidFill>
-              </a:rPr>
-              <a:t>constraints</a:t>
-            </a:r>
-          </a:p>
-          <a:p>
-            <a:r>
-              <a:rPr lang="en-US" sz="2400" b="0" i="1" dirty="0" smtClean="0">
-                <a:solidFill>
-                  <a:srgbClr val="FF0909"/>
-                </a:solidFill>
-              </a:rPr>
-              <a:t>[upcoming ISCA]</a:t>
-            </a:r>
-            <a:r>
-              <a:rPr lang="en-US" sz="2400" b="0" i="1" dirty="0" smtClean="0">
-                <a:solidFill>
-                  <a:srgbClr val="FF0909"/>
-                </a:solidFill>
-              </a:rPr>
-              <a:t> </a:t>
+              <a:t>] </a:t>
             </a:r>
             <a:endParaRPr lang="en-US" sz="2400" b="0" i="1" dirty="0">
               <a:solidFill>
@@ -8932,11 +9134,7 @@
             <a:pPr algn="l"/>
             <a:r>
               <a:rPr lang="en-US" b="0" dirty="0" smtClean="0"/>
-              <a:t>~ </a:t>
-            </a:r>
-            <a:r>
-              <a:rPr lang="en-US" b="0" dirty="0" smtClean="0"/>
-              <a:t>30 15krpm disks</a:t>
+              <a:t>~ 30 15krpm disks</a:t>
             </a:r>
           </a:p>
           <a:p>
@@ -8950,13 +9148,8 @@
             <a:pPr algn="l"/>
             <a:r>
               <a:rPr lang="en-US" sz="1200" b="0" dirty="0" smtClean="0"/>
-              <a:t>[device IOPS rates: Symantec</a:t>
-            </a:r>
-            <a:r>
-              <a:rPr lang="en-US" sz="1200" b="0" dirty="0" smtClean="0"/>
-              <a:t>]</a:t>
-            </a:r>
-            <a:endParaRPr lang="en-US" sz="1200" b="0" dirty="0" smtClean="0"/>
+              <a:t>[device IOPS rates: Symantec]</a:t>
+            </a:r>
           </a:p>
         </p:txBody>
       </p:sp>
@@ -9419,17 +9612,6 @@
               </a:rPr>
               <a:t>+50%</a:t>
             </a:r>
-            <a:endParaRPr kumimoji="0" lang="en-US" sz="2400" b="0" i="0" u="none" strike="noStrike" cap="none" normalizeH="0" baseline="0" dirty="0" smtClean="0">
-              <a:ln>
-                <a:noFill/>
-              </a:ln>
-              <a:solidFill>
-                <a:schemeClr val="tx1"/>
-              </a:solidFill>
-              <a:effectLst/>
-              <a:latin typeface="Arial" charset="0"/>
-              <a:ea typeface="ＭＳ Ｐゴシック" charset="-128"/>
-            </a:endParaRPr>
           </a:p>
         </p:txBody>
       </p:sp>
@@ -11238,7 +11420,15 @@
             </a:r>
             <a:r>
               <a:rPr lang="en-US" dirty="0"/>
-              <a:t>data through </a:t>
+              <a:t>data </a:t>
+            </a:r>
+            <a:r>
+              <a:rPr lang="en-US" dirty="0" smtClean="0"/>
+              <a:t>against</a:t>
+            </a:r>
+            <a:r>
+              <a:rPr lang="en-US" dirty="0" smtClean="0"/>
+              <a:t> </a:t>
             </a:r>
             <a:r>
               <a:rPr lang="en-US" dirty="0" smtClean="0"/>
@@ -11262,25 +11452,8 @@
           <a:p>
             <a:r>
               <a:rPr lang="en-US" dirty="0" smtClean="0"/>
-              <a:t>NVRAM </a:t>
-            </a:r>
-            <a:r>
-              <a:rPr lang="en-US" dirty="0" smtClean="0"/>
-              <a:t>accelerates</a:t>
-            </a:r>
-            <a:r>
-              <a:rPr lang="en-US" dirty="0" smtClean="0"/>
-              <a:t> </a:t>
-            </a:r>
-            <a:r>
-              <a:rPr lang="en-US" dirty="0" smtClean="0"/>
-              <a:t>persistent </a:t>
-            </a:r>
-            <a:r>
-              <a:rPr lang="en-US" dirty="0" smtClean="0"/>
-              <a:t>storage access</a:t>
-            </a:r>
-            <a:endParaRPr lang="en-US" dirty="0" smtClean="0"/>
+              <a:t>NVRAM accelerates persistent storage access</a:t>
+            </a:r>
           </a:p>
           <a:p>
             <a:pPr lvl="1"/>
@@ -11292,21 +11465,8 @@
           <a:p>
             <a:r>
               <a:rPr lang="en-US" dirty="0" smtClean="0"/>
-              <a:t>Create recoverable, h</a:t>
-            </a:r>
-            <a:r>
-              <a:rPr lang="en-US" dirty="0" smtClean="0"/>
-              <a:t>igh </a:t>
-            </a:r>
-            <a:r>
-              <a:rPr lang="en-US" dirty="0" smtClean="0"/>
-              <a:t>performance data structures (main-memory/DRAM speed</a:t>
-            </a:r>
-            <a:r>
-              <a:rPr lang="en-US" dirty="0" smtClean="0"/>
-              <a:t>)</a:t>
-            </a:r>
-            <a:endParaRPr lang="en-US" dirty="0" smtClean="0"/>
+              <a:t>Create recoverable, high performance data structures (main-memory/DRAM speed)</a:t>
+            </a:r>
           </a:p>
         </p:txBody>
       </p:sp>
@@ -11497,7 +11657,7 @@
           <a:p>
             <a:r>
               <a:rPr lang="en-US" dirty="0" smtClean="0"/>
-              <a:t>Optimizing NVRAM services</a:t>
+              <a:t>Optimizing NVRAM </a:t>
             </a:r>
             <a:endParaRPr lang="en-US" dirty="0"/>
           </a:p>
@@ -11527,13 +11687,8 @@
             <a:pPr lvl="1"/>
             <a:r>
               <a:rPr lang="en-US" dirty="0" smtClean="0"/>
-              <a:t>NVRAM as a disk replacement (</a:t>
-            </a:r>
-            <a:r>
-              <a:rPr lang="en-US" dirty="0" smtClean="0"/>
-              <a:t>ARIES/WAL)</a:t>
-            </a:r>
-            <a:endParaRPr lang="en-US" dirty="0" smtClean="0"/>
+              <a:t>NVRAM as a disk replacement (ARIES/WAL)</a:t>
+            </a:r>
           </a:p>
           <a:p>
             <a:pPr lvl="1"/>
@@ -11556,15 +11711,15 @@
           <a:p>
             <a:r>
               <a:rPr lang="en-US" dirty="0" smtClean="0"/>
-              <a:t>Next: e</a:t>
-            </a:r>
-            <a:r>
-              <a:rPr lang="en-US" dirty="0" smtClean="0"/>
-              <a:t>xplore </a:t>
-            </a:r>
-            <a:r>
-              <a:rPr lang="en-US" dirty="0" smtClean="0"/>
-              <a:t>desirable optimizations and semantics for NVRAM memory systems</a:t>
+              <a:t>Future work</a:t>
+            </a:r>
+            <a:r>
+              <a:rPr lang="en-US" dirty="0" smtClean="0"/>
+              <a:t>: </a:t>
+            </a:r>
+            <a:r>
+              <a:rPr lang="en-US" dirty="0" smtClean="0"/>
+              <a:t>explore desirable optimizations and semantics for NVRAM memory systems</a:t>
             </a:r>
           </a:p>
         </p:txBody>
@@ -12505,15 +12660,7 @@
           <a:p>
             <a:r>
               <a:rPr lang="en-US" dirty="0" smtClean="0"/>
-              <a:t>Alternative: order </a:t>
-            </a:r>
-            <a:r>
-              <a:rPr lang="en-US" dirty="0" smtClean="0"/>
-              <a:t>persists </a:t>
-            </a:r>
-            <a:r>
-              <a:rPr lang="en-US" dirty="0" smtClean="0"/>
-              <a:t>immediately</a:t>
+              <a:t>Alternative: order persists immediately</a:t>
             </a:r>
             <a:endParaRPr lang="en-US" dirty="0"/>
           </a:p>
@@ -12536,11 +12683,11 @@
           <a:p>
             <a:r>
               <a:rPr lang="en-US" dirty="0" smtClean="0"/>
-              <a:t>Persist b</a:t>
-            </a:r>
-            <a:r>
-              <a:rPr lang="en-US" dirty="0" smtClean="0"/>
-              <a:t>arriers previously proposed </a:t>
+              <a:t>Persist </a:t>
+            </a:r>
+            <a:r>
+              <a:rPr lang="en-US" dirty="0" smtClean="0"/>
+              <a:t>barriers </a:t>
             </a:r>
             <a:r>
               <a:rPr lang="en-US" sz="1800" dirty="0" smtClean="0"/>
@@ -12592,15 +12739,7 @@
             </a:r>
             <a:r>
               <a:rPr lang="en-US" dirty="0" smtClean="0"/>
-              <a:t> </a:t>
-            </a:r>
-            <a:r>
-              <a:rPr lang="en-US" dirty="0" smtClean="0"/>
-              <a:t>determine </a:t>
-            </a:r>
-            <a:r>
-              <a:rPr lang="en-US" dirty="0" smtClean="0"/>
-              <a:t>resulting performance</a:t>
+              <a:t> determine resulting performance</a:t>
             </a:r>
           </a:p>
         </p:txBody>
@@ -12683,11 +12822,7 @@
           <a:p>
             <a:r>
               <a:rPr lang="en-US" dirty="0" smtClean="0"/>
-              <a:t>NVRAM in-place </a:t>
-            </a:r>
-            <a:r>
-              <a:rPr lang="en-US" dirty="0" smtClean="0"/>
-              <a:t>updates</a:t>
+              <a:t>NVRAM in-place updates</a:t>
             </a:r>
             <a:endParaRPr lang="en-US" dirty="0"/>
           </a:p>
@@ -13902,18 +14037,10 @@
               <a:tabLst/>
             </a:pPr>
             <a:r>
-              <a:rPr kumimoji="0" lang="en-US" sz="2400" b="0" i="0" u="none" strike="noStrike" cap="none" normalizeH="0" baseline="0" dirty="0" smtClean="0">
-                <a:ln>
-                  <a:noFill/>
-                </a:ln>
-                <a:solidFill>
-                  <a:schemeClr val="tx1"/>
-                </a:solidFill>
-                <a:effectLst/>
-                <a:latin typeface="Arial" charset="0"/>
+              <a:rPr lang="en-US" sz="2400" b="0" dirty="0" smtClean="0">
                 <a:ea typeface="ＭＳ Ｐゴシック" charset="-128"/>
               </a:rPr>
-              <a:t>Undo</a:t>
+              <a:t>Persist</a:t>
             </a:r>
             <a:r>
               <a:rPr kumimoji="0" lang="en-US" sz="2400" b="0" i="0" u="none" strike="noStrike" cap="none" normalizeH="0" dirty="0" smtClean="0">
@@ -13927,7 +14054,21 @@
                 <a:latin typeface="Arial" charset="0"/>
                 <a:ea typeface="ＭＳ Ｐゴシック" charset="-128"/>
               </a:rPr>
-              <a:t> log</a:t>
+              <a:t> </a:t>
+            </a:r>
+            <a:r>
+              <a:rPr kumimoji="0" lang="en-US" sz="2400" b="0" i="0" u="none" strike="noStrike" cap="none" normalizeH="0" dirty="0" smtClean="0">
+                <a:ln>
+                  <a:noFill/>
+                </a:ln>
+                <a:solidFill>
+                  <a:schemeClr val="tx1"/>
+                </a:solidFill>
+                <a:effectLst/>
+                <a:latin typeface="Arial" charset="0"/>
+                <a:ea typeface="ＭＳ Ｐゴシック" charset="-128"/>
+              </a:rPr>
+              <a:t>log</a:t>
             </a:r>
             <a:endParaRPr kumimoji="0" lang="en-US" sz="2400" b="0" i="0" u="none" strike="noStrike" cap="none" normalizeH="0" baseline="0" dirty="0" smtClean="0">
               <a:ln>
@@ -13999,7 +14140,13 @@
               <a:rPr lang="en-US" sz="2400" b="0" dirty="0" smtClean="0">
                 <a:ea typeface="ＭＳ Ｐゴシック" charset="-128"/>
               </a:rPr>
-              <a:t>Persist store</a:t>
+              <a:t>Persist </a:t>
+            </a:r>
+            <a:r>
+              <a:rPr lang="en-US" sz="2400" b="0" dirty="0" smtClean="0">
+                <a:ea typeface="ＭＳ Ｐゴシック" charset="-128"/>
+              </a:rPr>
+              <a:t>heap</a:t>
             </a:r>
             <a:endParaRPr kumimoji="0" lang="en-US" sz="2400" b="0" i="0" u="none" strike="noStrike" cap="none" normalizeH="0" baseline="0" dirty="0" smtClean="0">
               <a:ln>
@@ -14283,15 +14430,7 @@
             <a:pPr algn="l"/>
             <a:r>
               <a:rPr lang="en-US" b="0" dirty="0" smtClean="0"/>
-              <a:t>Batch’s updates</a:t>
-            </a:r>
-            <a:r>
-              <a:rPr lang="en-US" b="0" dirty="0" smtClean="0"/>
-              <a:t> persist to batch log, then </a:t>
-            </a:r>
-            <a:r>
-              <a:rPr lang="en-US" b="0" dirty="0" smtClean="0"/>
-              <a:t>in place</a:t>
+              <a:t>Batch’s updates persist to batch log, then in place</a:t>
             </a:r>
             <a:endParaRPr lang="en-US" b="0" dirty="0"/>
           </a:p>

--- a/proposal/NVMW.pptx
+++ b/proposal/NVMW.pptx
@@ -8509,7 +8509,7 @@
           <a:p>
             <a:r>
               <a:rPr lang="en-US" dirty="0" smtClean="0"/>
-              <a:t>Conclusions</a:t>
+              <a:t>Conclusion</a:t>
             </a:r>
             <a:endParaRPr lang="en-US" dirty="0"/>
           </a:p>
@@ -10839,7 +10839,27 @@
           <a:p>
             <a:r>
               <a:rPr lang="en-US" dirty="0" smtClean="0"/>
-              <a:t>New NVRAMs provide fast, scalable storage (phase change, </a:t>
+              <a:t>New NVRAMs provide </a:t>
+            </a:r>
+            <a:r>
+              <a:rPr lang="en-US" dirty="0" smtClean="0"/>
+              <a:t>fast</a:t>
+            </a:r>
+            <a:r>
+              <a:rPr lang="en-US" dirty="0"/>
+              <a:t> </a:t>
+            </a:r>
+            <a:r>
+              <a:rPr lang="en-US" dirty="0" smtClean="0"/>
+              <a:t>durable</a:t>
+            </a:r>
+            <a:r>
+              <a:rPr lang="en-US" dirty="0" smtClean="0"/>
+              <a:t> </a:t>
+            </a:r>
+            <a:r>
+              <a:rPr lang="en-US" dirty="0" smtClean="0"/>
+              <a:t>storage (phase change, </a:t>
             </a:r>
             <a:r>
               <a:rPr lang="en-US" dirty="0" err="1" smtClean="0"/>
@@ -11424,16 +11444,13 @@
             </a:r>
             <a:r>
               <a:rPr lang="en-US" dirty="0" smtClean="0"/>
-              <a:t>against</a:t>
-            </a:r>
-            <a:r>
-              <a:rPr lang="en-US" dirty="0" smtClean="0"/>
-              <a:t> </a:t>
-            </a:r>
-            <a:r>
-              <a:rPr lang="en-US" dirty="0" smtClean="0"/>
-              <a:t>failure</a:t>
-            </a:r>
+              <a:t>against </a:t>
+            </a:r>
+            <a:r>
+              <a:rPr lang="en-US" dirty="0" smtClean="0"/>
+              <a:t>server failure</a:t>
+            </a:r>
+            <a:endParaRPr lang="en-US" dirty="0" smtClean="0"/>
           </a:p>
           <a:p>
             <a:pPr lvl="1"/>
@@ -11711,15 +11728,7 @@
           <a:p>
             <a:r>
               <a:rPr lang="en-US" dirty="0" smtClean="0"/>
-              <a:t>Future work</a:t>
-            </a:r>
-            <a:r>
-              <a:rPr lang="en-US" dirty="0" smtClean="0"/>
-              <a:t>: </a:t>
-            </a:r>
-            <a:r>
-              <a:rPr lang="en-US" dirty="0" smtClean="0"/>
-              <a:t>explore desirable optimizations and semantics for NVRAM memory systems</a:t>
+              <a:t>Future work: explore desirable optimizations and semantics for NVRAM memory systems</a:t>
             </a:r>
           </a:p>
         </p:txBody>
@@ -12683,11 +12692,7 @@
           <a:p>
             <a:r>
               <a:rPr lang="en-US" dirty="0" smtClean="0"/>
-              <a:t>Persist </a:t>
-            </a:r>
-            <a:r>
-              <a:rPr lang="en-US" dirty="0" smtClean="0"/>
-              <a:t>barriers </a:t>
+              <a:t>Persist barriers </a:t>
             </a:r>
             <a:r>
               <a:rPr lang="en-US" sz="1800" dirty="0" smtClean="0"/>
@@ -14054,21 +14059,7 @@
                 <a:latin typeface="Arial" charset="0"/>
                 <a:ea typeface="ＭＳ Ｐゴシック" charset="-128"/>
               </a:rPr>
-              <a:t> </a:t>
-            </a:r>
-            <a:r>
-              <a:rPr kumimoji="0" lang="en-US" sz="2400" b="0" i="0" u="none" strike="noStrike" cap="none" normalizeH="0" dirty="0" smtClean="0">
-                <a:ln>
-                  <a:noFill/>
-                </a:ln>
-                <a:solidFill>
-                  <a:schemeClr val="tx1"/>
-                </a:solidFill>
-                <a:effectLst/>
-                <a:latin typeface="Arial" charset="0"/>
-                <a:ea typeface="ＭＳ Ｐゴシック" charset="-128"/>
-              </a:rPr>
-              <a:t>log</a:t>
+              <a:t> log</a:t>
             </a:r>
             <a:endParaRPr kumimoji="0" lang="en-US" sz="2400" b="0" i="0" u="none" strike="noStrike" cap="none" normalizeH="0" baseline="0" dirty="0" smtClean="0">
               <a:ln>
@@ -14140,13 +14131,7 @@
               <a:rPr lang="en-US" sz="2400" b="0" dirty="0" smtClean="0">
                 <a:ea typeface="ＭＳ Ｐゴシック" charset="-128"/>
               </a:rPr>
-              <a:t>Persist </a:t>
-            </a:r>
-            <a:r>
-              <a:rPr lang="en-US" sz="2400" b="0" dirty="0" smtClean="0">
-                <a:ea typeface="ＭＳ Ｐゴシック" charset="-128"/>
-              </a:rPr>
-              <a:t>heap</a:t>
+              <a:t>Persist heap</a:t>
             </a:r>
             <a:endParaRPr kumimoji="0" lang="en-US" sz="2400" b="0" i="0" u="none" strike="noStrike" cap="none" normalizeH="0" baseline="0" dirty="0" smtClean="0">
               <a:ln>
@@ -14883,18 +14868,10 @@
               <a:tabLst/>
             </a:pPr>
             <a:r>
-              <a:rPr kumimoji="0" lang="en-US" sz="2400" b="0" i="0" u="none" strike="noStrike" cap="none" normalizeH="0" baseline="0" dirty="0" smtClean="0">
-                <a:ln>
-                  <a:noFill/>
-                </a:ln>
-                <a:solidFill>
-                  <a:schemeClr val="tx1"/>
-                </a:solidFill>
-                <a:effectLst/>
-                <a:latin typeface="Arial" charset="0"/>
+              <a:rPr lang="en-US" sz="2400" b="0" dirty="0" smtClean="0">
                 <a:ea typeface="ＭＳ Ｐゴシック" charset="-128"/>
               </a:rPr>
-              <a:t>Undo</a:t>
+              <a:t>Persist</a:t>
             </a:r>
             <a:r>
               <a:rPr kumimoji="0" lang="en-US" sz="2400" b="0" i="0" u="none" strike="noStrike" cap="none" normalizeH="0" dirty="0" smtClean="0">
@@ -14908,7 +14885,21 @@
                 <a:latin typeface="Arial" charset="0"/>
                 <a:ea typeface="ＭＳ Ｐゴシック" charset="-128"/>
               </a:rPr>
-              <a:t> log</a:t>
+              <a:t> </a:t>
+            </a:r>
+            <a:r>
+              <a:rPr kumimoji="0" lang="en-US" sz="2400" b="0" i="0" u="none" strike="noStrike" cap="none" normalizeH="0" dirty="0" smtClean="0">
+                <a:ln>
+                  <a:noFill/>
+                </a:ln>
+                <a:solidFill>
+                  <a:schemeClr val="tx1"/>
+                </a:solidFill>
+                <a:effectLst/>
+                <a:latin typeface="Arial" charset="0"/>
+                <a:ea typeface="ＭＳ Ｐゴシック" charset="-128"/>
+              </a:rPr>
+              <a:t>log</a:t>
             </a:r>
             <a:endParaRPr kumimoji="0" lang="en-US" sz="2400" b="0" i="0" u="none" strike="noStrike" cap="none" normalizeH="0" baseline="0" dirty="0" smtClean="0">
               <a:ln>
@@ -14980,7 +14971,13 @@
               <a:rPr lang="en-US" sz="2400" b="0" dirty="0" smtClean="0">
                 <a:ea typeface="ＭＳ Ｐゴシック" charset="-128"/>
               </a:rPr>
-              <a:t>Persist store</a:t>
+              <a:t>Persist </a:t>
+            </a:r>
+            <a:r>
+              <a:rPr lang="en-US" sz="2400" b="0" dirty="0" smtClean="0">
+                <a:ea typeface="ＭＳ Ｐゴシック" charset="-128"/>
+              </a:rPr>
+              <a:t>heap</a:t>
             </a:r>
             <a:endParaRPr kumimoji="0" lang="en-US" sz="2400" b="0" i="0" u="none" strike="noStrike" cap="none" normalizeH="0" baseline="0" dirty="0" smtClean="0">
               <a:ln>
